--- a/Query/Data Models   and Query Languages.pptx
+++ b/Query/Data Models   and Query Languages.pptx
@@ -10,22 +10,24 @@
     <p:sldId id="258" r:id="rId4"/>
     <p:sldId id="259" r:id="rId5"/>
     <p:sldId id="260" r:id="rId6"/>
-    <p:sldId id="261" r:id="rId7"/>
-    <p:sldId id="262" r:id="rId8"/>
-    <p:sldId id="263" r:id="rId9"/>
-    <p:sldId id="264" r:id="rId10"/>
-    <p:sldId id="265" r:id="rId11"/>
-    <p:sldId id="267" r:id="rId12"/>
-    <p:sldId id="268" r:id="rId13"/>
-    <p:sldId id="269" r:id="rId14"/>
-    <p:sldId id="270" r:id="rId15"/>
-    <p:sldId id="271" r:id="rId16"/>
-    <p:sldId id="272" r:id="rId17"/>
-    <p:sldId id="273" r:id="rId18"/>
-    <p:sldId id="274" r:id="rId19"/>
-    <p:sldId id="275" r:id="rId20"/>
-    <p:sldId id="276" r:id="rId21"/>
-    <p:sldId id="277" r:id="rId22"/>
+    <p:sldId id="278" r:id="rId7"/>
+    <p:sldId id="279" r:id="rId8"/>
+    <p:sldId id="261" r:id="rId9"/>
+    <p:sldId id="262" r:id="rId10"/>
+    <p:sldId id="263" r:id="rId11"/>
+    <p:sldId id="264" r:id="rId12"/>
+    <p:sldId id="265" r:id="rId13"/>
+    <p:sldId id="267" r:id="rId14"/>
+    <p:sldId id="268" r:id="rId15"/>
+    <p:sldId id="269" r:id="rId16"/>
+    <p:sldId id="270" r:id="rId17"/>
+    <p:sldId id="271" r:id="rId18"/>
+    <p:sldId id="272" r:id="rId19"/>
+    <p:sldId id="273" r:id="rId20"/>
+    <p:sldId id="274" r:id="rId21"/>
+    <p:sldId id="275" r:id="rId22"/>
+    <p:sldId id="276" r:id="rId23"/>
+    <p:sldId id="277" r:id="rId24"/>
   </p:sldIdLst>
   <p:sldSz cx="12192000" cy="6858000"/>
   <p:notesSz cx="6858000" cy="9144000"/>
@@ -124,6 +126,11 @@
       </a:defRPr>
     </a:lvl9pPr>
   </p:defaultTextStyle>
+  <p:extLst>
+    <p:ext uri="{EFAFB233-063F-42B5-8137-9DF3F51BA10A}">
+      <p15:sldGuideLst xmlns:p15="http://schemas.microsoft.com/office/powerpoint/2012/main"/>
+    </p:ext>
+  </p:extLst>
 </p:presentation>
 </file>
 
@@ -3634,6 +3641,13 @@
   <p:clrMapOvr>
     <a:masterClrMapping/>
   </p:clrMapOvr>
+  <p:timing>
+    <p:tnLst>
+      <p:par>
+        <p:cTn id="1" dur="indefinite" restart="never" nodeType="tmRoot"/>
+      </p:par>
+    </p:tnLst>
+  </p:timing>
 </p:sld>
 </file>
 
@@ -3666,156 +3680,103 @@
         </p:nvSpPr>
         <p:spPr/>
         <p:txBody>
+          <a:bodyPr>
+            <a:normAutofit fontScale="90000"/>
+          </a:bodyPr>
+          <a:lstStyle/>
+          <a:p>
+            <a:r>
+              <a:rPr lang="fr-FR" dirty="0" err="1"/>
+              <a:t>Relational</a:t>
+            </a:r>
+            <a:r>
+              <a:rPr lang="fr-FR" dirty="0"/>
+              <a:t> Versus Document </a:t>
+            </a:r>
+            <a:r>
+              <a:rPr lang="fr-FR" dirty="0" err="1"/>
+              <a:t>Databases</a:t>
+            </a:r>
+            <a:r>
+              <a:rPr lang="fr-FR" dirty="0"/>
+              <a:t> </a:t>
+            </a:r>
+            <a:r>
+              <a:rPr lang="fr-FR" dirty="0" err="1"/>
+              <a:t>Today</a:t>
+            </a:r>
+            <a:r>
+              <a:rPr lang="fr-FR" dirty="0"/>
+              <a:t> </a:t>
+            </a:r>
+            <a:br>
+              <a:rPr lang="fr-FR" dirty="0"/>
+            </a:br>
+            <a:endParaRPr lang="en-US" dirty="0"/>
+          </a:p>
+        </p:txBody>
+      </p:sp>
+      <p:sp>
+        <p:nvSpPr>
+          <p:cNvPr id="3" name="Content Placeholder 2"/>
+          <p:cNvSpPr>
+            <a:spLocks noGrp="1"/>
+          </p:cNvSpPr>
+          <p:nvPr>
+            <p:ph idx="1"/>
+          </p:nvPr>
+        </p:nvSpPr>
+        <p:spPr/>
+        <p:txBody>
           <a:bodyPr/>
           <a:lstStyle/>
           <a:p>
             <a:r>
-              <a:rPr lang="en-US" dirty="0" smtClean="0"/>
-              <a:t>Map-Reduce</a:t>
-            </a:r>
-            <a:endParaRPr lang="en-US" dirty="0"/>
-          </a:p>
-        </p:txBody>
-      </p:sp>
-      <p:sp>
-        <p:nvSpPr>
-          <p:cNvPr id="3" name="Content Placeholder 2"/>
-          <p:cNvSpPr>
-            <a:spLocks noGrp="1"/>
-          </p:cNvSpPr>
-          <p:nvPr>
-            <p:ph idx="1"/>
-          </p:nvPr>
-        </p:nvSpPr>
-        <p:spPr/>
-        <p:txBody>
-          <a:bodyPr/>
-          <a:lstStyle/>
-          <a:p>
-            <a:r>
-              <a:rPr lang="en-US" dirty="0"/>
-              <a:t>Distributed File-System - DFS (</a:t>
-            </a:r>
-            <a:r>
-              <a:rPr lang="en-US" dirty="0" err="1"/>
-              <a:t>Hệ</a:t>
-            </a:r>
-            <a:r>
-              <a:rPr lang="en-US" dirty="0"/>
-              <a:t> </a:t>
-            </a:r>
-            <a:r>
-              <a:rPr lang="en-US" dirty="0" err="1"/>
-              <a:t>thống</a:t>
-            </a:r>
-            <a:r>
-              <a:rPr lang="en-US" dirty="0"/>
-              <a:t> file </a:t>
-            </a:r>
-            <a:r>
-              <a:rPr lang="en-US" dirty="0" err="1"/>
-              <a:t>phân</a:t>
-            </a:r>
-            <a:r>
-              <a:rPr lang="en-US" dirty="0"/>
-              <a:t> </a:t>
-            </a:r>
-            <a:r>
-              <a:rPr lang="en-US" dirty="0" err="1"/>
-              <a:t>tán</a:t>
-            </a:r>
-            <a:r>
-              <a:rPr lang="en-US" dirty="0"/>
-              <a:t>)</a:t>
-            </a:r>
-          </a:p>
-          <a:p>
-            <a:r>
-              <a:rPr lang="en-US" dirty="0" err="1"/>
-              <a:t>Mô</a:t>
-            </a:r>
-            <a:r>
-              <a:rPr lang="en-US" dirty="0"/>
-              <a:t> </a:t>
-            </a:r>
-            <a:r>
-              <a:rPr lang="en-US" dirty="0" err="1"/>
-              <a:t>hình</a:t>
-            </a:r>
-            <a:r>
-              <a:rPr lang="en-US" dirty="0"/>
-              <a:t> </a:t>
-            </a:r>
-            <a:r>
-              <a:rPr lang="en-US" dirty="0" err="1"/>
-              <a:t>tính</a:t>
-            </a:r>
-            <a:r>
-              <a:rPr lang="en-US" dirty="0"/>
-              <a:t> </a:t>
-            </a:r>
-            <a:r>
-              <a:rPr lang="en-US" dirty="0" err="1"/>
-              <a:t>toán</a:t>
-            </a:r>
-            <a:r>
-              <a:rPr lang="en-US" dirty="0"/>
-              <a:t> </a:t>
-            </a:r>
-            <a:r>
-              <a:rPr lang="en-US" dirty="0" smtClean="0"/>
-              <a:t>Map-Reduce</a:t>
-            </a:r>
-            <a:endParaRPr lang="en-US" dirty="0"/>
-          </a:p>
-          <a:p>
-            <a:r>
-              <a:rPr lang="en-US" dirty="0" err="1"/>
-              <a:t>Lập</a:t>
-            </a:r>
-            <a:r>
-              <a:rPr lang="en-US" dirty="0"/>
-              <a:t> </a:t>
-            </a:r>
-            <a:r>
-              <a:rPr lang="en-US" dirty="0" err="1"/>
-              <a:t>lịch</a:t>
-            </a:r>
-            <a:r>
-              <a:rPr lang="en-US" dirty="0"/>
-              <a:t> </a:t>
-            </a:r>
-            <a:r>
-              <a:rPr lang="en-US" dirty="0" err="1"/>
-              <a:t>và</a:t>
-            </a:r>
-            <a:r>
-              <a:rPr lang="en-US" dirty="0"/>
-              <a:t> </a:t>
-            </a:r>
-            <a:r>
-              <a:rPr lang="en-US" dirty="0" err="1"/>
-              <a:t>luồng</a:t>
-            </a:r>
-            <a:r>
-              <a:rPr lang="en-US" dirty="0"/>
-              <a:t> </a:t>
-            </a:r>
-            <a:r>
-              <a:rPr lang="en-US" dirty="0" err="1"/>
-              <a:t>dữ</a:t>
-            </a:r>
-            <a:r>
-              <a:rPr lang="en-US" dirty="0"/>
-              <a:t> </a:t>
-            </a:r>
-            <a:r>
-              <a:rPr lang="en-US" dirty="0" err="1"/>
-              <a:t>liệu</a:t>
-            </a:r>
-            <a:endParaRPr lang="en-US" dirty="0"/>
-          </a:p>
-          <a:p>
+              <a:rPr lang="en-US" dirty="0"/>
+              <a:t>Which data model leads to simpler application code? </a:t>
+            </a:r>
+            <a:endParaRPr lang="en-US" dirty="0" smtClean="0"/>
+          </a:p>
+          <a:p>
+            <a:r>
+              <a:rPr lang="en-US" dirty="0" smtClean="0"/>
+              <a:t>Schema </a:t>
+            </a:r>
+            <a:r>
+              <a:rPr lang="en-US" dirty="0"/>
+              <a:t>flexibility in the document model </a:t>
+            </a:r>
+            <a:endParaRPr lang="en-US" dirty="0" smtClean="0"/>
+          </a:p>
+          <a:p>
+            <a:r>
+              <a:rPr lang="en-US" dirty="0"/>
+              <a:t>Data locality for queries </a:t>
+            </a:r>
+            <a:endParaRPr lang="en-US" dirty="0" smtClean="0"/>
+          </a:p>
+          <a:p>
+            <a:r>
+              <a:rPr lang="en-US" dirty="0"/>
+              <a:t>Convergence of document and relational databases </a:t>
+            </a:r>
+            <a:br>
+              <a:rPr lang="en-US" dirty="0"/>
+            </a:br>
+            <a:r>
+              <a:rPr lang="en-US" dirty="0"/>
+              <a:t/>
+            </a:r>
+            <a:br>
+              <a:rPr lang="en-US" dirty="0"/>
+            </a:br>
+            <a:r>
+              <a:rPr lang="en-US" dirty="0"/>
+              <a:t/>
+            </a:r>
+            <a:br>
+              <a:rPr lang="en-US" dirty="0"/>
+            </a:br>
             <a:endParaRPr lang="en-US" dirty="0"/>
           </a:p>
         </p:txBody>
@@ -3823,13 +3784,20 @@
     </p:spTree>
     <p:extLst>
       <p:ext uri="{BB962C8B-B14F-4D97-AF65-F5344CB8AC3E}">
-        <p14:creationId xmlns:p14="http://schemas.microsoft.com/office/powerpoint/2010/main" val="769452500"/>
+        <p14:creationId xmlns:p14="http://schemas.microsoft.com/office/powerpoint/2010/main" val="377641032"/>
       </p:ext>
     </p:extLst>
   </p:cSld>
   <p:clrMapOvr>
     <a:masterClrMapping/>
   </p:clrMapOvr>
+  <p:timing>
+    <p:tnLst>
+      <p:par>
+        <p:cTn id="1" dur="indefinite" restart="never" nodeType="tmRoot"/>
+      </p:par>
+    </p:tnLst>
+  </p:timing>
 </p:sld>
 </file>
 
@@ -3866,126 +3834,21 @@
           <a:lstStyle/>
           <a:p>
             <a:r>
-              <a:rPr lang="en-US" dirty="0" err="1"/>
-              <a:t>Vấn</a:t>
-            </a:r>
-            <a:r>
-              <a:rPr lang="en-US" dirty="0"/>
-              <a:t> </a:t>
-            </a:r>
-            <a:r>
-              <a:rPr lang="en-US" dirty="0" err="1"/>
-              <a:t>đề</a:t>
-            </a:r>
-            <a:r>
-              <a:rPr lang="en-US" dirty="0"/>
-              <a:t> </a:t>
-            </a:r>
-            <a:r>
-              <a:rPr lang="en-US" dirty="0" err="1"/>
-              <a:t>với</a:t>
-            </a:r>
-            <a:r>
-              <a:rPr lang="en-US" dirty="0"/>
-              <a:t> </a:t>
-            </a:r>
-            <a:r>
-              <a:rPr lang="en-US" dirty="0" err="1"/>
-              <a:t>năng</a:t>
-            </a:r>
-            <a:r>
-              <a:rPr lang="en-US" dirty="0"/>
-              <a:t> </a:t>
-            </a:r>
-            <a:r>
-              <a:rPr lang="en-US" dirty="0" err="1"/>
-              <a:t>lực</a:t>
-            </a:r>
-            <a:r>
-              <a:rPr lang="en-US" dirty="0"/>
-              <a:t> </a:t>
-            </a:r>
-            <a:r>
-              <a:rPr lang="en-US" dirty="0" err="1" smtClean="0"/>
-              <a:t>xử</a:t>
-            </a:r>
-            <a:r>
-              <a:rPr lang="en-US" dirty="0" smtClean="0"/>
-              <a:t> </a:t>
-            </a:r>
-            <a:r>
-              <a:rPr lang="en-US" dirty="0" err="1"/>
-              <a:t>lý</a:t>
-            </a:r>
-            <a:r>
-              <a:rPr lang="en-US" dirty="0"/>
-              <a:t> </a:t>
-            </a:r>
-            <a:r>
-              <a:rPr lang="en-US" dirty="0" err="1"/>
-              <a:t>của</a:t>
-            </a:r>
-            <a:r>
-              <a:rPr lang="en-US" dirty="0"/>
-              <a:t> </a:t>
-            </a:r>
-            <a:r>
-              <a:rPr lang="en-US" dirty="0" err="1"/>
-              <a:t>một</a:t>
-            </a:r>
-            <a:r>
-              <a:rPr lang="en-US" dirty="0"/>
-              <a:t> </a:t>
-            </a:r>
-            <a:r>
-              <a:rPr lang="en-US" dirty="0" err="1"/>
-              <a:t>máy</a:t>
-            </a:r>
-            <a:r>
-              <a:rPr lang="en-US" dirty="0"/>
-              <a:t> </a:t>
-            </a:r>
-            <a:r>
-              <a:rPr lang="en-US" dirty="0" err="1"/>
-              <a:t>tính</a:t>
-            </a:r>
-            <a:endParaRPr lang="en-US" dirty="0"/>
-          </a:p>
-        </p:txBody>
-      </p:sp>
-      <p:pic>
-        <p:nvPicPr>
-          <p:cNvPr id="5" name="Picture Placeholder 4"/>
-          <p:cNvPicPr>
-            <a:picLocks noGrp="1" noChangeAspect="1"/>
-          </p:cNvPicPr>
-          <p:nvPr>
-            <p:ph type="pic" idx="1"/>
-          </p:nvPr>
-        </p:nvPicPr>
-        <p:blipFill>
-          <a:blip r:embed="rId2">
-            <a:extLst>
-              <a:ext uri="{28A0092B-C50C-407E-A947-70E740481C1C}">
-                <a14:useLocalDpi xmlns:a14="http://schemas.microsoft.com/office/drawing/2010/main" val="0"/>
-              </a:ext>
-            </a:extLst>
-          </a:blip>
-          <a:srcRect l="661" r="661"/>
-          <a:stretch>
-            <a:fillRect/>
-          </a:stretch>
-        </p:blipFill>
-        <p:spPr/>
-      </p:pic>
-      <p:sp>
-        <p:nvSpPr>
-          <p:cNvPr id="4" name="Text Placeholder 3"/>
-          <p:cNvSpPr>
-            <a:spLocks noGrp="1"/>
-          </p:cNvSpPr>
-          <p:nvPr>
-            <p:ph type="body" sz="half" idx="2"/>
+              <a:rPr lang="en-US" dirty="0" smtClean="0"/>
+              <a:t>Query languages for data</a:t>
+            </a:r>
+            <a:endParaRPr lang="en-US" dirty="0"/>
+          </a:p>
+        </p:txBody>
+      </p:sp>
+      <p:sp>
+        <p:nvSpPr>
+          <p:cNvPr id="3" name="Content Placeholder 2"/>
+          <p:cNvSpPr>
+            <a:spLocks noGrp="1"/>
+          </p:cNvSpPr>
+          <p:nvPr>
+            <p:ph idx="1"/>
           </p:nvPr>
         </p:nvSpPr>
         <p:spPr/>
@@ -3993,56 +3856,39 @@
           <a:bodyPr/>
           <a:lstStyle/>
           <a:p>
-            <a:pPr marL="285750" indent="-285750">
-              <a:buFont typeface="Arial" panose="020B0604020202020204" pitchFamily="34" charset="0"/>
-              <a:buChar char="•"/>
-            </a:pPr>
-            <a:r>
-              <a:rPr lang="vi-VN" b="1" dirty="0"/>
-              <a:t>10 tỉ</a:t>
-            </a:r>
-            <a:r>
-              <a:rPr lang="vi-VN" dirty="0"/>
-              <a:t> trang web</a:t>
-            </a:r>
-          </a:p>
-          <a:p>
-            <a:pPr marL="285750" indent="-285750">
-              <a:buFont typeface="Arial" panose="020B0604020202020204" pitchFamily="34" charset="0"/>
-              <a:buChar char="•"/>
-            </a:pPr>
-            <a:r>
-              <a:rPr lang="vi-VN" dirty="0"/>
-              <a:t>Trung bình kích thước 1 trang web: 20KB → 10 tỉ * 20KB == 200TB</a:t>
-            </a:r>
-          </a:p>
-          <a:p>
-            <a:pPr marL="285750" indent="-285750">
-              <a:buFont typeface="Arial" panose="020B0604020202020204" pitchFamily="34" charset="0"/>
-              <a:buChar char="•"/>
-            </a:pPr>
-            <a:r>
-              <a:rPr lang="vi-VN" dirty="0"/>
-              <a:t>Tốc độ đọc của đĩa cứng là </a:t>
-            </a:r>
-            <a:r>
-              <a:rPr lang="vi-VN" b="1" dirty="0"/>
-              <a:t>50MB/giây</a:t>
-            </a:r>
-            <a:r>
-              <a:rPr lang="vi-VN" dirty="0"/>
-              <a:t> → thời gian để đọc 200TB là 4 triệu giây ~ </a:t>
-            </a:r>
-            <a:r>
-              <a:rPr lang="vi-VN" b="1" dirty="0"/>
-              <a:t>46+ ngày</a:t>
-            </a:r>
-            <a:r>
-              <a:rPr lang="vi-VN" dirty="0"/>
-              <a:t>.</a:t>
-            </a:r>
-          </a:p>
-          <a:p>
+            <a:r>
+              <a:rPr lang="en-US" i="1" dirty="0"/>
+              <a:t>D</a:t>
+            </a:r>
+            <a:r>
+              <a:rPr lang="en-US" i="1" dirty="0" smtClean="0"/>
+              <a:t>eclarative </a:t>
+            </a:r>
+            <a:r>
+              <a:rPr lang="en-US" dirty="0"/>
+              <a:t>query language </a:t>
+            </a:r>
+            <a:endParaRPr lang="en-US" dirty="0" smtClean="0"/>
+          </a:p>
+          <a:p>
+            <a:r>
+              <a:rPr lang="en-US" dirty="0" smtClean="0"/>
+              <a:t>Map-Reduce </a:t>
+            </a:r>
+            <a:r>
+              <a:rPr lang="en-US" dirty="0"/>
+              <a:t>Querying </a:t>
+            </a:r>
+            <a:br>
+              <a:rPr lang="en-US" dirty="0"/>
+            </a:br>
+            <a:r>
+              <a:rPr lang="en-US" dirty="0"/>
+              <a:t/>
+            </a:r>
+            <a:br>
+              <a:rPr lang="en-US" dirty="0"/>
+            </a:br>
             <a:endParaRPr lang="en-US" dirty="0"/>
           </a:p>
         </p:txBody>
@@ -4050,13 +3896,20 @@
     </p:spTree>
     <p:extLst>
       <p:ext uri="{BB962C8B-B14F-4D97-AF65-F5344CB8AC3E}">
-        <p14:creationId xmlns:p14="http://schemas.microsoft.com/office/powerpoint/2010/main" val="2380165229"/>
+        <p14:creationId xmlns:p14="http://schemas.microsoft.com/office/powerpoint/2010/main" val="3930232485"/>
       </p:ext>
     </p:extLst>
   </p:cSld>
   <p:clrMapOvr>
     <a:masterClrMapping/>
   </p:clrMapOvr>
+  <p:timing>
+    <p:tnLst>
+      <p:par>
+        <p:cTn id="1" dur="indefinite" restart="never" nodeType="tmRoot"/>
+      </p:par>
+    </p:tnLst>
+  </p:timing>
 </p:sld>
 </file>
 
@@ -4094,6 +3947,443 @@
           <a:p>
             <a:r>
               <a:rPr lang="en-US" dirty="0" smtClean="0"/>
+              <a:t>Map-Reduce</a:t>
+            </a:r>
+            <a:endParaRPr lang="en-US" dirty="0"/>
+          </a:p>
+        </p:txBody>
+      </p:sp>
+      <p:sp>
+        <p:nvSpPr>
+          <p:cNvPr id="3" name="Content Placeholder 2"/>
+          <p:cNvSpPr>
+            <a:spLocks noGrp="1"/>
+          </p:cNvSpPr>
+          <p:nvPr>
+            <p:ph idx="1"/>
+          </p:nvPr>
+        </p:nvSpPr>
+        <p:spPr/>
+        <p:txBody>
+          <a:bodyPr/>
+          <a:lstStyle/>
+          <a:p>
+            <a:r>
+              <a:rPr lang="en-US" dirty="0"/>
+              <a:t>Distributed File-System - DFS (</a:t>
+            </a:r>
+            <a:r>
+              <a:rPr lang="en-US" dirty="0" err="1"/>
+              <a:t>Hệ</a:t>
+            </a:r>
+            <a:r>
+              <a:rPr lang="en-US" dirty="0"/>
+              <a:t> </a:t>
+            </a:r>
+            <a:r>
+              <a:rPr lang="en-US" dirty="0" err="1"/>
+              <a:t>thống</a:t>
+            </a:r>
+            <a:r>
+              <a:rPr lang="en-US" dirty="0"/>
+              <a:t> file </a:t>
+            </a:r>
+            <a:r>
+              <a:rPr lang="en-US" dirty="0" err="1"/>
+              <a:t>phân</a:t>
+            </a:r>
+            <a:r>
+              <a:rPr lang="en-US" dirty="0"/>
+              <a:t> </a:t>
+            </a:r>
+            <a:r>
+              <a:rPr lang="en-US" dirty="0" err="1"/>
+              <a:t>tán</a:t>
+            </a:r>
+            <a:r>
+              <a:rPr lang="en-US" dirty="0"/>
+              <a:t>)</a:t>
+            </a:r>
+          </a:p>
+          <a:p>
+            <a:r>
+              <a:rPr lang="en-US" dirty="0" err="1"/>
+              <a:t>Mô</a:t>
+            </a:r>
+            <a:r>
+              <a:rPr lang="en-US" dirty="0"/>
+              <a:t> </a:t>
+            </a:r>
+            <a:r>
+              <a:rPr lang="en-US" dirty="0" err="1"/>
+              <a:t>hình</a:t>
+            </a:r>
+            <a:r>
+              <a:rPr lang="en-US" dirty="0"/>
+              <a:t> </a:t>
+            </a:r>
+            <a:r>
+              <a:rPr lang="en-US" dirty="0" err="1"/>
+              <a:t>tính</a:t>
+            </a:r>
+            <a:r>
+              <a:rPr lang="en-US" dirty="0"/>
+              <a:t> </a:t>
+            </a:r>
+            <a:r>
+              <a:rPr lang="en-US" dirty="0" err="1"/>
+              <a:t>toán</a:t>
+            </a:r>
+            <a:r>
+              <a:rPr lang="en-US" dirty="0"/>
+              <a:t> </a:t>
+            </a:r>
+            <a:r>
+              <a:rPr lang="en-US" dirty="0" smtClean="0"/>
+              <a:t>Map-Reduce</a:t>
+            </a:r>
+            <a:endParaRPr lang="en-US" dirty="0"/>
+          </a:p>
+          <a:p>
+            <a:r>
+              <a:rPr lang="en-US" dirty="0" err="1"/>
+              <a:t>Lập</a:t>
+            </a:r>
+            <a:r>
+              <a:rPr lang="en-US" dirty="0"/>
+              <a:t> </a:t>
+            </a:r>
+            <a:r>
+              <a:rPr lang="en-US" dirty="0" err="1"/>
+              <a:t>lịch</a:t>
+            </a:r>
+            <a:r>
+              <a:rPr lang="en-US" dirty="0"/>
+              <a:t> </a:t>
+            </a:r>
+            <a:r>
+              <a:rPr lang="en-US" dirty="0" err="1"/>
+              <a:t>và</a:t>
+            </a:r>
+            <a:r>
+              <a:rPr lang="en-US" dirty="0"/>
+              <a:t> </a:t>
+            </a:r>
+            <a:r>
+              <a:rPr lang="en-US" dirty="0" err="1"/>
+              <a:t>luồng</a:t>
+            </a:r>
+            <a:r>
+              <a:rPr lang="en-US" dirty="0"/>
+              <a:t> </a:t>
+            </a:r>
+            <a:r>
+              <a:rPr lang="en-US" dirty="0" err="1"/>
+              <a:t>dữ</a:t>
+            </a:r>
+            <a:r>
+              <a:rPr lang="en-US" dirty="0"/>
+              <a:t> </a:t>
+            </a:r>
+            <a:r>
+              <a:rPr lang="en-US" dirty="0" err="1"/>
+              <a:t>liệu</a:t>
+            </a:r>
+            <a:endParaRPr lang="en-US" dirty="0"/>
+          </a:p>
+          <a:p>
+            <a:endParaRPr lang="en-US" dirty="0"/>
+          </a:p>
+        </p:txBody>
+      </p:sp>
+    </p:spTree>
+    <p:extLst>
+      <p:ext uri="{BB962C8B-B14F-4D97-AF65-F5344CB8AC3E}">
+        <p14:creationId xmlns:p14="http://schemas.microsoft.com/office/powerpoint/2010/main" val="769452500"/>
+      </p:ext>
+    </p:extLst>
+  </p:cSld>
+  <p:clrMapOvr>
+    <a:masterClrMapping/>
+  </p:clrMapOvr>
+  <p:timing>
+    <p:tnLst>
+      <p:par>
+        <p:cTn id="1" dur="indefinite" restart="never" nodeType="tmRoot"/>
+      </p:par>
+    </p:tnLst>
+  </p:timing>
+</p:sld>
+</file>
+
+<file path=ppt/slides/slide13.xml><?xml version="1.0" encoding="utf-8"?>
+<p:sld xmlns:a="http://schemas.openxmlformats.org/drawingml/2006/main" xmlns:r="http://schemas.openxmlformats.org/officeDocument/2006/relationships" xmlns:p="http://schemas.openxmlformats.org/presentationml/2006/main">
+  <p:cSld>
+    <p:spTree>
+      <p:nvGrpSpPr>
+        <p:cNvPr id="1" name=""/>
+        <p:cNvGrpSpPr/>
+        <p:nvPr/>
+      </p:nvGrpSpPr>
+      <p:grpSpPr>
+        <a:xfrm>
+          <a:off x="0" y="0"/>
+          <a:ext cx="0" cy="0"/>
+          <a:chOff x="0" y="0"/>
+          <a:chExt cx="0" cy="0"/>
+        </a:xfrm>
+      </p:grpSpPr>
+      <p:sp>
+        <p:nvSpPr>
+          <p:cNvPr id="2" name="Title 1"/>
+          <p:cNvSpPr>
+            <a:spLocks noGrp="1"/>
+          </p:cNvSpPr>
+          <p:nvPr>
+            <p:ph type="title"/>
+          </p:nvPr>
+        </p:nvSpPr>
+        <p:spPr/>
+        <p:txBody>
+          <a:bodyPr/>
+          <a:lstStyle/>
+          <a:p>
+            <a:r>
+              <a:rPr lang="en-US" dirty="0" err="1"/>
+              <a:t>Vấn</a:t>
+            </a:r>
+            <a:r>
+              <a:rPr lang="en-US" dirty="0"/>
+              <a:t> </a:t>
+            </a:r>
+            <a:r>
+              <a:rPr lang="en-US" dirty="0" err="1"/>
+              <a:t>đề</a:t>
+            </a:r>
+            <a:r>
+              <a:rPr lang="en-US" dirty="0"/>
+              <a:t> </a:t>
+            </a:r>
+            <a:r>
+              <a:rPr lang="en-US" dirty="0" err="1"/>
+              <a:t>với</a:t>
+            </a:r>
+            <a:r>
+              <a:rPr lang="en-US" dirty="0"/>
+              <a:t> </a:t>
+            </a:r>
+            <a:r>
+              <a:rPr lang="en-US" dirty="0" err="1"/>
+              <a:t>năng</a:t>
+            </a:r>
+            <a:r>
+              <a:rPr lang="en-US" dirty="0"/>
+              <a:t> </a:t>
+            </a:r>
+            <a:r>
+              <a:rPr lang="en-US" dirty="0" err="1"/>
+              <a:t>lực</a:t>
+            </a:r>
+            <a:r>
+              <a:rPr lang="en-US" dirty="0"/>
+              <a:t> </a:t>
+            </a:r>
+            <a:r>
+              <a:rPr lang="en-US" dirty="0" err="1" smtClean="0"/>
+              <a:t>xử</a:t>
+            </a:r>
+            <a:r>
+              <a:rPr lang="en-US" dirty="0" smtClean="0"/>
+              <a:t> </a:t>
+            </a:r>
+            <a:r>
+              <a:rPr lang="en-US" dirty="0" err="1"/>
+              <a:t>lý</a:t>
+            </a:r>
+            <a:r>
+              <a:rPr lang="en-US" dirty="0"/>
+              <a:t> </a:t>
+            </a:r>
+            <a:r>
+              <a:rPr lang="en-US" dirty="0" err="1"/>
+              <a:t>của</a:t>
+            </a:r>
+            <a:r>
+              <a:rPr lang="en-US" dirty="0"/>
+              <a:t> </a:t>
+            </a:r>
+            <a:r>
+              <a:rPr lang="en-US" dirty="0" err="1"/>
+              <a:t>một</a:t>
+            </a:r>
+            <a:r>
+              <a:rPr lang="en-US" dirty="0"/>
+              <a:t> </a:t>
+            </a:r>
+            <a:r>
+              <a:rPr lang="en-US" dirty="0" err="1"/>
+              <a:t>máy</a:t>
+            </a:r>
+            <a:r>
+              <a:rPr lang="en-US" dirty="0"/>
+              <a:t> </a:t>
+            </a:r>
+            <a:r>
+              <a:rPr lang="en-US" dirty="0" err="1"/>
+              <a:t>tính</a:t>
+            </a:r>
+            <a:endParaRPr lang="en-US" dirty="0"/>
+          </a:p>
+        </p:txBody>
+      </p:sp>
+      <p:pic>
+        <p:nvPicPr>
+          <p:cNvPr id="5" name="Picture Placeholder 4"/>
+          <p:cNvPicPr>
+            <a:picLocks noGrp="1" noChangeAspect="1"/>
+          </p:cNvPicPr>
+          <p:nvPr>
+            <p:ph type="pic" idx="1"/>
+          </p:nvPr>
+        </p:nvPicPr>
+        <p:blipFill>
+          <a:blip r:embed="rId2">
+            <a:extLst>
+              <a:ext uri="{28A0092B-C50C-407E-A947-70E740481C1C}">
+                <a14:useLocalDpi xmlns:a14="http://schemas.microsoft.com/office/drawing/2010/main" val="0"/>
+              </a:ext>
+            </a:extLst>
+          </a:blip>
+          <a:srcRect l="661" r="661"/>
+          <a:stretch>
+            <a:fillRect/>
+          </a:stretch>
+        </p:blipFill>
+        <p:spPr/>
+      </p:pic>
+      <p:sp>
+        <p:nvSpPr>
+          <p:cNvPr id="4" name="Text Placeholder 3"/>
+          <p:cNvSpPr>
+            <a:spLocks noGrp="1"/>
+          </p:cNvSpPr>
+          <p:nvPr>
+            <p:ph type="body" sz="half" idx="2"/>
+          </p:nvPr>
+        </p:nvSpPr>
+        <p:spPr/>
+        <p:txBody>
+          <a:bodyPr/>
+          <a:lstStyle/>
+          <a:p>
+            <a:pPr marL="285750" indent="-285750">
+              <a:buFont typeface="Arial" panose="020B0604020202020204" pitchFamily="34" charset="0"/>
+              <a:buChar char="•"/>
+            </a:pPr>
+            <a:r>
+              <a:rPr lang="vi-VN" b="1" dirty="0"/>
+              <a:t>10 tỉ</a:t>
+            </a:r>
+            <a:r>
+              <a:rPr lang="vi-VN" dirty="0"/>
+              <a:t> trang web</a:t>
+            </a:r>
+          </a:p>
+          <a:p>
+            <a:pPr marL="285750" indent="-285750">
+              <a:buFont typeface="Arial" panose="020B0604020202020204" pitchFamily="34" charset="0"/>
+              <a:buChar char="•"/>
+            </a:pPr>
+            <a:r>
+              <a:rPr lang="vi-VN" dirty="0"/>
+              <a:t>Trung bình kích thước 1 trang web: 20KB → 10 tỉ * 20KB == 200TB</a:t>
+            </a:r>
+          </a:p>
+          <a:p>
+            <a:pPr marL="285750" indent="-285750">
+              <a:buFont typeface="Arial" panose="020B0604020202020204" pitchFamily="34" charset="0"/>
+              <a:buChar char="•"/>
+            </a:pPr>
+            <a:r>
+              <a:rPr lang="vi-VN" dirty="0"/>
+              <a:t>Tốc độ đọc của đĩa cứng là </a:t>
+            </a:r>
+            <a:r>
+              <a:rPr lang="vi-VN" b="1" dirty="0"/>
+              <a:t>50MB/giây</a:t>
+            </a:r>
+            <a:r>
+              <a:rPr lang="vi-VN" dirty="0"/>
+              <a:t> → thời gian để đọc 200TB là 4 triệu giây ~ </a:t>
+            </a:r>
+            <a:r>
+              <a:rPr lang="vi-VN" b="1" dirty="0"/>
+              <a:t>46+ ngày</a:t>
+            </a:r>
+            <a:r>
+              <a:rPr lang="vi-VN" dirty="0"/>
+              <a:t>.</a:t>
+            </a:r>
+          </a:p>
+          <a:p>
+            <a:endParaRPr lang="en-US" dirty="0"/>
+          </a:p>
+        </p:txBody>
+      </p:sp>
+    </p:spTree>
+    <p:extLst>
+      <p:ext uri="{BB962C8B-B14F-4D97-AF65-F5344CB8AC3E}">
+        <p14:creationId xmlns:p14="http://schemas.microsoft.com/office/powerpoint/2010/main" val="2380165229"/>
+      </p:ext>
+    </p:extLst>
+  </p:cSld>
+  <p:clrMapOvr>
+    <a:masterClrMapping/>
+  </p:clrMapOvr>
+  <p:timing>
+    <p:tnLst>
+      <p:par>
+        <p:cTn id="1" dur="indefinite" restart="never" nodeType="tmRoot"/>
+      </p:par>
+    </p:tnLst>
+  </p:timing>
+</p:sld>
+</file>
+
+<file path=ppt/slides/slide14.xml><?xml version="1.0" encoding="utf-8"?>
+<p:sld xmlns:a="http://schemas.openxmlformats.org/drawingml/2006/main" xmlns:r="http://schemas.openxmlformats.org/officeDocument/2006/relationships" xmlns:p="http://schemas.openxmlformats.org/presentationml/2006/main">
+  <p:cSld>
+    <p:spTree>
+      <p:nvGrpSpPr>
+        <p:cNvPr id="1" name=""/>
+        <p:cNvGrpSpPr/>
+        <p:nvPr/>
+      </p:nvGrpSpPr>
+      <p:grpSpPr>
+        <a:xfrm>
+          <a:off x="0" y="0"/>
+          <a:ext cx="0" cy="0"/>
+          <a:chOff x="0" y="0"/>
+          <a:chExt cx="0" cy="0"/>
+        </a:xfrm>
+      </p:grpSpPr>
+      <p:sp>
+        <p:nvSpPr>
+          <p:cNvPr id="2" name="Title 1"/>
+          <p:cNvSpPr>
+            <a:spLocks noGrp="1"/>
+          </p:cNvSpPr>
+          <p:nvPr>
+            <p:ph type="title"/>
+          </p:nvPr>
+        </p:nvSpPr>
+        <p:spPr/>
+        <p:txBody>
+          <a:bodyPr/>
+          <a:lstStyle/>
+          <a:p>
+            <a:r>
+              <a:rPr lang="en-US" dirty="0" smtClean="0"/>
               <a:t>Solution</a:t>
             </a:r>
             <a:endParaRPr lang="en-US" dirty="0"/>
@@ -4284,10 +4574,17 @@
   <p:clrMapOvr>
     <a:masterClrMapping/>
   </p:clrMapOvr>
+  <p:timing>
+    <p:tnLst>
+      <p:par>
+        <p:cTn id="1" dur="indefinite" restart="never" nodeType="tmRoot"/>
+      </p:par>
+    </p:tnLst>
+  </p:timing>
 </p:sld>
 </file>
 
-<file path=ppt/slides/slide13.xml><?xml version="1.0" encoding="utf-8"?>
+<file path=ppt/slides/slide15.xml><?xml version="1.0" encoding="utf-8"?>
 <p:sld xmlns:a="http://schemas.openxmlformats.org/drawingml/2006/main" xmlns:r="http://schemas.openxmlformats.org/officeDocument/2006/relationships" xmlns:p="http://schemas.openxmlformats.org/presentationml/2006/main">
   <p:cSld>
     <p:spTree>
@@ -4378,541 +4675,13 @@
   <p:clrMapOvr>
     <a:masterClrMapping/>
   </p:clrMapOvr>
-</p:sld>
-</file>
-
-<file path=ppt/slides/slide14.xml><?xml version="1.0" encoding="utf-8"?>
-<p:sld xmlns:a="http://schemas.openxmlformats.org/drawingml/2006/main" xmlns:r="http://schemas.openxmlformats.org/officeDocument/2006/relationships" xmlns:p="http://schemas.openxmlformats.org/presentationml/2006/main">
-  <p:cSld>
-    <p:spTree>
-      <p:nvGrpSpPr>
-        <p:cNvPr id="1" name=""/>
-        <p:cNvGrpSpPr/>
-        <p:nvPr/>
-      </p:nvGrpSpPr>
-      <p:grpSpPr>
-        <a:xfrm>
-          <a:off x="0" y="0"/>
-          <a:ext cx="0" cy="0"/>
-          <a:chOff x="0" y="0"/>
-          <a:chExt cx="0" cy="0"/>
-        </a:xfrm>
-      </p:grpSpPr>
-      <p:sp>
-        <p:nvSpPr>
-          <p:cNvPr id="2" name="Title 1"/>
-          <p:cNvSpPr>
-            <a:spLocks noGrp="1"/>
-          </p:cNvSpPr>
-          <p:nvPr>
-            <p:ph type="title"/>
-          </p:nvPr>
-        </p:nvSpPr>
-        <p:spPr/>
-        <p:txBody>
-          <a:bodyPr/>
-          <a:lstStyle/>
-          <a:p>
-            <a:endParaRPr lang="en-US"/>
-          </a:p>
-        </p:txBody>
-      </p:sp>
-      <p:sp>
-        <p:nvSpPr>
-          <p:cNvPr id="3" name="Content Placeholder 2"/>
-          <p:cNvSpPr>
-            <a:spLocks noGrp="1"/>
-          </p:cNvSpPr>
-          <p:nvPr>
-            <p:ph idx="1"/>
-          </p:nvPr>
-        </p:nvSpPr>
-        <p:spPr/>
-        <p:txBody>
-          <a:bodyPr/>
-          <a:lstStyle/>
-          <a:p>
-            <a:r>
-              <a:rPr lang="vi-VN" dirty="0"/>
-              <a:t>Mỗi rack trong Data Center có một cơ số máy tính (từ 16 → 64 máy tính với cấu hình phổ thông)</a:t>
-            </a:r>
-          </a:p>
-          <a:p>
-            <a:r>
-              <a:rPr lang="vi-VN" dirty="0"/>
-              <a:t>Các máy tính được kết nối với nhau bằng 1Gbps Switch</a:t>
-            </a:r>
-          </a:p>
-          <a:p>
-            <a:r>
-              <a:rPr lang="vi-VN" dirty="0"/>
-              <a:t>Các Rack được kết nối với nhau bằng Switch 2-10Gbps</a:t>
-            </a:r>
-          </a:p>
-          <a:p>
-            <a:endParaRPr lang="en-US" dirty="0"/>
-          </a:p>
-        </p:txBody>
-      </p:sp>
-    </p:spTree>
-    <p:extLst>
-      <p:ext uri="{BB962C8B-B14F-4D97-AF65-F5344CB8AC3E}">
-        <p14:creationId xmlns:p14="http://schemas.microsoft.com/office/powerpoint/2010/main" val="3604654966"/>
-      </p:ext>
-    </p:extLst>
-  </p:cSld>
-  <p:clrMapOvr>
-    <a:masterClrMapping/>
-  </p:clrMapOvr>
-</p:sld>
-</file>
-
-<file path=ppt/slides/slide15.xml><?xml version="1.0" encoding="utf-8"?>
-<p:sld xmlns:a="http://schemas.openxmlformats.org/drawingml/2006/main" xmlns:r="http://schemas.openxmlformats.org/officeDocument/2006/relationships" xmlns:p="http://schemas.openxmlformats.org/presentationml/2006/main">
-  <p:cSld>
-    <p:spTree>
-      <p:nvGrpSpPr>
-        <p:cNvPr id="1" name=""/>
-        <p:cNvGrpSpPr/>
-        <p:nvPr/>
-      </p:nvGrpSpPr>
-      <p:grpSpPr>
-        <a:xfrm>
-          <a:off x="0" y="0"/>
-          <a:ext cx="0" cy="0"/>
-          <a:chOff x="0" y="0"/>
-          <a:chExt cx="0" cy="0"/>
-        </a:xfrm>
-      </p:grpSpPr>
-      <p:sp>
-        <p:nvSpPr>
-          <p:cNvPr id="2" name="Title 1"/>
-          <p:cNvSpPr>
-            <a:spLocks noGrp="1"/>
-          </p:cNvSpPr>
-          <p:nvPr>
-            <p:ph type="title"/>
-          </p:nvPr>
-        </p:nvSpPr>
-        <p:spPr/>
-        <p:txBody>
-          <a:bodyPr/>
-          <a:lstStyle/>
-          <a:p>
-            <a:r>
-              <a:rPr lang="en-US" dirty="0" err="1" smtClean="0"/>
-              <a:t>Cách</a:t>
-            </a:r>
-            <a:r>
-              <a:rPr lang="en-US" dirty="0" smtClean="0"/>
-              <a:t> </a:t>
-            </a:r>
-            <a:r>
-              <a:rPr lang="en-US" dirty="0" err="1" smtClean="0"/>
-              <a:t>để</a:t>
-            </a:r>
-            <a:r>
-              <a:rPr lang="en-US" dirty="0" smtClean="0"/>
-              <a:t> </a:t>
-            </a:r>
-            <a:r>
-              <a:rPr lang="en-US" dirty="0" err="1" smtClean="0"/>
-              <a:t>cho</a:t>
-            </a:r>
-            <a:r>
-              <a:rPr lang="en-US" dirty="0" smtClean="0"/>
-              <a:t> </a:t>
-            </a:r>
-            <a:r>
-              <a:rPr lang="en-US" dirty="0" err="1" smtClean="0"/>
-              <a:t>máy</a:t>
-            </a:r>
-            <a:r>
-              <a:rPr lang="en-US" dirty="0" smtClean="0"/>
-              <a:t> </a:t>
-            </a:r>
-            <a:r>
-              <a:rPr lang="en-US" dirty="0" err="1" smtClean="0"/>
-              <a:t>tính</a:t>
-            </a:r>
-            <a:r>
-              <a:rPr lang="en-US" dirty="0" smtClean="0"/>
-              <a:t> </a:t>
-            </a:r>
-            <a:r>
-              <a:rPr lang="en-US" dirty="0" err="1" smtClean="0"/>
-              <a:t>cùng</a:t>
-            </a:r>
-            <a:r>
-              <a:rPr lang="en-US" dirty="0" smtClean="0"/>
-              <a:t> </a:t>
-            </a:r>
-            <a:r>
-              <a:rPr lang="en-US" dirty="0" err="1" smtClean="0"/>
-              <a:t>xử</a:t>
-            </a:r>
-            <a:r>
-              <a:rPr lang="en-US" dirty="0" smtClean="0"/>
-              <a:t> </a:t>
-            </a:r>
-            <a:r>
-              <a:rPr lang="en-US" dirty="0" err="1" smtClean="0"/>
-              <a:t>lý</a:t>
-            </a:r>
-            <a:endParaRPr lang="en-US" dirty="0"/>
-          </a:p>
-        </p:txBody>
-      </p:sp>
-      <p:sp>
-        <p:nvSpPr>
-          <p:cNvPr id="3" name="Content Placeholder 2"/>
-          <p:cNvSpPr>
-            <a:spLocks noGrp="1"/>
-          </p:cNvSpPr>
-          <p:nvPr>
-            <p:ph idx="1"/>
-          </p:nvPr>
-        </p:nvSpPr>
-        <p:spPr/>
-        <p:txBody>
-          <a:bodyPr/>
-          <a:lstStyle/>
-          <a:p>
-            <a:r>
-              <a:rPr lang="en-US" dirty="0" err="1" smtClean="0"/>
-              <a:t>Phân</a:t>
-            </a:r>
-            <a:r>
-              <a:rPr lang="en-US" dirty="0" smtClean="0"/>
-              <a:t> chia </a:t>
-            </a:r>
-            <a:r>
-              <a:rPr lang="en-US" dirty="0" err="1" smtClean="0"/>
-              <a:t>dữ</a:t>
-            </a:r>
-            <a:r>
-              <a:rPr lang="en-US" dirty="0" smtClean="0"/>
-              <a:t> </a:t>
-            </a:r>
-            <a:r>
-              <a:rPr lang="en-US" dirty="0" err="1" smtClean="0"/>
-              <a:t>liệu</a:t>
-            </a:r>
-            <a:r>
-              <a:rPr lang="en-US" dirty="0" smtClean="0"/>
-              <a:t> </a:t>
-            </a:r>
-            <a:r>
-              <a:rPr lang="en-US" dirty="0" err="1" smtClean="0"/>
-              <a:t>thành</a:t>
-            </a:r>
-            <a:r>
-              <a:rPr lang="en-US" dirty="0" smtClean="0"/>
-              <a:t> </a:t>
-            </a:r>
-            <a:r>
-              <a:rPr lang="en-US" dirty="0" err="1" smtClean="0"/>
-              <a:t>nhiều</a:t>
-            </a:r>
-            <a:r>
-              <a:rPr lang="en-US" dirty="0" smtClean="0"/>
-              <a:t> block </a:t>
-            </a:r>
-            <a:r>
-              <a:rPr lang="en-US" dirty="0" err="1" smtClean="0"/>
-              <a:t>và</a:t>
-            </a:r>
-            <a:r>
-              <a:rPr lang="en-US" dirty="0" smtClean="0"/>
-              <a:t> chia </a:t>
-            </a:r>
-            <a:r>
-              <a:rPr lang="en-US" dirty="0" err="1" smtClean="0"/>
-              <a:t>cho</a:t>
-            </a:r>
-            <a:r>
-              <a:rPr lang="en-US" dirty="0" smtClean="0"/>
-              <a:t> </a:t>
-            </a:r>
-            <a:r>
-              <a:rPr lang="en-US" dirty="0" err="1" smtClean="0"/>
-              <a:t>nhiều</a:t>
-            </a:r>
-            <a:r>
-              <a:rPr lang="en-US" dirty="0" smtClean="0"/>
-              <a:t> </a:t>
-            </a:r>
-            <a:r>
-              <a:rPr lang="en-US" dirty="0" err="1" smtClean="0"/>
-              <a:t>máy</a:t>
-            </a:r>
-            <a:r>
-              <a:rPr lang="en-US" dirty="0" smtClean="0"/>
-              <a:t> </a:t>
-            </a:r>
-            <a:r>
-              <a:rPr lang="en-US" dirty="0" err="1" smtClean="0"/>
-              <a:t>tính</a:t>
-            </a:r>
-            <a:r>
-              <a:rPr lang="en-US" dirty="0" smtClean="0"/>
-              <a:t> </a:t>
-            </a:r>
-            <a:r>
-              <a:rPr lang="en-US" dirty="0" err="1" smtClean="0"/>
-              <a:t>lưu</a:t>
-            </a:r>
-            <a:r>
-              <a:rPr lang="en-US" dirty="0" smtClean="0"/>
-              <a:t> </a:t>
-            </a:r>
-            <a:r>
-              <a:rPr lang="en-US" dirty="0" err="1" smtClean="0"/>
-              <a:t>trữ</a:t>
-            </a:r>
-            <a:r>
-              <a:rPr lang="en-US" dirty="0" smtClean="0"/>
-              <a:t>( </a:t>
-            </a:r>
-            <a:r>
-              <a:rPr lang="en-US" dirty="0" err="1" smtClean="0"/>
-              <a:t>để</a:t>
-            </a:r>
-            <a:r>
-              <a:rPr lang="en-US" dirty="0" smtClean="0"/>
-              <a:t> </a:t>
-            </a:r>
-            <a:r>
-              <a:rPr lang="en-US" dirty="0" err="1" smtClean="0"/>
-              <a:t>đảm</a:t>
-            </a:r>
-            <a:r>
-              <a:rPr lang="en-US" dirty="0" smtClean="0"/>
-              <a:t> </a:t>
-            </a:r>
-            <a:r>
-              <a:rPr lang="en-US" dirty="0" err="1" smtClean="0"/>
-              <a:t>bảo</a:t>
-            </a:r>
-            <a:r>
-              <a:rPr lang="en-US" dirty="0" smtClean="0"/>
-              <a:t> </a:t>
-            </a:r>
-            <a:r>
-              <a:rPr lang="en-US" dirty="0" err="1" smtClean="0"/>
-              <a:t>tính</a:t>
-            </a:r>
-            <a:r>
-              <a:rPr lang="en-US" dirty="0" smtClean="0"/>
-              <a:t> </a:t>
-            </a:r>
-            <a:r>
-              <a:rPr lang="en-US" dirty="0" err="1" smtClean="0"/>
-              <a:t>toàn</a:t>
-            </a:r>
-            <a:r>
-              <a:rPr lang="en-US" dirty="0" smtClean="0"/>
-              <a:t> </a:t>
-            </a:r>
-            <a:r>
-              <a:rPr lang="en-US" dirty="0" err="1" smtClean="0"/>
-              <a:t>vẹn</a:t>
-            </a:r>
-            <a:r>
-              <a:rPr lang="en-US" dirty="0" smtClean="0"/>
-              <a:t> </a:t>
-            </a:r>
-            <a:r>
-              <a:rPr lang="en-US" dirty="0" err="1" smtClean="0"/>
-              <a:t>của</a:t>
-            </a:r>
-            <a:r>
-              <a:rPr lang="en-US" dirty="0" smtClean="0"/>
-              <a:t> </a:t>
-            </a:r>
-            <a:r>
-              <a:rPr lang="en-US" dirty="0" err="1" smtClean="0"/>
-              <a:t>dữ</a:t>
-            </a:r>
-            <a:r>
-              <a:rPr lang="en-US" dirty="0" smtClean="0"/>
-              <a:t> </a:t>
-            </a:r>
-            <a:r>
-              <a:rPr lang="en-US" dirty="0" err="1" smtClean="0"/>
-              <a:t>liệu</a:t>
-            </a:r>
-            <a:r>
-              <a:rPr lang="en-US" dirty="0" smtClean="0"/>
-              <a:t>)</a:t>
-            </a:r>
-          </a:p>
-          <a:p>
-            <a:r>
-              <a:rPr lang="en-US" dirty="0" err="1" smtClean="0"/>
-              <a:t>Chuyển</a:t>
-            </a:r>
-            <a:r>
-              <a:rPr lang="en-US" dirty="0" smtClean="0"/>
-              <a:t> </a:t>
-            </a:r>
-            <a:r>
-              <a:rPr lang="en-US" dirty="0" err="1" smtClean="0"/>
-              <a:t>tính</a:t>
-            </a:r>
-            <a:r>
-              <a:rPr lang="en-US" dirty="0" smtClean="0"/>
-              <a:t> </a:t>
-            </a:r>
-            <a:r>
-              <a:rPr lang="en-US" dirty="0" err="1" smtClean="0"/>
-              <a:t>toán</a:t>
-            </a:r>
-            <a:r>
-              <a:rPr lang="en-US" dirty="0" smtClean="0"/>
-              <a:t> </a:t>
-            </a:r>
-            <a:r>
-              <a:rPr lang="en-US" dirty="0" err="1" smtClean="0"/>
-              <a:t>về</a:t>
-            </a:r>
-            <a:r>
-              <a:rPr lang="en-US" dirty="0" smtClean="0"/>
-              <a:t> </a:t>
-            </a:r>
-            <a:r>
-              <a:rPr lang="en-US" dirty="0" err="1" smtClean="0"/>
-              <a:t>nơi</a:t>
-            </a:r>
-            <a:r>
-              <a:rPr lang="en-US" dirty="0" smtClean="0"/>
-              <a:t> </a:t>
-            </a:r>
-            <a:r>
-              <a:rPr lang="en-US" dirty="0" err="1" smtClean="0"/>
-              <a:t>có</a:t>
-            </a:r>
-            <a:r>
-              <a:rPr lang="en-US" dirty="0" smtClean="0"/>
-              <a:t> </a:t>
-            </a:r>
-            <a:r>
-              <a:rPr lang="en-US" dirty="0" err="1" smtClean="0"/>
-              <a:t>dữ</a:t>
-            </a:r>
-            <a:r>
-              <a:rPr lang="en-US" dirty="0" smtClean="0"/>
-              <a:t> </a:t>
-            </a:r>
-            <a:r>
-              <a:rPr lang="en-US" dirty="0" err="1" smtClean="0"/>
-              <a:t>liệu</a:t>
-            </a:r>
-            <a:endParaRPr lang="en-US" dirty="0" smtClean="0"/>
-          </a:p>
-          <a:p>
-            <a:r>
-              <a:rPr lang="en-US" dirty="0" err="1" smtClean="0"/>
-              <a:t>Đưa</a:t>
-            </a:r>
-            <a:r>
-              <a:rPr lang="en-US" dirty="0" smtClean="0"/>
-              <a:t> </a:t>
-            </a:r>
-            <a:r>
-              <a:rPr lang="en-US" dirty="0" err="1" smtClean="0"/>
-              <a:t>ra</a:t>
-            </a:r>
-            <a:r>
-              <a:rPr lang="en-US" dirty="0" smtClean="0"/>
-              <a:t> </a:t>
-            </a:r>
-            <a:r>
-              <a:rPr lang="en-US" dirty="0" err="1" smtClean="0"/>
-              <a:t>mô</a:t>
-            </a:r>
-            <a:r>
-              <a:rPr lang="en-US" dirty="0" smtClean="0"/>
-              <a:t> </a:t>
-            </a:r>
-            <a:r>
-              <a:rPr lang="en-US" dirty="0" err="1" smtClean="0"/>
-              <a:t>hình</a:t>
-            </a:r>
-            <a:r>
-              <a:rPr lang="en-US" dirty="0" smtClean="0"/>
-              <a:t> </a:t>
-            </a:r>
-            <a:r>
-              <a:rPr lang="en-US" dirty="0" err="1" smtClean="0"/>
-              <a:t>và</a:t>
-            </a:r>
-            <a:r>
-              <a:rPr lang="en-US" dirty="0" smtClean="0"/>
-              <a:t> </a:t>
-            </a:r>
-            <a:r>
-              <a:rPr lang="en-US" dirty="0" err="1" smtClean="0"/>
-              <a:t>giao</a:t>
-            </a:r>
-            <a:r>
-              <a:rPr lang="en-US" dirty="0" smtClean="0"/>
-              <a:t> </a:t>
-            </a:r>
-            <a:r>
-              <a:rPr lang="en-US" dirty="0" err="1" smtClean="0"/>
-              <a:t>diện</a:t>
-            </a:r>
-            <a:r>
-              <a:rPr lang="en-US" dirty="0" smtClean="0"/>
-              <a:t> </a:t>
-            </a:r>
-            <a:r>
-              <a:rPr lang="en-US" dirty="0" err="1" smtClean="0"/>
-              <a:t>tính</a:t>
-            </a:r>
-            <a:r>
-              <a:rPr lang="en-US" dirty="0" smtClean="0"/>
-              <a:t> </a:t>
-            </a:r>
-            <a:r>
-              <a:rPr lang="en-US" dirty="0" err="1" smtClean="0"/>
-              <a:t>toán</a:t>
-            </a:r>
-            <a:r>
-              <a:rPr lang="en-US" dirty="0" smtClean="0"/>
-              <a:t> </a:t>
-            </a:r>
-            <a:r>
-              <a:rPr lang="en-US" dirty="0" err="1" smtClean="0"/>
-              <a:t>đơn</a:t>
-            </a:r>
-            <a:r>
-              <a:rPr lang="en-US" dirty="0" smtClean="0"/>
-              <a:t> </a:t>
-            </a:r>
-            <a:r>
-              <a:rPr lang="en-US" dirty="0" err="1" smtClean="0"/>
-              <a:t>giản</a:t>
-            </a:r>
-            <a:r>
-              <a:rPr lang="en-US" dirty="0" smtClean="0"/>
-              <a:t>.</a:t>
-            </a:r>
-            <a:endParaRPr lang="en-US" dirty="0"/>
-          </a:p>
-        </p:txBody>
-      </p:sp>
-    </p:spTree>
-    <p:extLst>
-      <p:ext uri="{BB962C8B-B14F-4D97-AF65-F5344CB8AC3E}">
-        <p14:creationId xmlns:p14="http://schemas.microsoft.com/office/powerpoint/2010/main" val="3957166585"/>
-      </p:ext>
-    </p:extLst>
-  </p:cSld>
-  <p:clrMapOvr>
-    <a:masterClrMapping/>
-  </p:clrMapOvr>
+  <p:timing>
+    <p:tnLst>
+      <p:par>
+        <p:cTn id="1" dur="indefinite" restart="never" nodeType="tmRoot"/>
+      </p:par>
+    </p:tnLst>
+  </p:timing>
 </p:sld>
 </file>
 
@@ -4948,6 +4717,555 @@
           <a:bodyPr/>
           <a:lstStyle/>
           <a:p>
+            <a:endParaRPr lang="en-US"/>
+          </a:p>
+        </p:txBody>
+      </p:sp>
+      <p:sp>
+        <p:nvSpPr>
+          <p:cNvPr id="3" name="Content Placeholder 2"/>
+          <p:cNvSpPr>
+            <a:spLocks noGrp="1"/>
+          </p:cNvSpPr>
+          <p:nvPr>
+            <p:ph idx="1"/>
+          </p:nvPr>
+        </p:nvSpPr>
+        <p:spPr/>
+        <p:txBody>
+          <a:bodyPr/>
+          <a:lstStyle/>
+          <a:p>
+            <a:r>
+              <a:rPr lang="vi-VN" dirty="0"/>
+              <a:t>Mỗi rack trong Data Center có một cơ số máy tính (từ 16 → 64 máy tính với cấu hình phổ thông)</a:t>
+            </a:r>
+          </a:p>
+          <a:p>
+            <a:r>
+              <a:rPr lang="vi-VN" dirty="0"/>
+              <a:t>Các máy tính được kết nối với nhau bằng 1Gbps Switch</a:t>
+            </a:r>
+          </a:p>
+          <a:p>
+            <a:r>
+              <a:rPr lang="vi-VN" dirty="0"/>
+              <a:t>Các Rack được kết nối với nhau bằng Switch 2-10Gbps</a:t>
+            </a:r>
+          </a:p>
+          <a:p>
+            <a:endParaRPr lang="en-US" dirty="0"/>
+          </a:p>
+        </p:txBody>
+      </p:sp>
+    </p:spTree>
+    <p:extLst>
+      <p:ext uri="{BB962C8B-B14F-4D97-AF65-F5344CB8AC3E}">
+        <p14:creationId xmlns:p14="http://schemas.microsoft.com/office/powerpoint/2010/main" val="3604654966"/>
+      </p:ext>
+    </p:extLst>
+  </p:cSld>
+  <p:clrMapOvr>
+    <a:masterClrMapping/>
+  </p:clrMapOvr>
+  <p:timing>
+    <p:tnLst>
+      <p:par>
+        <p:cTn id="1" dur="indefinite" restart="never" nodeType="tmRoot"/>
+      </p:par>
+    </p:tnLst>
+  </p:timing>
+</p:sld>
+</file>
+
+<file path=ppt/slides/slide17.xml><?xml version="1.0" encoding="utf-8"?>
+<p:sld xmlns:a="http://schemas.openxmlformats.org/drawingml/2006/main" xmlns:r="http://schemas.openxmlformats.org/officeDocument/2006/relationships" xmlns:p="http://schemas.openxmlformats.org/presentationml/2006/main">
+  <p:cSld>
+    <p:spTree>
+      <p:nvGrpSpPr>
+        <p:cNvPr id="1" name=""/>
+        <p:cNvGrpSpPr/>
+        <p:nvPr/>
+      </p:nvGrpSpPr>
+      <p:grpSpPr>
+        <a:xfrm>
+          <a:off x="0" y="0"/>
+          <a:ext cx="0" cy="0"/>
+          <a:chOff x="0" y="0"/>
+          <a:chExt cx="0" cy="0"/>
+        </a:xfrm>
+      </p:grpSpPr>
+      <p:sp>
+        <p:nvSpPr>
+          <p:cNvPr id="2" name="Title 1"/>
+          <p:cNvSpPr>
+            <a:spLocks noGrp="1"/>
+          </p:cNvSpPr>
+          <p:nvPr>
+            <p:ph type="title"/>
+          </p:nvPr>
+        </p:nvSpPr>
+        <p:spPr/>
+        <p:txBody>
+          <a:bodyPr/>
+          <a:lstStyle/>
+          <a:p>
+            <a:r>
+              <a:rPr lang="en-US" dirty="0" err="1" smtClean="0"/>
+              <a:t>Cách</a:t>
+            </a:r>
+            <a:r>
+              <a:rPr lang="en-US" dirty="0" smtClean="0"/>
+              <a:t> </a:t>
+            </a:r>
+            <a:r>
+              <a:rPr lang="en-US" dirty="0" err="1" smtClean="0"/>
+              <a:t>để</a:t>
+            </a:r>
+            <a:r>
+              <a:rPr lang="en-US" dirty="0" smtClean="0"/>
+              <a:t> </a:t>
+            </a:r>
+            <a:r>
+              <a:rPr lang="en-US" dirty="0" err="1" smtClean="0"/>
+              <a:t>cho</a:t>
+            </a:r>
+            <a:r>
+              <a:rPr lang="en-US" dirty="0" smtClean="0"/>
+              <a:t> </a:t>
+            </a:r>
+            <a:r>
+              <a:rPr lang="en-US" dirty="0" err="1" smtClean="0"/>
+              <a:t>máy</a:t>
+            </a:r>
+            <a:r>
+              <a:rPr lang="en-US" dirty="0" smtClean="0"/>
+              <a:t> </a:t>
+            </a:r>
+            <a:r>
+              <a:rPr lang="en-US" dirty="0" err="1" smtClean="0"/>
+              <a:t>tính</a:t>
+            </a:r>
+            <a:r>
+              <a:rPr lang="en-US" dirty="0" smtClean="0"/>
+              <a:t> </a:t>
+            </a:r>
+            <a:r>
+              <a:rPr lang="en-US" dirty="0" err="1" smtClean="0"/>
+              <a:t>cùng</a:t>
+            </a:r>
+            <a:r>
+              <a:rPr lang="en-US" dirty="0" smtClean="0"/>
+              <a:t> </a:t>
+            </a:r>
+            <a:r>
+              <a:rPr lang="en-US" dirty="0" err="1" smtClean="0"/>
+              <a:t>xử</a:t>
+            </a:r>
+            <a:r>
+              <a:rPr lang="en-US" dirty="0" smtClean="0"/>
+              <a:t> </a:t>
+            </a:r>
+            <a:r>
+              <a:rPr lang="en-US" dirty="0" err="1" smtClean="0"/>
+              <a:t>lý</a:t>
+            </a:r>
+            <a:endParaRPr lang="en-US" dirty="0"/>
+          </a:p>
+        </p:txBody>
+      </p:sp>
+      <p:sp>
+        <p:nvSpPr>
+          <p:cNvPr id="3" name="Content Placeholder 2"/>
+          <p:cNvSpPr>
+            <a:spLocks noGrp="1"/>
+          </p:cNvSpPr>
+          <p:nvPr>
+            <p:ph idx="1"/>
+          </p:nvPr>
+        </p:nvSpPr>
+        <p:spPr/>
+        <p:txBody>
+          <a:bodyPr/>
+          <a:lstStyle/>
+          <a:p>
+            <a:r>
+              <a:rPr lang="en-US" dirty="0" err="1" smtClean="0"/>
+              <a:t>Phân</a:t>
+            </a:r>
+            <a:r>
+              <a:rPr lang="en-US" dirty="0" smtClean="0"/>
+              <a:t> chia </a:t>
+            </a:r>
+            <a:r>
+              <a:rPr lang="en-US" dirty="0" err="1" smtClean="0"/>
+              <a:t>dữ</a:t>
+            </a:r>
+            <a:r>
+              <a:rPr lang="en-US" dirty="0" smtClean="0"/>
+              <a:t> </a:t>
+            </a:r>
+            <a:r>
+              <a:rPr lang="en-US" dirty="0" err="1" smtClean="0"/>
+              <a:t>liệu</a:t>
+            </a:r>
+            <a:r>
+              <a:rPr lang="en-US" dirty="0" smtClean="0"/>
+              <a:t> </a:t>
+            </a:r>
+            <a:r>
+              <a:rPr lang="en-US" dirty="0" err="1" smtClean="0"/>
+              <a:t>thành</a:t>
+            </a:r>
+            <a:r>
+              <a:rPr lang="en-US" dirty="0" smtClean="0"/>
+              <a:t> </a:t>
+            </a:r>
+            <a:r>
+              <a:rPr lang="en-US" dirty="0" err="1" smtClean="0"/>
+              <a:t>nhiều</a:t>
+            </a:r>
+            <a:r>
+              <a:rPr lang="en-US" dirty="0" smtClean="0"/>
+              <a:t> block </a:t>
+            </a:r>
+            <a:r>
+              <a:rPr lang="en-US" dirty="0" err="1" smtClean="0"/>
+              <a:t>và</a:t>
+            </a:r>
+            <a:r>
+              <a:rPr lang="en-US" dirty="0" smtClean="0"/>
+              <a:t> chia </a:t>
+            </a:r>
+            <a:r>
+              <a:rPr lang="en-US" dirty="0" err="1" smtClean="0"/>
+              <a:t>cho</a:t>
+            </a:r>
+            <a:r>
+              <a:rPr lang="en-US" dirty="0" smtClean="0"/>
+              <a:t> </a:t>
+            </a:r>
+            <a:r>
+              <a:rPr lang="en-US" dirty="0" err="1" smtClean="0"/>
+              <a:t>nhiều</a:t>
+            </a:r>
+            <a:r>
+              <a:rPr lang="en-US" dirty="0" smtClean="0"/>
+              <a:t> </a:t>
+            </a:r>
+            <a:r>
+              <a:rPr lang="en-US" dirty="0" err="1" smtClean="0"/>
+              <a:t>máy</a:t>
+            </a:r>
+            <a:r>
+              <a:rPr lang="en-US" dirty="0" smtClean="0"/>
+              <a:t> </a:t>
+            </a:r>
+            <a:r>
+              <a:rPr lang="en-US" dirty="0" err="1" smtClean="0"/>
+              <a:t>tính</a:t>
+            </a:r>
+            <a:r>
+              <a:rPr lang="en-US" dirty="0" smtClean="0"/>
+              <a:t> </a:t>
+            </a:r>
+            <a:r>
+              <a:rPr lang="en-US" dirty="0" err="1" smtClean="0"/>
+              <a:t>lưu</a:t>
+            </a:r>
+            <a:r>
+              <a:rPr lang="en-US" dirty="0" smtClean="0"/>
+              <a:t> </a:t>
+            </a:r>
+            <a:r>
+              <a:rPr lang="en-US" dirty="0" err="1" smtClean="0"/>
+              <a:t>trữ</a:t>
+            </a:r>
+            <a:r>
+              <a:rPr lang="en-US" dirty="0" smtClean="0"/>
+              <a:t>( </a:t>
+            </a:r>
+            <a:r>
+              <a:rPr lang="en-US" dirty="0" err="1" smtClean="0"/>
+              <a:t>để</a:t>
+            </a:r>
+            <a:r>
+              <a:rPr lang="en-US" dirty="0" smtClean="0"/>
+              <a:t> </a:t>
+            </a:r>
+            <a:r>
+              <a:rPr lang="en-US" dirty="0" err="1" smtClean="0"/>
+              <a:t>đảm</a:t>
+            </a:r>
+            <a:r>
+              <a:rPr lang="en-US" dirty="0" smtClean="0"/>
+              <a:t> </a:t>
+            </a:r>
+            <a:r>
+              <a:rPr lang="en-US" dirty="0" err="1" smtClean="0"/>
+              <a:t>bảo</a:t>
+            </a:r>
+            <a:r>
+              <a:rPr lang="en-US" dirty="0" smtClean="0"/>
+              <a:t> </a:t>
+            </a:r>
+            <a:r>
+              <a:rPr lang="en-US" dirty="0" err="1" smtClean="0"/>
+              <a:t>tính</a:t>
+            </a:r>
+            <a:r>
+              <a:rPr lang="en-US" dirty="0" smtClean="0"/>
+              <a:t> </a:t>
+            </a:r>
+            <a:r>
+              <a:rPr lang="en-US" dirty="0" err="1" smtClean="0"/>
+              <a:t>toàn</a:t>
+            </a:r>
+            <a:r>
+              <a:rPr lang="en-US" dirty="0" smtClean="0"/>
+              <a:t> </a:t>
+            </a:r>
+            <a:r>
+              <a:rPr lang="en-US" dirty="0" err="1" smtClean="0"/>
+              <a:t>vẹn</a:t>
+            </a:r>
+            <a:r>
+              <a:rPr lang="en-US" dirty="0" smtClean="0"/>
+              <a:t> </a:t>
+            </a:r>
+            <a:r>
+              <a:rPr lang="en-US" dirty="0" err="1" smtClean="0"/>
+              <a:t>của</a:t>
+            </a:r>
+            <a:r>
+              <a:rPr lang="en-US" dirty="0" smtClean="0"/>
+              <a:t> </a:t>
+            </a:r>
+            <a:r>
+              <a:rPr lang="en-US" dirty="0" err="1" smtClean="0"/>
+              <a:t>dữ</a:t>
+            </a:r>
+            <a:r>
+              <a:rPr lang="en-US" dirty="0" smtClean="0"/>
+              <a:t> </a:t>
+            </a:r>
+            <a:r>
+              <a:rPr lang="en-US" dirty="0" err="1" smtClean="0"/>
+              <a:t>liệu</a:t>
+            </a:r>
+            <a:r>
+              <a:rPr lang="en-US" dirty="0" smtClean="0"/>
+              <a:t>)</a:t>
+            </a:r>
+          </a:p>
+          <a:p>
+            <a:r>
+              <a:rPr lang="en-US" dirty="0" err="1" smtClean="0"/>
+              <a:t>Chuyển</a:t>
+            </a:r>
+            <a:r>
+              <a:rPr lang="en-US" dirty="0" smtClean="0"/>
+              <a:t> </a:t>
+            </a:r>
+            <a:r>
+              <a:rPr lang="en-US" dirty="0" err="1" smtClean="0"/>
+              <a:t>tính</a:t>
+            </a:r>
+            <a:r>
+              <a:rPr lang="en-US" dirty="0" smtClean="0"/>
+              <a:t> </a:t>
+            </a:r>
+            <a:r>
+              <a:rPr lang="en-US" dirty="0" err="1" smtClean="0"/>
+              <a:t>toán</a:t>
+            </a:r>
+            <a:r>
+              <a:rPr lang="en-US" dirty="0" smtClean="0"/>
+              <a:t> </a:t>
+            </a:r>
+            <a:r>
+              <a:rPr lang="en-US" dirty="0" err="1" smtClean="0"/>
+              <a:t>về</a:t>
+            </a:r>
+            <a:r>
+              <a:rPr lang="en-US" dirty="0" smtClean="0"/>
+              <a:t> </a:t>
+            </a:r>
+            <a:r>
+              <a:rPr lang="en-US" dirty="0" err="1" smtClean="0"/>
+              <a:t>nơi</a:t>
+            </a:r>
+            <a:r>
+              <a:rPr lang="en-US" dirty="0" smtClean="0"/>
+              <a:t> </a:t>
+            </a:r>
+            <a:r>
+              <a:rPr lang="en-US" dirty="0" err="1" smtClean="0"/>
+              <a:t>có</a:t>
+            </a:r>
+            <a:r>
+              <a:rPr lang="en-US" dirty="0" smtClean="0"/>
+              <a:t> </a:t>
+            </a:r>
+            <a:r>
+              <a:rPr lang="en-US" dirty="0" err="1" smtClean="0"/>
+              <a:t>dữ</a:t>
+            </a:r>
+            <a:r>
+              <a:rPr lang="en-US" dirty="0" smtClean="0"/>
+              <a:t> </a:t>
+            </a:r>
+            <a:r>
+              <a:rPr lang="en-US" dirty="0" err="1" smtClean="0"/>
+              <a:t>liệu</a:t>
+            </a:r>
+            <a:endParaRPr lang="en-US" dirty="0" smtClean="0"/>
+          </a:p>
+          <a:p>
+            <a:r>
+              <a:rPr lang="en-US" dirty="0" err="1" smtClean="0"/>
+              <a:t>Đưa</a:t>
+            </a:r>
+            <a:r>
+              <a:rPr lang="en-US" dirty="0" smtClean="0"/>
+              <a:t> </a:t>
+            </a:r>
+            <a:r>
+              <a:rPr lang="en-US" dirty="0" err="1" smtClean="0"/>
+              <a:t>ra</a:t>
+            </a:r>
+            <a:r>
+              <a:rPr lang="en-US" dirty="0" smtClean="0"/>
+              <a:t> </a:t>
+            </a:r>
+            <a:r>
+              <a:rPr lang="en-US" dirty="0" err="1" smtClean="0"/>
+              <a:t>mô</a:t>
+            </a:r>
+            <a:r>
+              <a:rPr lang="en-US" dirty="0" smtClean="0"/>
+              <a:t> </a:t>
+            </a:r>
+            <a:r>
+              <a:rPr lang="en-US" dirty="0" err="1" smtClean="0"/>
+              <a:t>hình</a:t>
+            </a:r>
+            <a:r>
+              <a:rPr lang="en-US" dirty="0" smtClean="0"/>
+              <a:t> </a:t>
+            </a:r>
+            <a:r>
+              <a:rPr lang="en-US" dirty="0" err="1" smtClean="0"/>
+              <a:t>và</a:t>
+            </a:r>
+            <a:r>
+              <a:rPr lang="en-US" dirty="0" smtClean="0"/>
+              <a:t> </a:t>
+            </a:r>
+            <a:r>
+              <a:rPr lang="en-US" dirty="0" err="1" smtClean="0"/>
+              <a:t>giao</a:t>
+            </a:r>
+            <a:r>
+              <a:rPr lang="en-US" dirty="0" smtClean="0"/>
+              <a:t> </a:t>
+            </a:r>
+            <a:r>
+              <a:rPr lang="en-US" dirty="0" err="1" smtClean="0"/>
+              <a:t>diện</a:t>
+            </a:r>
+            <a:r>
+              <a:rPr lang="en-US" dirty="0" smtClean="0"/>
+              <a:t> </a:t>
+            </a:r>
+            <a:r>
+              <a:rPr lang="en-US" dirty="0" err="1" smtClean="0"/>
+              <a:t>tính</a:t>
+            </a:r>
+            <a:r>
+              <a:rPr lang="en-US" dirty="0" smtClean="0"/>
+              <a:t> </a:t>
+            </a:r>
+            <a:r>
+              <a:rPr lang="en-US" dirty="0" err="1" smtClean="0"/>
+              <a:t>toán</a:t>
+            </a:r>
+            <a:r>
+              <a:rPr lang="en-US" dirty="0" smtClean="0"/>
+              <a:t> </a:t>
+            </a:r>
+            <a:r>
+              <a:rPr lang="en-US" dirty="0" err="1" smtClean="0"/>
+              <a:t>đơn</a:t>
+            </a:r>
+            <a:r>
+              <a:rPr lang="en-US" dirty="0" smtClean="0"/>
+              <a:t> </a:t>
+            </a:r>
+            <a:r>
+              <a:rPr lang="en-US" dirty="0" err="1" smtClean="0"/>
+              <a:t>giản</a:t>
+            </a:r>
+            <a:r>
+              <a:rPr lang="en-US" dirty="0" smtClean="0"/>
+              <a:t>.</a:t>
+            </a:r>
+            <a:endParaRPr lang="en-US" dirty="0"/>
+          </a:p>
+        </p:txBody>
+      </p:sp>
+    </p:spTree>
+    <p:extLst>
+      <p:ext uri="{BB962C8B-B14F-4D97-AF65-F5344CB8AC3E}">
+        <p14:creationId xmlns:p14="http://schemas.microsoft.com/office/powerpoint/2010/main" val="3957166585"/>
+      </p:ext>
+    </p:extLst>
+  </p:cSld>
+  <p:clrMapOvr>
+    <a:masterClrMapping/>
+  </p:clrMapOvr>
+  <p:timing>
+    <p:tnLst>
+      <p:par>
+        <p:cTn id="1" dur="indefinite" restart="never" nodeType="tmRoot"/>
+      </p:par>
+    </p:tnLst>
+  </p:timing>
+</p:sld>
+</file>
+
+<file path=ppt/slides/slide18.xml><?xml version="1.0" encoding="utf-8"?>
+<p:sld xmlns:a="http://schemas.openxmlformats.org/drawingml/2006/main" xmlns:r="http://schemas.openxmlformats.org/officeDocument/2006/relationships" xmlns:p="http://schemas.openxmlformats.org/presentationml/2006/main">
+  <p:cSld>
+    <p:spTree>
+      <p:nvGrpSpPr>
+        <p:cNvPr id="1" name=""/>
+        <p:cNvGrpSpPr/>
+        <p:nvPr/>
+      </p:nvGrpSpPr>
+      <p:grpSpPr>
+        <a:xfrm>
+          <a:off x="0" y="0"/>
+          <a:ext cx="0" cy="0"/>
+          <a:chOff x="0" y="0"/>
+          <a:chExt cx="0" cy="0"/>
+        </a:xfrm>
+      </p:grpSpPr>
+      <p:sp>
+        <p:nvSpPr>
+          <p:cNvPr id="2" name="Title 1"/>
+          <p:cNvSpPr>
+            <a:spLocks noGrp="1"/>
+          </p:cNvSpPr>
+          <p:nvPr>
+            <p:ph type="title"/>
+          </p:nvPr>
+        </p:nvSpPr>
+        <p:spPr/>
+        <p:txBody>
+          <a:bodyPr/>
+          <a:lstStyle/>
+          <a:p>
             <a:r>
               <a:rPr lang="en-US" dirty="0" smtClean="0"/>
               <a:t>Chia </a:t>
@@ -5225,10 +5543,17 @@
   <p:clrMapOvr>
     <a:masterClrMapping/>
   </p:clrMapOvr>
+  <p:timing>
+    <p:tnLst>
+      <p:par>
+        <p:cTn id="1" dur="indefinite" restart="never" nodeType="tmRoot"/>
+      </p:par>
+    </p:tnLst>
+  </p:timing>
 </p:sld>
 </file>
 
-<file path=ppt/slides/slide17.xml><?xml version="1.0" encoding="utf-8"?>
+<file path=ppt/slides/slide19.xml><?xml version="1.0" encoding="utf-8"?>
 <p:sld xmlns:a="http://schemas.openxmlformats.org/drawingml/2006/main" xmlns:r="http://schemas.openxmlformats.org/officeDocument/2006/relationships" xmlns:p="http://schemas.openxmlformats.org/presentationml/2006/main">
   <p:cSld>
     <p:spTree>
@@ -5331,630 +5656,13 @@
   <p:clrMapOvr>
     <a:masterClrMapping/>
   </p:clrMapOvr>
-</p:sld>
-</file>
-
-<file path=ppt/slides/slide18.xml><?xml version="1.0" encoding="utf-8"?>
-<p:sld xmlns:a="http://schemas.openxmlformats.org/drawingml/2006/main" xmlns:r="http://schemas.openxmlformats.org/officeDocument/2006/relationships" xmlns:p="http://schemas.openxmlformats.org/presentationml/2006/main">
-  <p:cSld>
-    <p:spTree>
-      <p:nvGrpSpPr>
-        <p:cNvPr id="1" name=""/>
-        <p:cNvGrpSpPr/>
-        <p:nvPr/>
-      </p:nvGrpSpPr>
-      <p:grpSpPr>
-        <a:xfrm>
-          <a:off x="0" y="0"/>
-          <a:ext cx="0" cy="0"/>
-          <a:chOff x="0" y="0"/>
-          <a:chExt cx="0" cy="0"/>
-        </a:xfrm>
-      </p:grpSpPr>
-      <p:sp>
-        <p:nvSpPr>
-          <p:cNvPr id="2" name="Title 1"/>
-          <p:cNvSpPr>
-            <a:spLocks noGrp="1"/>
-          </p:cNvSpPr>
-          <p:nvPr>
-            <p:ph type="title"/>
-          </p:nvPr>
-        </p:nvSpPr>
-        <p:spPr/>
-        <p:txBody>
-          <a:bodyPr/>
-          <a:lstStyle/>
-          <a:p>
-            <a:r>
-              <a:rPr lang="en-US" dirty="0" smtClean="0"/>
-              <a:t>Master server</a:t>
-            </a:r>
-            <a:endParaRPr lang="en-US" dirty="0"/>
-          </a:p>
-        </p:txBody>
-      </p:sp>
-      <p:sp>
-        <p:nvSpPr>
-          <p:cNvPr id="3" name="Content Placeholder 2"/>
-          <p:cNvSpPr>
-            <a:spLocks noGrp="1"/>
-          </p:cNvSpPr>
-          <p:nvPr>
-            <p:ph idx="1"/>
-          </p:nvPr>
-        </p:nvSpPr>
-        <p:spPr/>
-        <p:txBody>
-          <a:bodyPr/>
-          <a:lstStyle/>
-          <a:p>
-            <a:r>
-              <a:rPr lang="vi-VN" dirty="0"/>
-              <a:t> làm nhiệm vụ quản lý metadata cho hệ thống File. Cụ thể Master Server sẽ lưu giữ thông tin như File này có bao nhiêu Chunk và mỗi Chunk sẽ được lưu ở máy chủ nào. Dựa vào thông tin metadata này mà thuật toán tính toán sẽ chuyển tính toán về máy chủ có </a:t>
-            </a:r>
-            <a:r>
-              <a:rPr lang="vi-VN" dirty="0" smtClean="0"/>
-              <a:t>chunk</a:t>
-            </a:r>
-            <a:r>
-              <a:rPr lang="en-US" dirty="0" smtClean="0"/>
-              <a:t>.</a:t>
-            </a:r>
-            <a:endParaRPr lang="en-US" dirty="0"/>
-          </a:p>
-        </p:txBody>
-      </p:sp>
-    </p:spTree>
-    <p:extLst>
-      <p:ext uri="{BB962C8B-B14F-4D97-AF65-F5344CB8AC3E}">
-        <p14:creationId xmlns:p14="http://schemas.microsoft.com/office/powerpoint/2010/main" val="2662814436"/>
-      </p:ext>
-    </p:extLst>
-  </p:cSld>
-  <p:clrMapOvr>
-    <a:masterClrMapping/>
-  </p:clrMapOvr>
-</p:sld>
-</file>
-
-<file path=ppt/slides/slide19.xml><?xml version="1.0" encoding="utf-8"?>
-<p:sld xmlns:a="http://schemas.openxmlformats.org/drawingml/2006/main" xmlns:r="http://schemas.openxmlformats.org/officeDocument/2006/relationships" xmlns:p="http://schemas.openxmlformats.org/presentationml/2006/main">
-  <p:cSld>
-    <p:spTree>
-      <p:nvGrpSpPr>
-        <p:cNvPr id="1" name=""/>
-        <p:cNvGrpSpPr/>
-        <p:nvPr/>
-      </p:nvGrpSpPr>
-      <p:grpSpPr>
-        <a:xfrm>
-          <a:off x="0" y="0"/>
-          <a:ext cx="0" cy="0"/>
-          <a:chOff x="0" y="0"/>
-          <a:chExt cx="0" cy="0"/>
-        </a:xfrm>
-      </p:grpSpPr>
-      <p:sp>
-        <p:nvSpPr>
-          <p:cNvPr id="2" name="Title 1"/>
-          <p:cNvSpPr>
-            <a:spLocks noGrp="1"/>
-          </p:cNvSpPr>
-          <p:nvPr>
-            <p:ph type="title"/>
-          </p:nvPr>
-        </p:nvSpPr>
-        <p:spPr/>
-        <p:txBody>
-          <a:bodyPr/>
-          <a:lstStyle/>
-          <a:p>
-            <a:r>
-              <a:rPr lang="en-US" dirty="0" err="1" smtClean="0"/>
-              <a:t>Mô</a:t>
-            </a:r>
-            <a:r>
-              <a:rPr lang="en-US" dirty="0" smtClean="0"/>
-              <a:t> </a:t>
-            </a:r>
-            <a:r>
-              <a:rPr lang="en-US" dirty="0" err="1" smtClean="0"/>
-              <a:t>hình</a:t>
-            </a:r>
-            <a:r>
-              <a:rPr lang="en-US" dirty="0" smtClean="0"/>
-              <a:t> </a:t>
-            </a:r>
-            <a:r>
-              <a:rPr lang="en-US" dirty="0" err="1" smtClean="0"/>
-              <a:t>tính</a:t>
-            </a:r>
-            <a:r>
-              <a:rPr lang="en-US" dirty="0" smtClean="0"/>
-              <a:t> </a:t>
-            </a:r>
-            <a:r>
-              <a:rPr lang="en-US" dirty="0" err="1" smtClean="0"/>
-              <a:t>toán</a:t>
-            </a:r>
-            <a:r>
-              <a:rPr lang="en-US" dirty="0" smtClean="0"/>
-              <a:t> (Map-Reduce)</a:t>
-            </a:r>
-            <a:endParaRPr lang="en-US" dirty="0"/>
-          </a:p>
-        </p:txBody>
-      </p:sp>
-      <p:sp>
-        <p:nvSpPr>
-          <p:cNvPr id="3" name="Content Placeholder 2"/>
-          <p:cNvSpPr>
-            <a:spLocks noGrp="1"/>
-          </p:cNvSpPr>
-          <p:nvPr>
-            <p:ph idx="1"/>
-          </p:nvPr>
-        </p:nvSpPr>
-        <p:spPr/>
-        <p:txBody>
-          <a:bodyPr/>
-          <a:lstStyle/>
-          <a:p>
-            <a:r>
-              <a:rPr lang="en-US" dirty="0" err="1" smtClean="0"/>
-              <a:t>Bài</a:t>
-            </a:r>
-            <a:r>
-              <a:rPr lang="en-US" dirty="0" smtClean="0"/>
-              <a:t> </a:t>
-            </a:r>
-            <a:r>
-              <a:rPr lang="en-US" dirty="0" err="1" smtClean="0"/>
-              <a:t>toán</a:t>
-            </a:r>
-            <a:r>
-              <a:rPr lang="en-US" dirty="0" smtClean="0"/>
-              <a:t> word-count </a:t>
-            </a:r>
-            <a:r>
-              <a:rPr lang="en-US" dirty="0" err="1" smtClean="0"/>
-              <a:t>là</a:t>
-            </a:r>
-            <a:r>
-              <a:rPr lang="en-US" dirty="0" smtClean="0"/>
-              <a:t> </a:t>
-            </a:r>
-            <a:r>
-              <a:rPr lang="en-US" dirty="0" err="1" smtClean="0"/>
-              <a:t>ví</a:t>
-            </a:r>
-            <a:r>
-              <a:rPr lang="en-US" dirty="0" smtClean="0"/>
-              <a:t> </a:t>
-            </a:r>
-            <a:r>
-              <a:rPr lang="en-US" dirty="0" err="1" smtClean="0"/>
-              <a:t>dụ</a:t>
-            </a:r>
-            <a:r>
-              <a:rPr lang="en-US" dirty="0" smtClean="0"/>
-              <a:t> minh </a:t>
-            </a:r>
-            <a:r>
-              <a:rPr lang="en-US" dirty="0" err="1" smtClean="0"/>
-              <a:t>họa</a:t>
-            </a:r>
-            <a:r>
-              <a:rPr lang="en-US" dirty="0" smtClean="0"/>
-              <a:t> </a:t>
-            </a:r>
-            <a:r>
-              <a:rPr lang="en-US" dirty="0" err="1" smtClean="0"/>
-              <a:t>dễ</a:t>
-            </a:r>
-            <a:r>
-              <a:rPr lang="en-US" dirty="0" smtClean="0"/>
-              <a:t> </a:t>
-            </a:r>
-            <a:r>
-              <a:rPr lang="en-US" dirty="0" err="1" smtClean="0"/>
-              <a:t>hiểu</a:t>
-            </a:r>
-            <a:r>
-              <a:rPr lang="en-US" dirty="0" smtClean="0"/>
-              <a:t> </a:t>
-            </a:r>
-            <a:r>
-              <a:rPr lang="en-US" dirty="0" err="1" smtClean="0"/>
-              <a:t>nhất</a:t>
-            </a:r>
-            <a:r>
-              <a:rPr lang="en-US" dirty="0" smtClean="0"/>
-              <a:t> </a:t>
-            </a:r>
-            <a:r>
-              <a:rPr lang="en-US" dirty="0" err="1" smtClean="0"/>
-              <a:t>cho</a:t>
-            </a:r>
-            <a:r>
-              <a:rPr lang="en-US" dirty="0" smtClean="0"/>
-              <a:t> Map-Reduce</a:t>
-            </a:r>
-          </a:p>
-          <a:p>
-            <a:r>
-              <a:rPr lang="en-US" dirty="0" smtClean="0"/>
-              <a:t>MR chia </a:t>
-            </a:r>
-            <a:r>
-              <a:rPr lang="en-US" dirty="0" err="1" smtClean="0"/>
-              <a:t>làm</a:t>
-            </a:r>
-            <a:r>
-              <a:rPr lang="en-US" dirty="0" smtClean="0"/>
-              <a:t> 3 </a:t>
-            </a:r>
-            <a:r>
-              <a:rPr lang="en-US" dirty="0" err="1" smtClean="0"/>
-              <a:t>thao</a:t>
-            </a:r>
-            <a:r>
-              <a:rPr lang="en-US" dirty="0" smtClean="0"/>
-              <a:t> </a:t>
-            </a:r>
-            <a:r>
-              <a:rPr lang="en-US" dirty="0" err="1" smtClean="0"/>
-              <a:t>tác</a:t>
-            </a:r>
-            <a:r>
-              <a:rPr lang="en-US" dirty="0" smtClean="0"/>
-              <a:t>: Map </a:t>
-            </a:r>
-            <a:r>
-              <a:rPr lang="en-US" dirty="0" err="1" smtClean="0"/>
-              <a:t>và</a:t>
-            </a:r>
-            <a:r>
-              <a:rPr lang="en-US" dirty="0" smtClean="0"/>
-              <a:t> Reduce</a:t>
-            </a:r>
-          </a:p>
-          <a:p>
-            <a:pPr>
-              <a:buFont typeface="Wingdings" panose="05000000000000000000" pitchFamily="2" charset="2"/>
-              <a:buChar char="ü"/>
-            </a:pPr>
-            <a:r>
-              <a:rPr lang="en-US" dirty="0" smtClean="0"/>
-              <a:t>Map: </a:t>
-            </a:r>
-            <a:r>
-              <a:rPr lang="en-US" dirty="0" err="1" smtClean="0"/>
-              <a:t>quét</a:t>
-            </a:r>
-            <a:r>
-              <a:rPr lang="en-US" dirty="0" smtClean="0"/>
-              <a:t> file </a:t>
-            </a:r>
-            <a:r>
-              <a:rPr lang="en-US" dirty="0" err="1" smtClean="0"/>
-              <a:t>đầu</a:t>
-            </a:r>
-            <a:r>
-              <a:rPr lang="en-US" dirty="0" smtClean="0"/>
-              <a:t> </a:t>
-            </a:r>
-            <a:r>
-              <a:rPr lang="en-US" dirty="0" err="1" smtClean="0"/>
-              <a:t>vào</a:t>
-            </a:r>
-            <a:r>
-              <a:rPr lang="en-US" dirty="0" smtClean="0"/>
-              <a:t> </a:t>
-            </a:r>
-            <a:r>
-              <a:rPr lang="en-US" dirty="0" err="1" smtClean="0"/>
-              <a:t>và</a:t>
-            </a:r>
-            <a:r>
-              <a:rPr lang="en-US" dirty="0" smtClean="0"/>
-              <a:t>  </a:t>
-            </a:r>
-            <a:r>
-              <a:rPr lang="en-US" dirty="0" err="1" smtClean="0"/>
-              <a:t>ghi</a:t>
-            </a:r>
-            <a:r>
-              <a:rPr lang="en-US" dirty="0" smtClean="0"/>
-              <a:t> </a:t>
-            </a:r>
-            <a:r>
-              <a:rPr lang="en-US" dirty="0" err="1" smtClean="0"/>
-              <a:t>lại</a:t>
-            </a:r>
-            <a:r>
-              <a:rPr lang="en-US" dirty="0" smtClean="0"/>
-              <a:t> </a:t>
-            </a:r>
-            <a:r>
-              <a:rPr lang="en-US" dirty="0" err="1" smtClean="0"/>
-              <a:t>từng</a:t>
-            </a:r>
-            <a:r>
-              <a:rPr lang="en-US" dirty="0" smtClean="0"/>
-              <a:t> </a:t>
-            </a:r>
-            <a:r>
-              <a:rPr lang="en-US" dirty="0" err="1" smtClean="0"/>
-              <a:t>bản</a:t>
-            </a:r>
-            <a:r>
-              <a:rPr lang="en-US" dirty="0" smtClean="0"/>
-              <a:t> </a:t>
-            </a:r>
-            <a:r>
-              <a:rPr lang="en-US" dirty="0" err="1" smtClean="0"/>
-              <a:t>ghi</a:t>
-            </a:r>
-            <a:endParaRPr lang="en-US" dirty="0" smtClean="0"/>
-          </a:p>
-          <a:p>
-            <a:pPr>
-              <a:buFont typeface="Wingdings" panose="05000000000000000000" pitchFamily="2" charset="2"/>
-              <a:buChar char="ü"/>
-            </a:pPr>
-            <a:r>
-              <a:rPr lang="en-US" dirty="0" smtClean="0"/>
-              <a:t>Group by Key: </a:t>
-            </a:r>
-            <a:r>
-              <a:rPr lang="en-US" dirty="0" err="1" smtClean="0"/>
-              <a:t>sắp</a:t>
-            </a:r>
-            <a:r>
-              <a:rPr lang="en-US" dirty="0" smtClean="0"/>
-              <a:t> </a:t>
-            </a:r>
-            <a:r>
-              <a:rPr lang="en-US" dirty="0" err="1" smtClean="0"/>
-              <a:t>xếp</a:t>
-            </a:r>
-            <a:r>
-              <a:rPr lang="en-US" dirty="0" smtClean="0"/>
-              <a:t> </a:t>
-            </a:r>
-            <a:r>
-              <a:rPr lang="en-US" dirty="0" err="1" smtClean="0"/>
-              <a:t>và</a:t>
-            </a:r>
-            <a:r>
-              <a:rPr lang="en-US" dirty="0" smtClean="0"/>
-              <a:t> </a:t>
-            </a:r>
-            <a:r>
-              <a:rPr lang="en-US" dirty="0" err="1" smtClean="0"/>
-              <a:t>trộn</a:t>
-            </a:r>
-            <a:r>
-              <a:rPr lang="en-US" dirty="0" smtClean="0"/>
-              <a:t> </a:t>
-            </a:r>
-            <a:r>
-              <a:rPr lang="en-US" dirty="0" err="1" smtClean="0"/>
-              <a:t>dữ</a:t>
-            </a:r>
-            <a:r>
-              <a:rPr lang="en-US" dirty="0" smtClean="0"/>
-              <a:t> </a:t>
-            </a:r>
-            <a:r>
-              <a:rPr lang="en-US" dirty="0" err="1" smtClean="0"/>
-              <a:t>liệu</a:t>
-            </a:r>
-            <a:r>
-              <a:rPr lang="en-US" dirty="0" smtClean="0"/>
-              <a:t> </a:t>
-            </a:r>
-            <a:r>
-              <a:rPr lang="en-US" dirty="0" err="1" smtClean="0"/>
-              <a:t>cho</a:t>
-            </a:r>
-            <a:r>
-              <a:rPr lang="en-US" dirty="0" smtClean="0"/>
-              <a:t> </a:t>
-            </a:r>
-            <a:r>
-              <a:rPr lang="en-US" dirty="0" err="1" smtClean="0"/>
-              <a:t>mỗi</a:t>
-            </a:r>
-            <a:r>
-              <a:rPr lang="en-US" dirty="0" smtClean="0"/>
-              <a:t> </a:t>
-            </a:r>
-            <a:r>
-              <a:rPr lang="en-US" dirty="0" err="1" smtClean="0"/>
-              <a:t>bản</a:t>
-            </a:r>
-            <a:r>
-              <a:rPr lang="en-US" dirty="0" smtClean="0"/>
-              <a:t> </a:t>
-            </a:r>
-            <a:r>
-              <a:rPr lang="en-US" dirty="0" err="1" smtClean="0"/>
-              <a:t>ghi</a:t>
-            </a:r>
-            <a:r>
-              <a:rPr lang="en-US" dirty="0" smtClean="0"/>
-              <a:t> </a:t>
-            </a:r>
-            <a:r>
-              <a:rPr lang="en-US" dirty="0" err="1" smtClean="0"/>
-              <a:t>sinh</a:t>
-            </a:r>
-            <a:r>
-              <a:rPr lang="en-US" dirty="0" smtClean="0"/>
-              <a:t> </a:t>
-            </a:r>
-            <a:r>
-              <a:rPr lang="en-US" dirty="0" err="1" smtClean="0"/>
-              <a:t>ra</a:t>
-            </a:r>
-            <a:r>
-              <a:rPr lang="en-US" dirty="0" smtClean="0"/>
-              <a:t> </a:t>
-            </a:r>
-            <a:r>
-              <a:rPr lang="en-US" dirty="0" err="1" smtClean="0"/>
-              <a:t>từ</a:t>
-            </a:r>
-            <a:r>
-              <a:rPr lang="en-US" dirty="0" smtClean="0"/>
-              <a:t> Map</a:t>
-            </a:r>
-          </a:p>
-          <a:p>
-            <a:pPr>
-              <a:buFont typeface="Wingdings" panose="05000000000000000000" pitchFamily="2" charset="2"/>
-              <a:buChar char="ü"/>
-            </a:pPr>
-            <a:r>
-              <a:rPr lang="en-US" dirty="0" smtClean="0"/>
-              <a:t>Reduce: </a:t>
-            </a:r>
-            <a:r>
-              <a:rPr lang="en-US" dirty="0" err="1" smtClean="0"/>
-              <a:t>tổng</a:t>
-            </a:r>
-            <a:r>
-              <a:rPr lang="en-US" dirty="0" smtClean="0"/>
-              <a:t> </a:t>
-            </a:r>
-            <a:r>
-              <a:rPr lang="en-US" dirty="0" err="1" smtClean="0"/>
-              <a:t>hợp</a:t>
-            </a:r>
-            <a:r>
-              <a:rPr lang="en-US" dirty="0" smtClean="0"/>
-              <a:t>, </a:t>
-            </a:r>
-            <a:r>
-              <a:rPr lang="en-US" dirty="0" err="1" smtClean="0"/>
-              <a:t>thay</a:t>
-            </a:r>
-            <a:r>
-              <a:rPr lang="en-US" dirty="0" smtClean="0"/>
-              <a:t> </a:t>
-            </a:r>
-            <a:r>
-              <a:rPr lang="en-US" dirty="0" err="1" smtClean="0"/>
-              <a:t>đổi</a:t>
-            </a:r>
-            <a:r>
-              <a:rPr lang="en-US" dirty="0" smtClean="0"/>
-              <a:t> hay </a:t>
-            </a:r>
-            <a:r>
-              <a:rPr lang="en-US" dirty="0" err="1" smtClean="0"/>
-              <a:t>lọc</a:t>
-            </a:r>
-            <a:r>
-              <a:rPr lang="en-US" dirty="0" smtClean="0"/>
-              <a:t> </a:t>
-            </a:r>
-            <a:r>
-              <a:rPr lang="en-US" dirty="0" err="1" smtClean="0"/>
-              <a:t>dữ</a:t>
-            </a:r>
-            <a:r>
-              <a:rPr lang="en-US" dirty="0" smtClean="0"/>
-              <a:t> </a:t>
-            </a:r>
-            <a:r>
-              <a:rPr lang="en-US" dirty="0" err="1" smtClean="0"/>
-              <a:t>liệu</a:t>
-            </a:r>
-            <a:r>
-              <a:rPr lang="en-US" dirty="0" smtClean="0"/>
-              <a:t> </a:t>
-            </a:r>
-            <a:r>
-              <a:rPr lang="en-US" dirty="0" err="1" smtClean="0"/>
-              <a:t>từ</a:t>
-            </a:r>
-            <a:r>
-              <a:rPr lang="en-US" dirty="0" smtClean="0"/>
-              <a:t> </a:t>
-            </a:r>
-            <a:r>
-              <a:rPr lang="en-US" dirty="0" err="1" smtClean="0"/>
-              <a:t>thao</a:t>
-            </a:r>
-            <a:r>
-              <a:rPr lang="en-US" dirty="0" smtClean="0"/>
-              <a:t> </a:t>
-            </a:r>
-            <a:r>
-              <a:rPr lang="en-US" dirty="0" err="1" smtClean="0"/>
-              <a:t>tác</a:t>
-            </a:r>
-            <a:r>
-              <a:rPr lang="en-US" dirty="0" smtClean="0"/>
-              <a:t> </a:t>
-            </a:r>
-            <a:r>
-              <a:rPr lang="en-US" dirty="0" err="1" smtClean="0"/>
-              <a:t>trước</a:t>
-            </a:r>
-            <a:r>
-              <a:rPr lang="en-US" dirty="0" smtClean="0"/>
-              <a:t> </a:t>
-            </a:r>
-            <a:r>
-              <a:rPr lang="en-US" dirty="0" err="1" smtClean="0"/>
-              <a:t>và</a:t>
-            </a:r>
-            <a:r>
-              <a:rPr lang="en-US" dirty="0" smtClean="0"/>
-              <a:t> </a:t>
-            </a:r>
-            <a:r>
-              <a:rPr lang="en-US" dirty="0" err="1" smtClean="0"/>
-              <a:t>ghi</a:t>
-            </a:r>
-            <a:r>
-              <a:rPr lang="en-US" dirty="0" smtClean="0"/>
-              <a:t> </a:t>
-            </a:r>
-            <a:r>
-              <a:rPr lang="en-US" dirty="0" err="1" smtClean="0"/>
-              <a:t>kết</a:t>
-            </a:r>
-            <a:r>
-              <a:rPr lang="en-US" dirty="0" smtClean="0"/>
-              <a:t> </a:t>
-            </a:r>
-            <a:r>
-              <a:rPr lang="en-US" dirty="0" err="1" smtClean="0"/>
-              <a:t>quả</a:t>
-            </a:r>
-            <a:r>
-              <a:rPr lang="en-US" dirty="0" smtClean="0"/>
-              <a:t>.</a:t>
-            </a:r>
-          </a:p>
-        </p:txBody>
-      </p:sp>
-    </p:spTree>
-    <p:extLst>
-      <p:ext uri="{BB962C8B-B14F-4D97-AF65-F5344CB8AC3E}">
-        <p14:creationId xmlns:p14="http://schemas.microsoft.com/office/powerpoint/2010/main" val="2659149172"/>
-      </p:ext>
-    </p:extLst>
-  </p:cSld>
-  <p:clrMapOvr>
-    <a:masterClrMapping/>
-  </p:clrMapOvr>
+  <p:timing>
+    <p:tnLst>
+      <p:par>
+        <p:cTn id="1" dur="indefinite" restart="never" nodeType="tmRoot"/>
+      </p:par>
+    </p:tnLst>
+  </p:timing>
 </p:sld>
 </file>
 
@@ -6027,10 +5735,655 @@
   <p:clrMapOvr>
     <a:masterClrMapping/>
   </p:clrMapOvr>
+  <p:timing>
+    <p:tnLst>
+      <p:par>
+        <p:cTn id="1" dur="indefinite" restart="never" nodeType="tmRoot"/>
+      </p:par>
+    </p:tnLst>
+  </p:timing>
 </p:sld>
 </file>
 
 <file path=ppt/slides/slide20.xml><?xml version="1.0" encoding="utf-8"?>
+<p:sld xmlns:a="http://schemas.openxmlformats.org/drawingml/2006/main" xmlns:r="http://schemas.openxmlformats.org/officeDocument/2006/relationships" xmlns:p="http://schemas.openxmlformats.org/presentationml/2006/main">
+  <p:cSld>
+    <p:spTree>
+      <p:nvGrpSpPr>
+        <p:cNvPr id="1" name=""/>
+        <p:cNvGrpSpPr/>
+        <p:nvPr/>
+      </p:nvGrpSpPr>
+      <p:grpSpPr>
+        <a:xfrm>
+          <a:off x="0" y="0"/>
+          <a:ext cx="0" cy="0"/>
+          <a:chOff x="0" y="0"/>
+          <a:chExt cx="0" cy="0"/>
+        </a:xfrm>
+      </p:grpSpPr>
+      <p:sp>
+        <p:nvSpPr>
+          <p:cNvPr id="2" name="Title 1"/>
+          <p:cNvSpPr>
+            <a:spLocks noGrp="1"/>
+          </p:cNvSpPr>
+          <p:nvPr>
+            <p:ph type="title"/>
+          </p:nvPr>
+        </p:nvSpPr>
+        <p:spPr/>
+        <p:txBody>
+          <a:bodyPr/>
+          <a:lstStyle/>
+          <a:p>
+            <a:r>
+              <a:rPr lang="en-US" dirty="0" smtClean="0"/>
+              <a:t>Master server</a:t>
+            </a:r>
+            <a:endParaRPr lang="en-US" dirty="0"/>
+          </a:p>
+        </p:txBody>
+      </p:sp>
+      <p:sp>
+        <p:nvSpPr>
+          <p:cNvPr id="3" name="Content Placeholder 2"/>
+          <p:cNvSpPr>
+            <a:spLocks noGrp="1"/>
+          </p:cNvSpPr>
+          <p:nvPr>
+            <p:ph idx="1"/>
+          </p:nvPr>
+        </p:nvSpPr>
+        <p:spPr/>
+        <p:txBody>
+          <a:bodyPr/>
+          <a:lstStyle/>
+          <a:p>
+            <a:r>
+              <a:rPr lang="vi-VN" dirty="0"/>
+              <a:t> làm nhiệm vụ quản lý metadata cho hệ thống File. Cụ thể Master Server sẽ lưu giữ thông tin như File này có bao nhiêu Chunk và mỗi Chunk sẽ được lưu ở máy chủ nào. Dựa vào thông tin metadata này mà thuật toán tính toán sẽ chuyển tính toán về máy chủ có </a:t>
+            </a:r>
+            <a:r>
+              <a:rPr lang="vi-VN" dirty="0" smtClean="0"/>
+              <a:t>chunk</a:t>
+            </a:r>
+            <a:r>
+              <a:rPr lang="en-US" dirty="0" smtClean="0"/>
+              <a:t>.</a:t>
+            </a:r>
+            <a:endParaRPr lang="en-US" dirty="0"/>
+          </a:p>
+        </p:txBody>
+      </p:sp>
+    </p:spTree>
+    <p:extLst>
+      <p:ext uri="{BB962C8B-B14F-4D97-AF65-F5344CB8AC3E}">
+        <p14:creationId xmlns:p14="http://schemas.microsoft.com/office/powerpoint/2010/main" val="2662814436"/>
+      </p:ext>
+    </p:extLst>
+  </p:cSld>
+  <p:clrMapOvr>
+    <a:masterClrMapping/>
+  </p:clrMapOvr>
+  <p:timing>
+    <p:tnLst>
+      <p:par>
+        <p:cTn id="1" dur="indefinite" restart="never" nodeType="tmRoot"/>
+      </p:par>
+    </p:tnLst>
+  </p:timing>
+</p:sld>
+</file>
+
+<file path=ppt/slides/slide21.xml><?xml version="1.0" encoding="utf-8"?>
+<p:sld xmlns:a="http://schemas.openxmlformats.org/drawingml/2006/main" xmlns:r="http://schemas.openxmlformats.org/officeDocument/2006/relationships" xmlns:p="http://schemas.openxmlformats.org/presentationml/2006/main">
+  <p:cSld>
+    <p:spTree>
+      <p:nvGrpSpPr>
+        <p:cNvPr id="1" name=""/>
+        <p:cNvGrpSpPr/>
+        <p:nvPr/>
+      </p:nvGrpSpPr>
+      <p:grpSpPr>
+        <a:xfrm>
+          <a:off x="0" y="0"/>
+          <a:ext cx="0" cy="0"/>
+          <a:chOff x="0" y="0"/>
+          <a:chExt cx="0" cy="0"/>
+        </a:xfrm>
+      </p:grpSpPr>
+      <p:sp>
+        <p:nvSpPr>
+          <p:cNvPr id="2" name="Title 1"/>
+          <p:cNvSpPr>
+            <a:spLocks noGrp="1"/>
+          </p:cNvSpPr>
+          <p:nvPr>
+            <p:ph type="title"/>
+          </p:nvPr>
+        </p:nvSpPr>
+        <p:spPr/>
+        <p:txBody>
+          <a:bodyPr/>
+          <a:lstStyle/>
+          <a:p>
+            <a:r>
+              <a:rPr lang="en-US" dirty="0" err="1" smtClean="0"/>
+              <a:t>Mô</a:t>
+            </a:r>
+            <a:r>
+              <a:rPr lang="en-US" dirty="0" smtClean="0"/>
+              <a:t> </a:t>
+            </a:r>
+            <a:r>
+              <a:rPr lang="en-US" dirty="0" err="1" smtClean="0"/>
+              <a:t>hình</a:t>
+            </a:r>
+            <a:r>
+              <a:rPr lang="en-US" dirty="0" smtClean="0"/>
+              <a:t> </a:t>
+            </a:r>
+            <a:r>
+              <a:rPr lang="en-US" dirty="0" err="1" smtClean="0"/>
+              <a:t>tính</a:t>
+            </a:r>
+            <a:r>
+              <a:rPr lang="en-US" dirty="0" smtClean="0"/>
+              <a:t> </a:t>
+            </a:r>
+            <a:r>
+              <a:rPr lang="en-US" dirty="0" err="1" smtClean="0"/>
+              <a:t>toán</a:t>
+            </a:r>
+            <a:r>
+              <a:rPr lang="en-US" dirty="0" smtClean="0"/>
+              <a:t> (Map-Reduce)</a:t>
+            </a:r>
+            <a:endParaRPr lang="en-US" dirty="0"/>
+          </a:p>
+        </p:txBody>
+      </p:sp>
+      <p:sp>
+        <p:nvSpPr>
+          <p:cNvPr id="3" name="Content Placeholder 2"/>
+          <p:cNvSpPr>
+            <a:spLocks noGrp="1"/>
+          </p:cNvSpPr>
+          <p:nvPr>
+            <p:ph idx="1"/>
+          </p:nvPr>
+        </p:nvSpPr>
+        <p:spPr/>
+        <p:txBody>
+          <a:bodyPr/>
+          <a:lstStyle/>
+          <a:p>
+            <a:r>
+              <a:rPr lang="en-US" dirty="0" err="1" smtClean="0"/>
+              <a:t>Bài</a:t>
+            </a:r>
+            <a:r>
+              <a:rPr lang="en-US" dirty="0" smtClean="0"/>
+              <a:t> </a:t>
+            </a:r>
+            <a:r>
+              <a:rPr lang="en-US" dirty="0" err="1" smtClean="0"/>
+              <a:t>toán</a:t>
+            </a:r>
+            <a:r>
+              <a:rPr lang="en-US" dirty="0" smtClean="0"/>
+              <a:t> word-count </a:t>
+            </a:r>
+            <a:r>
+              <a:rPr lang="en-US" dirty="0" err="1" smtClean="0"/>
+              <a:t>là</a:t>
+            </a:r>
+            <a:r>
+              <a:rPr lang="en-US" dirty="0" smtClean="0"/>
+              <a:t> </a:t>
+            </a:r>
+            <a:r>
+              <a:rPr lang="en-US" dirty="0" err="1" smtClean="0"/>
+              <a:t>ví</a:t>
+            </a:r>
+            <a:r>
+              <a:rPr lang="en-US" dirty="0" smtClean="0"/>
+              <a:t> </a:t>
+            </a:r>
+            <a:r>
+              <a:rPr lang="en-US" dirty="0" err="1" smtClean="0"/>
+              <a:t>dụ</a:t>
+            </a:r>
+            <a:r>
+              <a:rPr lang="en-US" dirty="0" smtClean="0"/>
+              <a:t> minh </a:t>
+            </a:r>
+            <a:r>
+              <a:rPr lang="en-US" dirty="0" err="1" smtClean="0"/>
+              <a:t>họa</a:t>
+            </a:r>
+            <a:r>
+              <a:rPr lang="en-US" dirty="0" smtClean="0"/>
+              <a:t> </a:t>
+            </a:r>
+            <a:r>
+              <a:rPr lang="en-US" dirty="0" err="1" smtClean="0"/>
+              <a:t>dễ</a:t>
+            </a:r>
+            <a:r>
+              <a:rPr lang="en-US" dirty="0" smtClean="0"/>
+              <a:t> </a:t>
+            </a:r>
+            <a:r>
+              <a:rPr lang="en-US" dirty="0" err="1" smtClean="0"/>
+              <a:t>hiểu</a:t>
+            </a:r>
+            <a:r>
+              <a:rPr lang="en-US" dirty="0" smtClean="0"/>
+              <a:t> </a:t>
+            </a:r>
+            <a:r>
+              <a:rPr lang="en-US" dirty="0" err="1" smtClean="0"/>
+              <a:t>nhất</a:t>
+            </a:r>
+            <a:r>
+              <a:rPr lang="en-US" dirty="0" smtClean="0"/>
+              <a:t> </a:t>
+            </a:r>
+            <a:r>
+              <a:rPr lang="en-US" dirty="0" err="1" smtClean="0"/>
+              <a:t>cho</a:t>
+            </a:r>
+            <a:r>
+              <a:rPr lang="en-US" dirty="0" smtClean="0"/>
+              <a:t> Map-Reduce</a:t>
+            </a:r>
+          </a:p>
+          <a:p>
+            <a:r>
+              <a:rPr lang="en-US" dirty="0" smtClean="0"/>
+              <a:t>MR chia </a:t>
+            </a:r>
+            <a:r>
+              <a:rPr lang="en-US" dirty="0" err="1" smtClean="0"/>
+              <a:t>làm</a:t>
+            </a:r>
+            <a:r>
+              <a:rPr lang="en-US" dirty="0" smtClean="0"/>
+              <a:t> 3 </a:t>
+            </a:r>
+            <a:r>
+              <a:rPr lang="en-US" dirty="0" err="1" smtClean="0"/>
+              <a:t>thao</a:t>
+            </a:r>
+            <a:r>
+              <a:rPr lang="en-US" dirty="0" smtClean="0"/>
+              <a:t> </a:t>
+            </a:r>
+            <a:r>
+              <a:rPr lang="en-US" dirty="0" err="1" smtClean="0"/>
+              <a:t>tác</a:t>
+            </a:r>
+            <a:r>
+              <a:rPr lang="en-US" dirty="0" smtClean="0"/>
+              <a:t>: Map </a:t>
+            </a:r>
+            <a:r>
+              <a:rPr lang="en-US" dirty="0" err="1" smtClean="0"/>
+              <a:t>và</a:t>
+            </a:r>
+            <a:r>
+              <a:rPr lang="en-US" dirty="0" smtClean="0"/>
+              <a:t> Reduce</a:t>
+            </a:r>
+          </a:p>
+          <a:p>
+            <a:pPr>
+              <a:buFont typeface="Wingdings" panose="05000000000000000000" pitchFamily="2" charset="2"/>
+              <a:buChar char="ü"/>
+            </a:pPr>
+            <a:r>
+              <a:rPr lang="en-US" dirty="0" smtClean="0"/>
+              <a:t>Map: </a:t>
+            </a:r>
+            <a:r>
+              <a:rPr lang="en-US" dirty="0" err="1" smtClean="0"/>
+              <a:t>quét</a:t>
+            </a:r>
+            <a:r>
+              <a:rPr lang="en-US" dirty="0" smtClean="0"/>
+              <a:t> file </a:t>
+            </a:r>
+            <a:r>
+              <a:rPr lang="en-US" dirty="0" err="1" smtClean="0"/>
+              <a:t>đầu</a:t>
+            </a:r>
+            <a:r>
+              <a:rPr lang="en-US" dirty="0" smtClean="0"/>
+              <a:t> </a:t>
+            </a:r>
+            <a:r>
+              <a:rPr lang="en-US" dirty="0" err="1" smtClean="0"/>
+              <a:t>vào</a:t>
+            </a:r>
+            <a:r>
+              <a:rPr lang="en-US" dirty="0" smtClean="0"/>
+              <a:t> </a:t>
+            </a:r>
+            <a:r>
+              <a:rPr lang="en-US" dirty="0" err="1" smtClean="0"/>
+              <a:t>và</a:t>
+            </a:r>
+            <a:r>
+              <a:rPr lang="en-US" dirty="0" smtClean="0"/>
+              <a:t>  </a:t>
+            </a:r>
+            <a:r>
+              <a:rPr lang="en-US" dirty="0" err="1" smtClean="0"/>
+              <a:t>ghi</a:t>
+            </a:r>
+            <a:r>
+              <a:rPr lang="en-US" dirty="0" smtClean="0"/>
+              <a:t> </a:t>
+            </a:r>
+            <a:r>
+              <a:rPr lang="en-US" dirty="0" err="1" smtClean="0"/>
+              <a:t>lại</a:t>
+            </a:r>
+            <a:r>
+              <a:rPr lang="en-US" dirty="0" smtClean="0"/>
+              <a:t> </a:t>
+            </a:r>
+            <a:r>
+              <a:rPr lang="en-US" dirty="0" err="1" smtClean="0"/>
+              <a:t>từng</a:t>
+            </a:r>
+            <a:r>
+              <a:rPr lang="en-US" dirty="0" smtClean="0"/>
+              <a:t> </a:t>
+            </a:r>
+            <a:r>
+              <a:rPr lang="en-US" dirty="0" err="1" smtClean="0"/>
+              <a:t>bản</a:t>
+            </a:r>
+            <a:r>
+              <a:rPr lang="en-US" dirty="0" smtClean="0"/>
+              <a:t> </a:t>
+            </a:r>
+            <a:r>
+              <a:rPr lang="en-US" dirty="0" err="1" smtClean="0"/>
+              <a:t>ghi</a:t>
+            </a:r>
+            <a:endParaRPr lang="en-US" dirty="0" smtClean="0"/>
+          </a:p>
+          <a:p>
+            <a:pPr>
+              <a:buFont typeface="Wingdings" panose="05000000000000000000" pitchFamily="2" charset="2"/>
+              <a:buChar char="ü"/>
+            </a:pPr>
+            <a:r>
+              <a:rPr lang="en-US" dirty="0" smtClean="0"/>
+              <a:t>Group by Key: </a:t>
+            </a:r>
+            <a:r>
+              <a:rPr lang="en-US" dirty="0" err="1" smtClean="0"/>
+              <a:t>sắp</a:t>
+            </a:r>
+            <a:r>
+              <a:rPr lang="en-US" dirty="0" smtClean="0"/>
+              <a:t> </a:t>
+            </a:r>
+            <a:r>
+              <a:rPr lang="en-US" dirty="0" err="1" smtClean="0"/>
+              <a:t>xếp</a:t>
+            </a:r>
+            <a:r>
+              <a:rPr lang="en-US" dirty="0" smtClean="0"/>
+              <a:t> </a:t>
+            </a:r>
+            <a:r>
+              <a:rPr lang="en-US" dirty="0" err="1" smtClean="0"/>
+              <a:t>và</a:t>
+            </a:r>
+            <a:r>
+              <a:rPr lang="en-US" dirty="0" smtClean="0"/>
+              <a:t> </a:t>
+            </a:r>
+            <a:r>
+              <a:rPr lang="en-US" dirty="0" err="1" smtClean="0"/>
+              <a:t>trộn</a:t>
+            </a:r>
+            <a:r>
+              <a:rPr lang="en-US" dirty="0" smtClean="0"/>
+              <a:t> </a:t>
+            </a:r>
+            <a:r>
+              <a:rPr lang="en-US" dirty="0" err="1" smtClean="0"/>
+              <a:t>dữ</a:t>
+            </a:r>
+            <a:r>
+              <a:rPr lang="en-US" dirty="0" smtClean="0"/>
+              <a:t> </a:t>
+            </a:r>
+            <a:r>
+              <a:rPr lang="en-US" dirty="0" err="1" smtClean="0"/>
+              <a:t>liệu</a:t>
+            </a:r>
+            <a:r>
+              <a:rPr lang="en-US" dirty="0" smtClean="0"/>
+              <a:t> </a:t>
+            </a:r>
+            <a:r>
+              <a:rPr lang="en-US" dirty="0" err="1" smtClean="0"/>
+              <a:t>cho</a:t>
+            </a:r>
+            <a:r>
+              <a:rPr lang="en-US" dirty="0" smtClean="0"/>
+              <a:t> </a:t>
+            </a:r>
+            <a:r>
+              <a:rPr lang="en-US" dirty="0" err="1" smtClean="0"/>
+              <a:t>mỗi</a:t>
+            </a:r>
+            <a:r>
+              <a:rPr lang="en-US" dirty="0" smtClean="0"/>
+              <a:t> </a:t>
+            </a:r>
+            <a:r>
+              <a:rPr lang="en-US" dirty="0" err="1" smtClean="0"/>
+              <a:t>bản</a:t>
+            </a:r>
+            <a:r>
+              <a:rPr lang="en-US" dirty="0" smtClean="0"/>
+              <a:t> </a:t>
+            </a:r>
+            <a:r>
+              <a:rPr lang="en-US" dirty="0" err="1" smtClean="0"/>
+              <a:t>ghi</a:t>
+            </a:r>
+            <a:r>
+              <a:rPr lang="en-US" dirty="0" smtClean="0"/>
+              <a:t> </a:t>
+            </a:r>
+            <a:r>
+              <a:rPr lang="en-US" dirty="0" err="1" smtClean="0"/>
+              <a:t>sinh</a:t>
+            </a:r>
+            <a:r>
+              <a:rPr lang="en-US" dirty="0" smtClean="0"/>
+              <a:t> </a:t>
+            </a:r>
+            <a:r>
+              <a:rPr lang="en-US" dirty="0" err="1" smtClean="0"/>
+              <a:t>ra</a:t>
+            </a:r>
+            <a:r>
+              <a:rPr lang="en-US" dirty="0" smtClean="0"/>
+              <a:t> </a:t>
+            </a:r>
+            <a:r>
+              <a:rPr lang="en-US" dirty="0" err="1" smtClean="0"/>
+              <a:t>từ</a:t>
+            </a:r>
+            <a:r>
+              <a:rPr lang="en-US" dirty="0" smtClean="0"/>
+              <a:t> Map</a:t>
+            </a:r>
+          </a:p>
+          <a:p>
+            <a:pPr>
+              <a:buFont typeface="Wingdings" panose="05000000000000000000" pitchFamily="2" charset="2"/>
+              <a:buChar char="ü"/>
+            </a:pPr>
+            <a:r>
+              <a:rPr lang="en-US" dirty="0" smtClean="0"/>
+              <a:t>Reduce: </a:t>
+            </a:r>
+            <a:r>
+              <a:rPr lang="en-US" dirty="0" err="1" smtClean="0"/>
+              <a:t>tổng</a:t>
+            </a:r>
+            <a:r>
+              <a:rPr lang="en-US" dirty="0" smtClean="0"/>
+              <a:t> </a:t>
+            </a:r>
+            <a:r>
+              <a:rPr lang="en-US" dirty="0" err="1" smtClean="0"/>
+              <a:t>hợp</a:t>
+            </a:r>
+            <a:r>
+              <a:rPr lang="en-US" dirty="0" smtClean="0"/>
+              <a:t>, </a:t>
+            </a:r>
+            <a:r>
+              <a:rPr lang="en-US" dirty="0" err="1" smtClean="0"/>
+              <a:t>thay</a:t>
+            </a:r>
+            <a:r>
+              <a:rPr lang="en-US" dirty="0" smtClean="0"/>
+              <a:t> </a:t>
+            </a:r>
+            <a:r>
+              <a:rPr lang="en-US" dirty="0" err="1" smtClean="0"/>
+              <a:t>đổi</a:t>
+            </a:r>
+            <a:r>
+              <a:rPr lang="en-US" dirty="0" smtClean="0"/>
+              <a:t> hay </a:t>
+            </a:r>
+            <a:r>
+              <a:rPr lang="en-US" dirty="0" err="1" smtClean="0"/>
+              <a:t>lọc</a:t>
+            </a:r>
+            <a:r>
+              <a:rPr lang="en-US" dirty="0" smtClean="0"/>
+              <a:t> </a:t>
+            </a:r>
+            <a:r>
+              <a:rPr lang="en-US" dirty="0" err="1" smtClean="0"/>
+              <a:t>dữ</a:t>
+            </a:r>
+            <a:r>
+              <a:rPr lang="en-US" dirty="0" smtClean="0"/>
+              <a:t> </a:t>
+            </a:r>
+            <a:r>
+              <a:rPr lang="en-US" dirty="0" err="1" smtClean="0"/>
+              <a:t>liệu</a:t>
+            </a:r>
+            <a:r>
+              <a:rPr lang="en-US" dirty="0" smtClean="0"/>
+              <a:t> </a:t>
+            </a:r>
+            <a:r>
+              <a:rPr lang="en-US" dirty="0" err="1" smtClean="0"/>
+              <a:t>từ</a:t>
+            </a:r>
+            <a:r>
+              <a:rPr lang="en-US" dirty="0" smtClean="0"/>
+              <a:t> </a:t>
+            </a:r>
+            <a:r>
+              <a:rPr lang="en-US" dirty="0" err="1" smtClean="0"/>
+              <a:t>thao</a:t>
+            </a:r>
+            <a:r>
+              <a:rPr lang="en-US" dirty="0" smtClean="0"/>
+              <a:t> </a:t>
+            </a:r>
+            <a:r>
+              <a:rPr lang="en-US" dirty="0" err="1" smtClean="0"/>
+              <a:t>tác</a:t>
+            </a:r>
+            <a:r>
+              <a:rPr lang="en-US" dirty="0" smtClean="0"/>
+              <a:t> </a:t>
+            </a:r>
+            <a:r>
+              <a:rPr lang="en-US" dirty="0" err="1" smtClean="0"/>
+              <a:t>trước</a:t>
+            </a:r>
+            <a:r>
+              <a:rPr lang="en-US" dirty="0" smtClean="0"/>
+              <a:t> </a:t>
+            </a:r>
+            <a:r>
+              <a:rPr lang="en-US" dirty="0" err="1" smtClean="0"/>
+              <a:t>và</a:t>
+            </a:r>
+            <a:r>
+              <a:rPr lang="en-US" dirty="0" smtClean="0"/>
+              <a:t> </a:t>
+            </a:r>
+            <a:r>
+              <a:rPr lang="en-US" dirty="0" err="1" smtClean="0"/>
+              <a:t>ghi</a:t>
+            </a:r>
+            <a:r>
+              <a:rPr lang="en-US" dirty="0" smtClean="0"/>
+              <a:t> </a:t>
+            </a:r>
+            <a:r>
+              <a:rPr lang="en-US" dirty="0" err="1" smtClean="0"/>
+              <a:t>kết</a:t>
+            </a:r>
+            <a:r>
+              <a:rPr lang="en-US" dirty="0" smtClean="0"/>
+              <a:t> </a:t>
+            </a:r>
+            <a:r>
+              <a:rPr lang="en-US" dirty="0" err="1" smtClean="0"/>
+              <a:t>quả</a:t>
+            </a:r>
+            <a:r>
+              <a:rPr lang="en-US" dirty="0" smtClean="0"/>
+              <a:t>.</a:t>
+            </a:r>
+          </a:p>
+        </p:txBody>
+      </p:sp>
+    </p:spTree>
+    <p:extLst>
+      <p:ext uri="{BB962C8B-B14F-4D97-AF65-F5344CB8AC3E}">
+        <p14:creationId xmlns:p14="http://schemas.microsoft.com/office/powerpoint/2010/main" val="2659149172"/>
+      </p:ext>
+    </p:extLst>
+  </p:cSld>
+  <p:clrMapOvr>
+    <a:masterClrMapping/>
+  </p:clrMapOvr>
+  <p:timing>
+    <p:tnLst>
+      <p:par>
+        <p:cTn id="1" dur="indefinite" restart="never" nodeType="tmRoot"/>
+      </p:par>
+    </p:tnLst>
+  </p:timing>
+</p:sld>
+</file>
+
+<file path=ppt/slides/slide22.xml><?xml version="1.0" encoding="utf-8"?>
 <p:sld xmlns:a="http://schemas.openxmlformats.org/drawingml/2006/main" xmlns:r="http://schemas.openxmlformats.org/officeDocument/2006/relationships" xmlns:p="http://schemas.openxmlformats.org/presentationml/2006/main">
   <p:cSld>
     <p:spTree>
@@ -6105,10 +6458,17 @@
   <p:clrMapOvr>
     <a:masterClrMapping/>
   </p:clrMapOvr>
+  <p:timing>
+    <p:tnLst>
+      <p:par>
+        <p:cTn id="1" dur="indefinite" restart="never" nodeType="tmRoot"/>
+      </p:par>
+    </p:tnLst>
+  </p:timing>
 </p:sld>
 </file>
 
-<file path=ppt/slides/slide21.xml><?xml version="1.0" encoding="utf-8"?>
+<file path=ppt/slides/slide23.xml><?xml version="1.0" encoding="utf-8"?>
 <p:sld xmlns:a="http://schemas.openxmlformats.org/drawingml/2006/main" xmlns:r="http://schemas.openxmlformats.org/officeDocument/2006/relationships" xmlns:p="http://schemas.openxmlformats.org/presentationml/2006/main">
   <p:cSld>
     <p:spTree>
@@ -6210,6 +6570,13 @@
   <p:clrMapOvr>
     <a:masterClrMapping/>
   </p:clrMapOvr>
+  <p:timing>
+    <p:tnLst>
+      <p:par>
+        <p:cTn id="1" dur="indefinite" restart="never" nodeType="tmRoot"/>
+      </p:par>
+    </p:tnLst>
+  </p:timing>
 </p:sld>
 </file>
 
@@ -6268,7 +6635,7 @@
           <a:bodyPr/>
           <a:lstStyle/>
           <a:p>
-            <a:endParaRPr lang="en-US"/>
+            <a:endParaRPr lang="en-US" dirty="0"/>
           </a:p>
         </p:txBody>
       </p:sp>
@@ -6282,6 +6649,13 @@
   <p:clrMapOvr>
     <a:masterClrMapping/>
   </p:clrMapOvr>
+  <p:timing>
+    <p:tnLst>
+      <p:par>
+        <p:cTn id="1" dur="indefinite" restart="never" nodeType="tmRoot"/>
+      </p:par>
+    </p:tnLst>
+  </p:timing>
 </p:sld>
 </file>
 
@@ -6365,10 +6739,904 @@
         </p:nvSpPr>
         <p:spPr/>
         <p:txBody>
-          <a:bodyPr/>
+          <a:bodyPr>
+            <a:normAutofit lnSpcReduction="10000"/>
+          </a:bodyPr>
           <a:lstStyle/>
           <a:p>
-            <a:endParaRPr lang="en-US"/>
+            <a:pPr marL="0" indent="0">
+              <a:buNone/>
+            </a:pPr>
+            <a:r>
+              <a:rPr lang="en-US" dirty="0" err="1"/>
+              <a:t>Có</a:t>
+            </a:r>
+            <a:r>
+              <a:rPr lang="en-US" dirty="0"/>
+              <a:t> </a:t>
+            </a:r>
+            <a:r>
+              <a:rPr lang="en-US" dirty="0" err="1"/>
+              <a:t>một</a:t>
+            </a:r>
+            <a:r>
+              <a:rPr lang="en-US" dirty="0"/>
+              <a:t> </a:t>
+            </a:r>
+            <a:r>
+              <a:rPr lang="en-US" dirty="0" err="1"/>
+              <a:t>số</a:t>
+            </a:r>
+            <a:r>
+              <a:rPr lang="en-US" dirty="0"/>
+              <a:t> </a:t>
+            </a:r>
+            <a:r>
+              <a:rPr lang="en-US" dirty="0" err="1"/>
+              <a:t>động</a:t>
+            </a:r>
+            <a:r>
+              <a:rPr lang="en-US" dirty="0"/>
+              <a:t> </a:t>
+            </a:r>
+            <a:r>
+              <a:rPr lang="en-US" dirty="0" err="1"/>
+              <a:t>lực</a:t>
+            </a:r>
+            <a:r>
+              <a:rPr lang="en-US" dirty="0"/>
+              <a:t> </a:t>
+            </a:r>
+            <a:r>
+              <a:rPr lang="en-US" dirty="0" err="1"/>
+              <a:t>đằng</a:t>
+            </a:r>
+            <a:r>
+              <a:rPr lang="en-US" dirty="0"/>
+              <a:t> </a:t>
+            </a:r>
+            <a:r>
+              <a:rPr lang="en-US" dirty="0" err="1"/>
+              <a:t>sau</a:t>
+            </a:r>
+            <a:r>
+              <a:rPr lang="en-US" dirty="0"/>
+              <a:t> </a:t>
+            </a:r>
+            <a:r>
+              <a:rPr lang="en-US" dirty="0" err="1"/>
+              <a:t>việc</a:t>
+            </a:r>
+            <a:r>
+              <a:rPr lang="en-US" dirty="0"/>
+              <a:t> </a:t>
+            </a:r>
+            <a:r>
+              <a:rPr lang="en-US" dirty="0" err="1"/>
+              <a:t>áp</a:t>
+            </a:r>
+            <a:r>
+              <a:rPr lang="en-US" dirty="0"/>
+              <a:t> </a:t>
+            </a:r>
+            <a:r>
+              <a:rPr lang="en-US" dirty="0" err="1"/>
+              <a:t>dụng</a:t>
+            </a:r>
+            <a:r>
+              <a:rPr lang="en-US" dirty="0"/>
+              <a:t> </a:t>
+            </a:r>
+            <a:r>
+              <a:rPr lang="en-US" dirty="0" err="1"/>
+              <a:t>cơ</a:t>
+            </a:r>
+            <a:r>
+              <a:rPr lang="en-US" dirty="0"/>
+              <a:t> </a:t>
+            </a:r>
+            <a:r>
+              <a:rPr lang="en-US" dirty="0" err="1"/>
+              <a:t>sở</a:t>
+            </a:r>
+            <a:r>
+              <a:rPr lang="en-US" dirty="0"/>
+              <a:t> </a:t>
+            </a:r>
+            <a:r>
+              <a:rPr lang="en-US" dirty="0" err="1"/>
+              <a:t>dữ</a:t>
+            </a:r>
+            <a:r>
+              <a:rPr lang="en-US" dirty="0"/>
+              <a:t> </a:t>
+            </a:r>
+            <a:r>
+              <a:rPr lang="en-US" dirty="0" err="1"/>
+              <a:t>liệu</a:t>
+            </a:r>
+            <a:r>
+              <a:rPr lang="en-US" dirty="0"/>
+              <a:t> </a:t>
+            </a:r>
+            <a:r>
+              <a:rPr lang="en-US" dirty="0" err="1"/>
+              <a:t>NoQuery</a:t>
+            </a:r>
+            <a:r>
+              <a:rPr lang="en-US" dirty="0"/>
+              <a:t>, </a:t>
+            </a:r>
+            <a:r>
+              <a:rPr lang="en-US" dirty="0" err="1"/>
+              <a:t>bao</a:t>
+            </a:r>
+            <a:r>
+              <a:rPr lang="en-US" dirty="0"/>
+              <a:t> </a:t>
+            </a:r>
+            <a:r>
+              <a:rPr lang="en-US" dirty="0" err="1"/>
+              <a:t>gồm</a:t>
+            </a:r>
+            <a:r>
+              <a:rPr lang="en-US" dirty="0"/>
+              <a:t>:</a:t>
+            </a:r>
+          </a:p>
+          <a:p>
+            <a:r>
+              <a:rPr lang="en-US" dirty="0" smtClean="0"/>
+              <a:t> </a:t>
+            </a:r>
+            <a:r>
+              <a:rPr lang="en-US" dirty="0" err="1"/>
+              <a:t>Nhu</a:t>
+            </a:r>
+            <a:r>
+              <a:rPr lang="en-US" dirty="0"/>
+              <a:t> </a:t>
+            </a:r>
+            <a:r>
+              <a:rPr lang="en-US" dirty="0" err="1"/>
+              <a:t>cầu</a:t>
+            </a:r>
+            <a:r>
+              <a:rPr lang="en-US" dirty="0"/>
+              <a:t> </a:t>
+            </a:r>
+            <a:r>
+              <a:rPr lang="en-US" dirty="0" err="1"/>
+              <a:t>về</a:t>
+            </a:r>
+            <a:r>
+              <a:rPr lang="en-US" dirty="0"/>
+              <a:t> </a:t>
+            </a:r>
+            <a:r>
+              <a:rPr lang="en-US" dirty="0" err="1"/>
+              <a:t>khả</a:t>
+            </a:r>
+            <a:r>
+              <a:rPr lang="en-US" dirty="0"/>
+              <a:t> </a:t>
+            </a:r>
+            <a:r>
+              <a:rPr lang="en-US" dirty="0" err="1"/>
+              <a:t>năng</a:t>
+            </a:r>
+            <a:r>
+              <a:rPr lang="en-US" dirty="0"/>
+              <a:t> </a:t>
+            </a:r>
+            <a:r>
+              <a:rPr lang="en-US" dirty="0" err="1"/>
+              <a:t>mở</a:t>
+            </a:r>
+            <a:r>
+              <a:rPr lang="en-US" dirty="0"/>
+              <a:t> </a:t>
+            </a:r>
+            <a:r>
+              <a:rPr lang="en-US" dirty="0" err="1"/>
+              <a:t>rộng</a:t>
+            </a:r>
+            <a:r>
+              <a:rPr lang="en-US" dirty="0"/>
+              <a:t> </a:t>
+            </a:r>
+            <a:r>
+              <a:rPr lang="en-US" dirty="0" err="1" smtClean="0"/>
+              <a:t>có</a:t>
+            </a:r>
+            <a:r>
+              <a:rPr lang="en-US" dirty="0" smtClean="0"/>
+              <a:t> </a:t>
+            </a:r>
+            <a:r>
+              <a:rPr lang="en-US" dirty="0" err="1"/>
+              <a:t>thể</a:t>
+            </a:r>
+            <a:r>
+              <a:rPr lang="en-US" dirty="0"/>
+              <a:t> </a:t>
+            </a:r>
+            <a:r>
+              <a:rPr lang="en-US" dirty="0" err="1"/>
+              <a:t>dễ</a:t>
+            </a:r>
+            <a:r>
+              <a:rPr lang="en-US" dirty="0"/>
+              <a:t> </a:t>
+            </a:r>
+            <a:r>
+              <a:rPr lang="en-US" dirty="0" err="1"/>
+              <a:t>dàng</a:t>
+            </a:r>
+            <a:r>
+              <a:rPr lang="en-US" dirty="0"/>
+              <a:t> </a:t>
+            </a:r>
+            <a:r>
+              <a:rPr lang="en-US" dirty="0" err="1"/>
+              <a:t>đạt</a:t>
+            </a:r>
+            <a:r>
+              <a:rPr lang="en-US" dirty="0"/>
+              <a:t> </a:t>
+            </a:r>
+            <a:r>
+              <a:rPr lang="en-US" dirty="0" err="1"/>
+              <a:t>được</a:t>
+            </a:r>
+            <a:r>
+              <a:rPr lang="en-US" dirty="0"/>
+              <a:t>, </a:t>
+            </a:r>
+            <a:r>
+              <a:rPr lang="en-US" dirty="0" err="1"/>
+              <a:t>bao</a:t>
+            </a:r>
+            <a:r>
+              <a:rPr lang="en-US" dirty="0"/>
+              <a:t> </a:t>
+            </a:r>
+            <a:r>
+              <a:rPr lang="en-US" dirty="0" err="1"/>
+              <a:t>gồm</a:t>
+            </a:r>
+            <a:r>
+              <a:rPr lang="en-US" dirty="0"/>
+              <a:t> </a:t>
+            </a:r>
+            <a:r>
+              <a:rPr lang="en-US" dirty="0" err="1"/>
+              <a:t>các</a:t>
+            </a:r>
+            <a:r>
+              <a:rPr lang="en-US" dirty="0"/>
+              <a:t> </a:t>
+            </a:r>
+            <a:r>
+              <a:rPr lang="en-US" dirty="0" err="1"/>
+              <a:t>bộ</a:t>
+            </a:r>
+            <a:r>
+              <a:rPr lang="en-US" dirty="0"/>
+              <a:t> </a:t>
+            </a:r>
+            <a:r>
+              <a:rPr lang="en-US" dirty="0" err="1"/>
+              <a:t>dữ</a:t>
+            </a:r>
+            <a:r>
+              <a:rPr lang="en-US" dirty="0"/>
+              <a:t> </a:t>
+            </a:r>
+            <a:r>
+              <a:rPr lang="en-US" dirty="0" err="1"/>
+              <a:t>liệu</a:t>
+            </a:r>
+            <a:r>
+              <a:rPr lang="en-US" dirty="0"/>
+              <a:t> </a:t>
+            </a:r>
+            <a:r>
+              <a:rPr lang="en-US" dirty="0" err="1"/>
+              <a:t>rất</a:t>
+            </a:r>
+            <a:r>
+              <a:rPr lang="en-US" dirty="0"/>
+              <a:t> </a:t>
+            </a:r>
+            <a:r>
+              <a:rPr lang="en-US" dirty="0" err="1"/>
+              <a:t>lớn</a:t>
+            </a:r>
+            <a:r>
+              <a:rPr lang="en-US" dirty="0"/>
+              <a:t> </a:t>
+            </a:r>
+            <a:r>
+              <a:rPr lang="en-US" dirty="0" err="1"/>
+              <a:t>hoặc</a:t>
+            </a:r>
+            <a:r>
+              <a:rPr lang="en-US" dirty="0"/>
+              <a:t> </a:t>
+            </a:r>
+            <a:r>
+              <a:rPr lang="en-US" dirty="0" err="1"/>
+              <a:t>thông</a:t>
+            </a:r>
+            <a:r>
+              <a:rPr lang="en-US" dirty="0"/>
+              <a:t> </a:t>
+            </a:r>
+            <a:r>
+              <a:rPr lang="en-US" dirty="0" err="1"/>
+              <a:t>lượng</a:t>
+            </a:r>
+            <a:r>
+              <a:rPr lang="en-US" dirty="0"/>
+              <a:t> </a:t>
+            </a:r>
+            <a:r>
+              <a:rPr lang="en-US" dirty="0" err="1"/>
+              <a:t>ghi</a:t>
+            </a:r>
+            <a:r>
+              <a:rPr lang="en-US" dirty="0"/>
+              <a:t> </a:t>
+            </a:r>
+            <a:r>
+              <a:rPr lang="en-US" dirty="0" err="1"/>
+              <a:t>rất</a:t>
+            </a:r>
+            <a:r>
+              <a:rPr lang="en-US" dirty="0"/>
+              <a:t> </a:t>
+            </a:r>
+            <a:r>
+              <a:rPr lang="en-US" dirty="0" err="1" smtClean="0"/>
+              <a:t>cao</a:t>
+            </a:r>
+            <a:r>
+              <a:rPr lang="en-US" dirty="0" smtClean="0"/>
+              <a:t>.</a:t>
+            </a:r>
+            <a:endParaRPr lang="en-US" dirty="0"/>
+          </a:p>
+          <a:p>
+            <a:r>
+              <a:rPr lang="en-US" dirty="0" err="1" smtClean="0"/>
+              <a:t>Ưu</a:t>
+            </a:r>
+            <a:r>
+              <a:rPr lang="en-US" dirty="0" smtClean="0"/>
+              <a:t> </a:t>
+            </a:r>
+            <a:r>
+              <a:rPr lang="en-US" dirty="0" err="1"/>
+              <a:t>tiên</a:t>
+            </a:r>
+            <a:r>
+              <a:rPr lang="en-US" dirty="0"/>
+              <a:t> </a:t>
+            </a:r>
+            <a:r>
+              <a:rPr lang="en-US" dirty="0" err="1"/>
+              <a:t>rộng</a:t>
+            </a:r>
+            <a:r>
+              <a:rPr lang="en-US" dirty="0"/>
+              <a:t> </a:t>
+            </a:r>
+            <a:r>
+              <a:rPr lang="en-US" dirty="0" err="1"/>
+              <a:t>rãi</a:t>
+            </a:r>
+            <a:r>
+              <a:rPr lang="en-US" dirty="0"/>
+              <a:t> </a:t>
+            </a:r>
+            <a:r>
+              <a:rPr lang="en-US" dirty="0" err="1"/>
+              <a:t>cho</a:t>
+            </a:r>
+            <a:r>
+              <a:rPr lang="en-US" dirty="0"/>
+              <a:t> </a:t>
+            </a:r>
+            <a:r>
+              <a:rPr lang="en-US" dirty="0" err="1"/>
+              <a:t>phần</a:t>
+            </a:r>
+            <a:r>
+              <a:rPr lang="en-US" dirty="0"/>
+              <a:t> </a:t>
+            </a:r>
+            <a:r>
+              <a:rPr lang="en-US" dirty="0" err="1"/>
+              <a:t>mềm</a:t>
+            </a:r>
+            <a:r>
+              <a:rPr lang="en-US" dirty="0"/>
+              <a:t> </a:t>
+            </a:r>
+            <a:r>
+              <a:rPr lang="en-US" dirty="0" err="1"/>
+              <a:t>miễn</a:t>
+            </a:r>
+            <a:r>
+              <a:rPr lang="en-US" dirty="0"/>
+              <a:t> </a:t>
+            </a:r>
+            <a:r>
+              <a:rPr lang="en-US" dirty="0" err="1"/>
+              <a:t>phí</a:t>
+            </a:r>
+            <a:r>
+              <a:rPr lang="en-US" dirty="0"/>
+              <a:t> </a:t>
+            </a:r>
+            <a:r>
+              <a:rPr lang="en-US" dirty="0" err="1"/>
+              <a:t>và</a:t>
+            </a:r>
+            <a:r>
+              <a:rPr lang="en-US" dirty="0"/>
+              <a:t> </a:t>
+            </a:r>
+            <a:r>
+              <a:rPr lang="en-US" dirty="0" err="1"/>
+              <a:t>nguồn</a:t>
+            </a:r>
+            <a:r>
+              <a:rPr lang="en-US" dirty="0"/>
+              <a:t> </a:t>
+            </a:r>
+            <a:r>
+              <a:rPr lang="en-US" dirty="0" err="1"/>
+              <a:t>mở</a:t>
+            </a:r>
+            <a:r>
+              <a:rPr lang="en-US" dirty="0"/>
+              <a:t> </a:t>
+            </a:r>
+            <a:r>
+              <a:rPr lang="en-US" dirty="0" err="1"/>
+              <a:t>đối</a:t>
+            </a:r>
+            <a:r>
+              <a:rPr lang="en-US" dirty="0"/>
+              <a:t> </a:t>
+            </a:r>
+            <a:r>
+              <a:rPr lang="en-US" dirty="0" err="1"/>
+              <a:t>với</a:t>
+            </a:r>
+            <a:r>
+              <a:rPr lang="en-US" dirty="0"/>
+              <a:t> </a:t>
+            </a:r>
+            <a:r>
+              <a:rPr lang="en-US" dirty="0" err="1"/>
+              <a:t>các</a:t>
+            </a:r>
+            <a:r>
+              <a:rPr lang="en-US" dirty="0"/>
+              <a:t> </a:t>
+            </a:r>
+            <a:r>
+              <a:rPr lang="en-US" dirty="0" err="1"/>
+              <a:t>sản</a:t>
+            </a:r>
+            <a:r>
+              <a:rPr lang="en-US" dirty="0"/>
+              <a:t> </a:t>
+            </a:r>
+            <a:r>
+              <a:rPr lang="en-US" dirty="0" err="1"/>
+              <a:t>phẩm</a:t>
+            </a:r>
+            <a:r>
+              <a:rPr lang="en-US" dirty="0"/>
+              <a:t> </a:t>
+            </a:r>
+            <a:r>
+              <a:rPr lang="en-US" dirty="0" err="1"/>
+              <a:t>cơ</a:t>
+            </a:r>
+            <a:r>
+              <a:rPr lang="en-US" dirty="0"/>
+              <a:t> </a:t>
+            </a:r>
+            <a:r>
+              <a:rPr lang="en-US" dirty="0" err="1"/>
+              <a:t>sở</a:t>
+            </a:r>
+            <a:r>
+              <a:rPr lang="en-US" dirty="0"/>
+              <a:t> </a:t>
+            </a:r>
+            <a:r>
+              <a:rPr lang="en-US" dirty="0" err="1"/>
+              <a:t>dữ</a:t>
+            </a:r>
+            <a:r>
+              <a:rPr lang="en-US" dirty="0"/>
+              <a:t> </a:t>
+            </a:r>
+            <a:r>
+              <a:rPr lang="en-US" dirty="0" err="1"/>
+              <a:t>liệu</a:t>
+            </a:r>
+            <a:r>
+              <a:rPr lang="en-US" dirty="0"/>
+              <a:t> </a:t>
+            </a:r>
+            <a:r>
+              <a:rPr lang="en-US" dirty="0" err="1"/>
+              <a:t>thương</a:t>
+            </a:r>
+            <a:r>
+              <a:rPr lang="en-US" dirty="0"/>
+              <a:t> </a:t>
+            </a:r>
+            <a:r>
+              <a:rPr lang="en-US" dirty="0" err="1" smtClean="0"/>
+              <a:t>mại</a:t>
+            </a:r>
+            <a:r>
+              <a:rPr lang="en-US" dirty="0" smtClean="0"/>
+              <a:t>.</a:t>
+            </a:r>
+            <a:endParaRPr lang="en-US" dirty="0"/>
+          </a:p>
+          <a:p>
+            <a:r>
+              <a:rPr lang="en-US" dirty="0" err="1" smtClean="0"/>
+              <a:t>Các</a:t>
+            </a:r>
+            <a:r>
+              <a:rPr lang="en-US" dirty="0" smtClean="0"/>
+              <a:t> </a:t>
+            </a:r>
+            <a:r>
+              <a:rPr lang="en-US" dirty="0" err="1"/>
+              <a:t>hoạt</a:t>
+            </a:r>
+            <a:r>
+              <a:rPr lang="en-US" dirty="0"/>
+              <a:t> </a:t>
+            </a:r>
+            <a:r>
+              <a:rPr lang="en-US" dirty="0" err="1"/>
+              <a:t>động</a:t>
+            </a:r>
+            <a:r>
+              <a:rPr lang="en-US" dirty="0"/>
+              <a:t> </a:t>
+            </a:r>
+            <a:r>
+              <a:rPr lang="en-US" dirty="0" err="1"/>
+              <a:t>truy</a:t>
+            </a:r>
+            <a:r>
+              <a:rPr lang="en-US" dirty="0"/>
+              <a:t> </a:t>
+            </a:r>
+            <a:r>
+              <a:rPr lang="en-US" dirty="0" err="1"/>
+              <a:t>vấn</a:t>
+            </a:r>
+            <a:r>
+              <a:rPr lang="en-US" dirty="0"/>
+              <a:t> </a:t>
+            </a:r>
+            <a:r>
+              <a:rPr lang="en-US" dirty="0" err="1"/>
+              <a:t>chuyên</a:t>
+            </a:r>
+            <a:r>
+              <a:rPr lang="en-US" dirty="0"/>
+              <a:t> </a:t>
+            </a:r>
+            <a:r>
+              <a:rPr lang="en-US" dirty="0" err="1"/>
+              <a:t>biệt</a:t>
+            </a:r>
+            <a:r>
+              <a:rPr lang="en-US" dirty="0"/>
+              <a:t> </a:t>
+            </a:r>
+            <a:r>
+              <a:rPr lang="en-US" dirty="0" err="1"/>
+              <a:t>không</a:t>
+            </a:r>
+            <a:r>
+              <a:rPr lang="en-US" dirty="0"/>
+              <a:t> </a:t>
+            </a:r>
+            <a:r>
+              <a:rPr lang="en-US" dirty="0" err="1"/>
+              <a:t>được</a:t>
+            </a:r>
+            <a:r>
+              <a:rPr lang="en-US" dirty="0"/>
+              <a:t> </a:t>
+            </a:r>
+            <a:r>
+              <a:rPr lang="en-US" dirty="0" err="1"/>
+              <a:t>mô</a:t>
+            </a:r>
+            <a:r>
+              <a:rPr lang="en-US" dirty="0"/>
+              <a:t> </a:t>
+            </a:r>
+            <a:r>
+              <a:rPr lang="en-US" dirty="0" err="1"/>
+              <a:t>hình</a:t>
+            </a:r>
+            <a:r>
+              <a:rPr lang="en-US" dirty="0"/>
+              <a:t> </a:t>
+            </a:r>
+            <a:r>
+              <a:rPr lang="en-US" dirty="0" err="1"/>
+              <a:t>quan</a:t>
+            </a:r>
+            <a:r>
+              <a:rPr lang="en-US" dirty="0"/>
+              <a:t> </a:t>
+            </a:r>
+            <a:r>
+              <a:rPr lang="en-US" dirty="0" err="1"/>
+              <a:t>hệ</a:t>
+            </a:r>
+            <a:r>
+              <a:rPr lang="en-US" dirty="0"/>
+              <a:t> </a:t>
+            </a:r>
+            <a:r>
+              <a:rPr lang="en-US" dirty="0" err="1"/>
+              <a:t>hỗ</a:t>
+            </a:r>
+            <a:r>
+              <a:rPr lang="en-US" dirty="0"/>
+              <a:t> </a:t>
+            </a:r>
+            <a:r>
+              <a:rPr lang="en-US" dirty="0" err="1"/>
+              <a:t>trợ</a:t>
+            </a:r>
+            <a:r>
+              <a:rPr lang="en-US" dirty="0"/>
+              <a:t> </a:t>
+            </a:r>
+            <a:r>
+              <a:rPr lang="en-US" dirty="0" err="1" smtClean="0"/>
+              <a:t>tốt</a:t>
+            </a:r>
+            <a:r>
+              <a:rPr lang="en-US" dirty="0" smtClean="0"/>
+              <a:t>.</a:t>
+            </a:r>
+            <a:endParaRPr lang="en-US" dirty="0"/>
+          </a:p>
+          <a:p>
+            <a:r>
+              <a:rPr lang="en-US" dirty="0" err="1" smtClean="0"/>
+              <a:t>Thất</a:t>
+            </a:r>
+            <a:r>
+              <a:rPr lang="en-US" dirty="0" smtClean="0"/>
+              <a:t> </a:t>
+            </a:r>
+            <a:r>
+              <a:rPr lang="en-US" dirty="0" err="1"/>
+              <a:t>vọng</a:t>
+            </a:r>
+            <a:r>
+              <a:rPr lang="en-US" dirty="0"/>
+              <a:t> </a:t>
+            </a:r>
+            <a:r>
+              <a:rPr lang="en-US" dirty="0" err="1"/>
+              <a:t>với</a:t>
+            </a:r>
+            <a:r>
+              <a:rPr lang="en-US" dirty="0"/>
+              <a:t> </a:t>
+            </a:r>
+            <a:r>
+              <a:rPr lang="en-US" dirty="0" err="1"/>
+              <a:t>sự</a:t>
+            </a:r>
+            <a:r>
+              <a:rPr lang="en-US" dirty="0"/>
+              <a:t> </a:t>
+            </a:r>
+            <a:r>
+              <a:rPr lang="en-US" dirty="0" err="1"/>
+              <a:t>hạn</a:t>
+            </a:r>
+            <a:r>
+              <a:rPr lang="en-US" dirty="0"/>
+              <a:t> </a:t>
+            </a:r>
+            <a:r>
+              <a:rPr lang="en-US" dirty="0" err="1"/>
+              <a:t>chế</a:t>
+            </a:r>
+            <a:r>
+              <a:rPr lang="en-US" dirty="0"/>
+              <a:t> </a:t>
+            </a:r>
+            <a:r>
+              <a:rPr lang="en-US" dirty="0" err="1"/>
+              <a:t>của</a:t>
+            </a:r>
+            <a:r>
+              <a:rPr lang="en-US" dirty="0"/>
+              <a:t> </a:t>
+            </a:r>
+            <a:r>
+              <a:rPr lang="en-US" dirty="0" err="1"/>
+              <a:t>các</a:t>
+            </a:r>
+            <a:r>
+              <a:rPr lang="en-US" dirty="0"/>
+              <a:t> </a:t>
+            </a:r>
+            <a:r>
+              <a:rPr lang="en-US" dirty="0" err="1"/>
+              <a:t>lược</a:t>
+            </a:r>
+            <a:r>
+              <a:rPr lang="en-US" dirty="0"/>
+              <a:t> </a:t>
+            </a:r>
+            <a:r>
+              <a:rPr lang="en-US" dirty="0" err="1"/>
+              <a:t>đồ</a:t>
+            </a:r>
+            <a:r>
+              <a:rPr lang="en-US" dirty="0"/>
+              <a:t> </a:t>
+            </a:r>
+            <a:r>
+              <a:rPr lang="en-US" dirty="0" err="1"/>
+              <a:t>quan</a:t>
+            </a:r>
+            <a:r>
+              <a:rPr lang="en-US" dirty="0"/>
+              <a:t> </a:t>
+            </a:r>
+            <a:r>
+              <a:rPr lang="en-US" dirty="0" err="1"/>
+              <a:t>hệ</a:t>
+            </a:r>
+            <a:r>
+              <a:rPr lang="en-US" dirty="0"/>
+              <a:t> </a:t>
+            </a:r>
+            <a:r>
+              <a:rPr lang="en-US" dirty="0" err="1"/>
+              <a:t>và</a:t>
+            </a:r>
+            <a:r>
+              <a:rPr lang="en-US" dirty="0"/>
+              <a:t> </a:t>
+            </a:r>
+            <a:r>
+              <a:rPr lang="en-US" dirty="0" err="1"/>
+              <a:t>mong</a:t>
+            </a:r>
+            <a:r>
+              <a:rPr lang="en-US" dirty="0"/>
+              <a:t> </a:t>
+            </a:r>
+            <a:r>
+              <a:rPr lang="en-US" dirty="0" err="1"/>
+              <a:t>muốn</a:t>
+            </a:r>
+            <a:r>
+              <a:rPr lang="en-US" dirty="0"/>
+              <a:t> </a:t>
+            </a:r>
+            <a:r>
+              <a:rPr lang="en-US" dirty="0" err="1"/>
+              <a:t>một</a:t>
+            </a:r>
+            <a:r>
+              <a:rPr lang="en-US" dirty="0"/>
+              <a:t> </a:t>
+            </a:r>
+            <a:r>
+              <a:rPr lang="en-US" dirty="0" err="1"/>
+              <a:t>mô</a:t>
+            </a:r>
+            <a:r>
+              <a:rPr lang="en-US" dirty="0"/>
+              <a:t> </a:t>
+            </a:r>
+            <a:r>
+              <a:rPr lang="en-US" dirty="0" err="1"/>
+              <a:t>hình</a:t>
+            </a:r>
+            <a:r>
+              <a:rPr lang="en-US" dirty="0"/>
+              <a:t> </a:t>
+            </a:r>
+            <a:r>
+              <a:rPr lang="en-US" dirty="0" err="1"/>
+              <a:t>dữ</a:t>
+            </a:r>
+            <a:r>
+              <a:rPr lang="en-US" dirty="0"/>
+              <a:t> </a:t>
+            </a:r>
+            <a:r>
+              <a:rPr lang="en-US" dirty="0" err="1"/>
+              <a:t>liệu</a:t>
+            </a:r>
+            <a:r>
+              <a:rPr lang="en-US" dirty="0"/>
+              <a:t> </a:t>
+            </a:r>
+            <a:r>
+              <a:rPr lang="en-US" dirty="0" err="1"/>
+              <a:t>năng</a:t>
+            </a:r>
+            <a:r>
+              <a:rPr lang="en-US" dirty="0"/>
+              <a:t> </a:t>
+            </a:r>
+            <a:r>
+              <a:rPr lang="en-US" dirty="0" err="1"/>
+              <a:t>động</a:t>
+            </a:r>
+            <a:r>
+              <a:rPr lang="en-US" dirty="0"/>
+              <a:t> </a:t>
+            </a:r>
+            <a:r>
+              <a:rPr lang="en-US" dirty="0" err="1"/>
+              <a:t>và</a:t>
+            </a:r>
+            <a:r>
+              <a:rPr lang="en-US" dirty="0"/>
+              <a:t> </a:t>
+            </a:r>
+            <a:r>
+              <a:rPr lang="en-US" dirty="0" err="1"/>
+              <a:t>biểu</a:t>
+            </a:r>
+            <a:r>
+              <a:rPr lang="en-US" dirty="0"/>
+              <a:t> </a:t>
+            </a:r>
+            <a:r>
+              <a:rPr lang="en-US" dirty="0" err="1"/>
+              <a:t>cảm</a:t>
+            </a:r>
+            <a:r>
+              <a:rPr lang="en-US" dirty="0"/>
+              <a:t> </a:t>
+            </a:r>
+            <a:r>
+              <a:rPr lang="en-US" dirty="0" err="1"/>
+              <a:t>hơn</a:t>
+            </a:r>
+            <a:r>
+              <a:rPr lang="en-US" dirty="0"/>
+              <a:t>.</a:t>
+            </a:r>
+          </a:p>
+          <a:p>
+            <a:endParaRPr lang="en-US" dirty="0"/>
           </a:p>
         </p:txBody>
       </p:sp>
@@ -6382,6 +7650,13 @@
   <p:clrMapOvr>
     <a:masterClrMapping/>
   </p:clrMapOvr>
+  <p:timing>
+    <p:tnLst>
+      <p:par>
+        <p:cTn id="1" dur="indefinite" restart="never" nodeType="tmRoot"/>
+      </p:par>
+    </p:tnLst>
+  </p:timing>
 </p:sld>
 </file>
 
@@ -6419,11 +7694,7 @@
           <a:p>
             <a:r>
               <a:rPr lang="en-US" dirty="0"/>
-              <a:t>The Object-Relational Mismatch</a:t>
-            </a:r>
-            <a:r>
-              <a:rPr lang="en-US" dirty="0"/>
-              <a:t> </a:t>
+              <a:t>The Object-Relational Mismatch </a:t>
             </a:r>
             <a:br>
               <a:rPr lang="en-US" dirty="0"/>
@@ -6447,7 +7718,7 @@
           <a:bodyPr/>
           <a:lstStyle/>
           <a:p>
-            <a:endParaRPr lang="en-US"/>
+            <a:endParaRPr lang="en-US" dirty="0"/>
           </a:p>
         </p:txBody>
       </p:sp>
@@ -6461,6 +7732,13 @@
   <p:clrMapOvr>
     <a:masterClrMapping/>
   </p:clrMapOvr>
+  <p:timing>
+    <p:tnLst>
+      <p:par>
+        <p:cTn id="1" dur="indefinite" restart="never" nodeType="tmRoot"/>
+      </p:par>
+    </p:tnLst>
+  </p:timing>
 </p:sld>
 </file>
 
@@ -6493,38 +7771,6 @@
         </p:nvSpPr>
         <p:spPr/>
         <p:txBody>
-          <a:bodyPr>
-            <a:normAutofit fontScale="90000"/>
-          </a:bodyPr>
-          <a:lstStyle/>
-          <a:p>
-            <a:r>
-              <a:rPr lang="en-US" dirty="0"/>
-              <a:t>Many-to-One and Many-to-Many Relationships</a:t>
-            </a:r>
-            <a:r>
-              <a:rPr lang="en-US" dirty="0"/>
-              <a:t> </a:t>
-            </a:r>
-            <a:br>
-              <a:rPr lang="en-US" dirty="0"/>
-            </a:br>
-            <a:endParaRPr lang="en-US" dirty="0"/>
-          </a:p>
-        </p:txBody>
-      </p:sp>
-      <p:sp>
-        <p:nvSpPr>
-          <p:cNvPr id="3" name="Content Placeholder 2"/>
-          <p:cNvSpPr>
-            <a:spLocks noGrp="1"/>
-          </p:cNvSpPr>
-          <p:nvPr>
-            <p:ph idx="1"/>
-          </p:nvPr>
-        </p:nvSpPr>
-        <p:spPr/>
-        <p:txBody>
           <a:bodyPr/>
           <a:lstStyle/>
           <a:p>
@@ -6532,10 +7778,39 @@
           </a:p>
         </p:txBody>
       </p:sp>
+      <p:pic>
+        <p:nvPicPr>
+          <p:cNvPr id="4" name="Content Placeholder 3"/>
+          <p:cNvPicPr>
+            <a:picLocks noGrp="1" noChangeAspect="1"/>
+          </p:cNvPicPr>
+          <p:nvPr>
+            <p:ph idx="1"/>
+          </p:nvPr>
+        </p:nvPicPr>
+        <p:blipFill>
+          <a:blip r:embed="rId2">
+            <a:extLst>
+              <a:ext uri="{28A0092B-C50C-407E-A947-70E740481C1C}">
+                <a14:useLocalDpi xmlns:a14="http://schemas.microsoft.com/office/drawing/2010/main" val="0"/>
+              </a:ext>
+            </a:extLst>
+          </a:blip>
+          <a:stretch>
+            <a:fillRect/>
+          </a:stretch>
+        </p:blipFill>
+        <p:spPr>
+          <a:xfrm>
+            <a:off x="4300267" y="2016125"/>
+            <a:ext cx="4247831" cy="3449638"/>
+          </a:xfrm>
+        </p:spPr>
+      </p:pic>
     </p:spTree>
     <p:extLst>
       <p:ext uri="{BB962C8B-B14F-4D97-AF65-F5344CB8AC3E}">
-        <p14:creationId xmlns:p14="http://schemas.microsoft.com/office/powerpoint/2010/main" val="3175914244"/>
+        <p14:creationId xmlns:p14="http://schemas.microsoft.com/office/powerpoint/2010/main" val="1298675719"/>
       </p:ext>
     </p:extLst>
   </p:cSld>
@@ -6577,44 +7852,43 @@
           <a:bodyPr/>
           <a:lstStyle/>
           <a:p>
-            <a:r>
-              <a:rPr lang="en-US" dirty="0"/>
-              <a:t>Are Document Databases Repeating History?</a:t>
-            </a:r>
-            <a:r>
-              <a:rPr lang="en-US" dirty="0"/>
-              <a:t> </a:t>
-            </a:r>
-            <a:br>
-              <a:rPr lang="en-US" dirty="0"/>
-            </a:br>
-            <a:endParaRPr lang="en-US" dirty="0"/>
-          </a:p>
-        </p:txBody>
-      </p:sp>
-      <p:sp>
-        <p:nvSpPr>
-          <p:cNvPr id="3" name="Content Placeholder 2"/>
-          <p:cNvSpPr>
-            <a:spLocks noGrp="1"/>
-          </p:cNvSpPr>
+            <a:endParaRPr lang="en-US"/>
+          </a:p>
+        </p:txBody>
+      </p:sp>
+      <p:pic>
+        <p:nvPicPr>
+          <p:cNvPr id="4" name="Content Placeholder 3"/>
+          <p:cNvPicPr>
+            <a:picLocks noGrp="1" noChangeAspect="1"/>
+          </p:cNvPicPr>
           <p:nvPr>
             <p:ph idx="1"/>
           </p:nvPr>
-        </p:nvSpPr>
-        <p:spPr/>
-        <p:txBody>
-          <a:bodyPr/>
-          <a:lstStyle/>
-          <a:p>
-            <a:endParaRPr lang="en-US"/>
-          </a:p>
-        </p:txBody>
-      </p:sp>
+        </p:nvPicPr>
+        <p:blipFill>
+          <a:blip r:embed="rId2">
+            <a:extLst>
+              <a:ext uri="{28A0092B-C50C-407E-A947-70E740481C1C}">
+                <a14:useLocalDpi xmlns:a14="http://schemas.microsoft.com/office/drawing/2010/main" val="0"/>
+              </a:ext>
+            </a:extLst>
+          </a:blip>
+          <a:stretch>
+            <a:fillRect/>
+          </a:stretch>
+        </p:blipFill>
+        <p:spPr>
+          <a:xfrm>
+            <a:off x="4081159" y="2288179"/>
+            <a:ext cx="4344006" cy="2905530"/>
+          </a:xfrm>
+        </p:spPr>
+      </p:pic>
     </p:spTree>
     <p:extLst>
       <p:ext uri="{BB962C8B-B14F-4D97-AF65-F5344CB8AC3E}">
-        <p14:creationId xmlns:p14="http://schemas.microsoft.com/office/powerpoint/2010/main" val="645767223"/>
+        <p14:creationId xmlns:p14="http://schemas.microsoft.com/office/powerpoint/2010/main" val="2374307804"/>
       </p:ext>
     </p:extLst>
   </p:cSld>
@@ -6659,31 +7933,11 @@
           <a:lstStyle/>
           <a:p>
             <a:r>
-              <a:rPr lang="fr-FR" dirty="0" err="1"/>
-              <a:t>Relational</a:t>
-            </a:r>
-            <a:r>
-              <a:rPr lang="fr-FR" dirty="0"/>
-              <a:t> Versus Document </a:t>
-            </a:r>
-            <a:r>
-              <a:rPr lang="fr-FR" dirty="0" err="1"/>
-              <a:t>Databases</a:t>
-            </a:r>
-            <a:r>
-              <a:rPr lang="fr-FR" dirty="0"/>
-              <a:t> </a:t>
-            </a:r>
-            <a:r>
-              <a:rPr lang="fr-FR" dirty="0" err="1"/>
-              <a:t>Today</a:t>
-            </a:r>
-            <a:r>
-              <a:rPr lang="fr-FR" dirty="0"/>
-              <a:t> </a:t>
+              <a:rPr lang="en-US" dirty="0"/>
+              <a:t>Many-to-One and Many-to-Many Relationships </a:t>
             </a:r>
             <a:br>
-              <a:rPr lang="fr-FR" dirty="0"/>
+              <a:rPr lang="en-US" dirty="0"/>
             </a:br>
             <a:endParaRPr lang="en-US" dirty="0"/>
           </a:p>
@@ -6701,71 +7955,1195 @@
         </p:nvSpPr>
         <p:spPr/>
         <p:txBody>
-          <a:bodyPr/>
+          <a:bodyPr>
+            <a:normAutofit fontScale="85000" lnSpcReduction="10000"/>
+          </a:bodyPr>
           <a:lstStyle/>
           <a:p>
             <a:r>
-              <a:rPr lang="en-US" dirty="0"/>
-              <a:t>Which data model leads to simpler application code?</a:t>
-            </a:r>
-            <a:r>
-              <a:rPr lang="en-US" dirty="0"/>
-              <a:t> </a:t>
-            </a:r>
-            <a:endParaRPr lang="en-US" dirty="0" smtClean="0"/>
-          </a:p>
-          <a:p>
-            <a:r>
-              <a:rPr lang="en-US" dirty="0" smtClean="0"/>
-              <a:t>Schema </a:t>
-            </a:r>
-            <a:r>
-              <a:rPr lang="en-US" dirty="0"/>
-              <a:t>flexibility in the document model</a:t>
-            </a:r>
-            <a:r>
-              <a:rPr lang="en-US" dirty="0"/>
-              <a:t> </a:t>
-            </a:r>
-            <a:endParaRPr lang="en-US" dirty="0" smtClean="0"/>
-          </a:p>
-          <a:p>
-            <a:r>
-              <a:rPr lang="en-US" dirty="0"/>
-              <a:t>Data locality for queries</a:t>
-            </a:r>
-            <a:r>
-              <a:rPr lang="en-US" dirty="0"/>
-              <a:t> </a:t>
-            </a:r>
-            <a:endParaRPr lang="en-US" dirty="0" smtClean="0"/>
-          </a:p>
-          <a:p>
-            <a:r>
-              <a:rPr lang="en-US" dirty="0"/>
-              <a:t>Convergence of document and relational databases</a:t>
-            </a:r>
-            <a:r>
-              <a:rPr lang="en-US" dirty="0"/>
-              <a:t> </a:t>
-            </a:r>
-            <a:br>
-              <a:rPr lang="en-US" dirty="0"/>
-            </a:br>
-            <a:r>
-              <a:rPr lang="en-US" dirty="0"/>
-              <a:t/>
-            </a:r>
-            <a:br>
-              <a:rPr lang="en-US" dirty="0"/>
-            </a:br>
-            <a:r>
-              <a:rPr lang="en-US" dirty="0"/>
-              <a:t/>
-            </a:r>
-            <a:br>
-              <a:rPr lang="en-US" dirty="0"/>
-            </a:br>
+              <a:rPr lang="en-US" dirty="0" smtClean="0"/>
+              <a:t> </a:t>
+            </a:r>
+            <a:r>
+              <a:rPr lang="en-US" dirty="0" err="1"/>
+              <a:t>Phong</a:t>
+            </a:r>
+            <a:r>
+              <a:rPr lang="en-US" dirty="0"/>
+              <a:t> </a:t>
+            </a:r>
+            <a:r>
+              <a:rPr lang="en-US" dirty="0" err="1"/>
+              <a:t>cách</a:t>
+            </a:r>
+            <a:r>
+              <a:rPr lang="en-US" dirty="0"/>
+              <a:t> </a:t>
+            </a:r>
+            <a:r>
+              <a:rPr lang="en-US" dirty="0" err="1"/>
+              <a:t>nhất</a:t>
+            </a:r>
+            <a:r>
+              <a:rPr lang="en-US" dirty="0"/>
+              <a:t> </a:t>
+            </a:r>
+            <a:r>
+              <a:rPr lang="en-US" dirty="0" err="1"/>
+              <a:t>quán</a:t>
+            </a:r>
+            <a:r>
+              <a:rPr lang="en-US" dirty="0"/>
+              <a:t> </a:t>
+            </a:r>
+            <a:r>
+              <a:rPr lang="en-US" dirty="0" err="1"/>
+              <a:t>và</a:t>
+            </a:r>
+            <a:r>
+              <a:rPr lang="en-US" dirty="0"/>
+              <a:t> </a:t>
+            </a:r>
+            <a:r>
+              <a:rPr lang="en-US" dirty="0" err="1"/>
+              <a:t>chính</a:t>
+            </a:r>
+            <a:r>
+              <a:rPr lang="en-US" dirty="0"/>
+              <a:t> </a:t>
+            </a:r>
+            <a:r>
+              <a:rPr lang="en-US" dirty="0" err="1"/>
+              <a:t>tả</a:t>
+            </a:r>
+            <a:r>
+              <a:rPr lang="en-US" dirty="0"/>
+              <a:t> </a:t>
+            </a:r>
+            <a:r>
+              <a:rPr lang="en-US" dirty="0" err="1"/>
+              <a:t>trên</a:t>
+            </a:r>
+            <a:r>
+              <a:rPr lang="en-US" dirty="0"/>
+              <a:t> </a:t>
+            </a:r>
+            <a:r>
+              <a:rPr lang="en-US" dirty="0" err="1"/>
+              <a:t>các</a:t>
+            </a:r>
+            <a:r>
+              <a:rPr lang="en-US" dirty="0"/>
+              <a:t> </a:t>
+            </a:r>
+            <a:r>
+              <a:rPr lang="en-US" dirty="0" err="1"/>
+              <a:t>hồ</a:t>
+            </a:r>
+            <a:r>
+              <a:rPr lang="en-US" dirty="0"/>
+              <a:t> </a:t>
+            </a:r>
+            <a:r>
+              <a:rPr lang="en-US" dirty="0" err="1"/>
+              <a:t>sơ</a:t>
+            </a:r>
+            <a:endParaRPr lang="en-US" dirty="0"/>
+          </a:p>
+          <a:p>
+            <a:r>
+              <a:rPr lang="en-US" dirty="0" smtClean="0"/>
+              <a:t> </a:t>
+            </a:r>
+            <a:r>
+              <a:rPr lang="en-US" dirty="0" err="1"/>
+              <a:t>Tránh</a:t>
+            </a:r>
+            <a:r>
+              <a:rPr lang="en-US" dirty="0"/>
+              <a:t> </a:t>
+            </a:r>
+            <a:r>
+              <a:rPr lang="en-US" dirty="0" err="1"/>
+              <a:t>sự</a:t>
+            </a:r>
+            <a:r>
+              <a:rPr lang="en-US" dirty="0"/>
+              <a:t> </a:t>
+            </a:r>
+            <a:r>
+              <a:rPr lang="en-US" dirty="0" err="1"/>
+              <a:t>mơ</a:t>
+            </a:r>
+            <a:r>
+              <a:rPr lang="en-US" dirty="0"/>
+              <a:t> </a:t>
+            </a:r>
+            <a:r>
+              <a:rPr lang="en-US" dirty="0" err="1"/>
+              <a:t>hồ</a:t>
+            </a:r>
+            <a:r>
+              <a:rPr lang="en-US" dirty="0"/>
+              <a:t> (</a:t>
+            </a:r>
+            <a:r>
+              <a:rPr lang="en-US" dirty="0" err="1"/>
+              <a:t>ví</a:t>
+            </a:r>
+            <a:r>
+              <a:rPr lang="en-US" dirty="0"/>
+              <a:t> </a:t>
+            </a:r>
+            <a:r>
+              <a:rPr lang="en-US" dirty="0" err="1"/>
+              <a:t>dụ</a:t>
+            </a:r>
+            <a:r>
+              <a:rPr lang="en-US" dirty="0"/>
+              <a:t>: </a:t>
+            </a:r>
+            <a:r>
+              <a:rPr lang="en-US" dirty="0" err="1"/>
+              <a:t>nếu</a:t>
+            </a:r>
+            <a:r>
+              <a:rPr lang="en-US" dirty="0"/>
+              <a:t> </a:t>
+            </a:r>
+            <a:r>
+              <a:rPr lang="en-US" dirty="0" err="1"/>
+              <a:t>có</a:t>
+            </a:r>
+            <a:r>
+              <a:rPr lang="en-US" dirty="0"/>
+              <a:t> </a:t>
+            </a:r>
+            <a:r>
+              <a:rPr lang="en-US" dirty="0" err="1"/>
+              <a:t>một</a:t>
+            </a:r>
+            <a:r>
+              <a:rPr lang="en-US" dirty="0"/>
+              <a:t> </a:t>
+            </a:r>
+            <a:r>
+              <a:rPr lang="en-US" dirty="0" err="1"/>
+              <a:t>số</a:t>
+            </a:r>
+            <a:r>
+              <a:rPr lang="en-US" dirty="0"/>
+              <a:t> </a:t>
+            </a:r>
+            <a:r>
+              <a:rPr lang="en-US" dirty="0" err="1"/>
+              <a:t>thành</a:t>
+            </a:r>
+            <a:r>
+              <a:rPr lang="en-US" dirty="0"/>
+              <a:t> </a:t>
+            </a:r>
+            <a:r>
+              <a:rPr lang="en-US" dirty="0" err="1"/>
+              <a:t>phố</a:t>
+            </a:r>
+            <a:r>
+              <a:rPr lang="en-US" dirty="0"/>
+              <a:t> </a:t>
+            </a:r>
+            <a:r>
+              <a:rPr lang="en-US" dirty="0" err="1"/>
+              <a:t>có</a:t>
+            </a:r>
+            <a:r>
+              <a:rPr lang="en-US" dirty="0"/>
+              <a:t> </a:t>
+            </a:r>
+            <a:r>
+              <a:rPr lang="en-US" dirty="0" err="1"/>
+              <a:t>cùng</a:t>
+            </a:r>
+            <a:r>
+              <a:rPr lang="en-US" dirty="0"/>
+              <a:t> </a:t>
+            </a:r>
+            <a:r>
+              <a:rPr lang="en-US" dirty="0" err="1"/>
+              <a:t>tên</a:t>
+            </a:r>
+            <a:r>
+              <a:rPr lang="en-US" dirty="0"/>
+              <a:t>)</a:t>
+            </a:r>
+          </a:p>
+          <a:p>
+            <a:r>
+              <a:rPr lang="en-US" dirty="0" smtClean="0"/>
+              <a:t> </a:t>
+            </a:r>
+            <a:r>
+              <a:rPr lang="en-US" dirty="0" err="1"/>
+              <a:t>Dễ</a:t>
+            </a:r>
+            <a:r>
+              <a:rPr lang="en-US" dirty="0"/>
+              <a:t> </a:t>
+            </a:r>
+            <a:r>
+              <a:rPr lang="en-US" dirty="0" err="1"/>
+              <a:t>cập</a:t>
+            </a:r>
+            <a:r>
+              <a:rPr lang="en-US" dirty="0"/>
+              <a:t> </a:t>
+            </a:r>
+            <a:r>
+              <a:rPr lang="en-US" dirty="0" err="1"/>
+              <a:t>nhật</a:t>
+            </a:r>
+            <a:r>
+              <a:rPr lang="en-US" dirty="0"/>
+              <a:t>, </a:t>
+            </a:r>
+            <a:r>
+              <a:rPr lang="en-US" dirty="0" err="1"/>
+              <a:t>tên</a:t>
+            </a:r>
+            <a:r>
+              <a:rPr lang="en-US" dirty="0"/>
+              <a:t> </a:t>
+            </a:r>
+            <a:r>
+              <a:rPr lang="en-US" dirty="0" err="1"/>
+              <a:t>chỉ</a:t>
+            </a:r>
+            <a:r>
+              <a:rPr lang="en-US" dirty="0"/>
+              <a:t> </a:t>
+            </a:r>
+            <a:r>
+              <a:rPr lang="en-US" dirty="0" err="1"/>
+              <a:t>được</a:t>
+            </a:r>
+            <a:r>
+              <a:rPr lang="en-US" dirty="0"/>
+              <a:t> </a:t>
+            </a:r>
+            <a:r>
+              <a:rPr lang="en-US" dirty="0" err="1"/>
+              <a:t>lưu</a:t>
+            </a:r>
+            <a:r>
+              <a:rPr lang="en-US" dirty="0"/>
+              <a:t> </a:t>
+            </a:r>
+            <a:r>
+              <a:rPr lang="en-US" dirty="0" err="1"/>
+              <a:t>trữ</a:t>
+            </a:r>
+            <a:r>
+              <a:rPr lang="en-US" dirty="0"/>
+              <a:t> ở </a:t>
+            </a:r>
+            <a:r>
+              <a:rPr lang="en-US" dirty="0" err="1"/>
+              <a:t>một</a:t>
+            </a:r>
+            <a:r>
+              <a:rPr lang="en-US" dirty="0"/>
+              <a:t> </a:t>
+            </a:r>
+            <a:r>
+              <a:rPr lang="en-US" dirty="0" err="1"/>
+              <a:t>nơi</a:t>
+            </a:r>
+            <a:r>
+              <a:rPr lang="en-US" dirty="0"/>
+              <a:t>, do </a:t>
+            </a:r>
+            <a:r>
+              <a:rPr lang="en-US" dirty="0" err="1"/>
+              <a:t>đó</a:t>
+            </a:r>
+            <a:r>
+              <a:rPr lang="en-US" dirty="0"/>
+              <a:t> </a:t>
+            </a:r>
+            <a:r>
+              <a:rPr lang="en-US" dirty="0" err="1"/>
+              <a:t>rất</a:t>
+            </a:r>
+            <a:r>
+              <a:rPr lang="en-US" dirty="0"/>
+              <a:t> </a:t>
+            </a:r>
+            <a:r>
+              <a:rPr lang="en-US" dirty="0" err="1"/>
+              <a:t>dễ</a:t>
+            </a:r>
+            <a:r>
+              <a:rPr lang="en-US" dirty="0"/>
+              <a:t> </a:t>
+            </a:r>
+            <a:r>
+              <a:rPr lang="en-US" dirty="0" err="1"/>
+              <a:t>cập</a:t>
+            </a:r>
+            <a:r>
+              <a:rPr lang="en-US" dirty="0"/>
+              <a:t> </a:t>
+            </a:r>
+            <a:r>
+              <a:rPr lang="en-US" dirty="0" err="1"/>
+              <a:t>nhật</a:t>
+            </a:r>
+            <a:r>
+              <a:rPr lang="en-US" dirty="0"/>
+              <a:t> </a:t>
+            </a:r>
+            <a:r>
+              <a:rPr lang="en-US" dirty="0" err="1"/>
+              <a:t>trên</a:t>
+            </a:r>
+            <a:r>
+              <a:rPr lang="en-US" dirty="0"/>
+              <a:t> </a:t>
+            </a:r>
+            <a:r>
+              <a:rPr lang="en-US" dirty="0" err="1"/>
+              <a:t>bảng</a:t>
+            </a:r>
+            <a:r>
+              <a:rPr lang="en-US" dirty="0"/>
+              <a:t> </a:t>
+            </a:r>
+            <a:r>
+              <a:rPr lang="en-US" dirty="0" err="1"/>
+              <a:t>nếu</a:t>
+            </a:r>
+            <a:r>
+              <a:rPr lang="en-US" dirty="0"/>
+              <a:t> </a:t>
+            </a:r>
+            <a:r>
+              <a:rPr lang="en-US" dirty="0" err="1"/>
+              <a:t>cần</a:t>
+            </a:r>
+            <a:r>
+              <a:rPr lang="en-US" dirty="0"/>
+              <a:t> </a:t>
+            </a:r>
+            <a:r>
+              <a:rPr lang="en-US" dirty="0" err="1"/>
+              <a:t>thay</a:t>
+            </a:r>
+            <a:r>
+              <a:rPr lang="en-US" dirty="0"/>
+              <a:t> </a:t>
+            </a:r>
+            <a:r>
+              <a:rPr lang="en-US" dirty="0" err="1"/>
+              <a:t>đổi</a:t>
+            </a:r>
+            <a:r>
+              <a:rPr lang="en-US" dirty="0"/>
+              <a:t> (</a:t>
+            </a:r>
+            <a:r>
+              <a:rPr lang="en-US" dirty="0" err="1"/>
+              <a:t>ví</a:t>
+            </a:r>
+            <a:r>
+              <a:rPr lang="en-US" dirty="0"/>
+              <a:t> </a:t>
+            </a:r>
+            <a:r>
+              <a:rPr lang="en-US" dirty="0" err="1"/>
+              <a:t>dụ</a:t>
+            </a:r>
+            <a:r>
+              <a:rPr lang="en-US" dirty="0"/>
+              <a:t>: </a:t>
+            </a:r>
+            <a:r>
+              <a:rPr lang="en-US" dirty="0" err="1"/>
+              <a:t>thay</a:t>
+            </a:r>
+            <a:r>
+              <a:rPr lang="en-US" dirty="0"/>
+              <a:t> </a:t>
+            </a:r>
+            <a:r>
+              <a:rPr lang="en-US" dirty="0" err="1"/>
+              <a:t>đổi</a:t>
+            </a:r>
+            <a:r>
+              <a:rPr lang="en-US" dirty="0"/>
+              <a:t> </a:t>
+            </a:r>
+            <a:r>
+              <a:rPr lang="en-US" dirty="0" err="1"/>
+              <a:t>tên</a:t>
+            </a:r>
+            <a:r>
+              <a:rPr lang="en-US" dirty="0"/>
+              <a:t> </a:t>
+            </a:r>
+            <a:r>
+              <a:rPr lang="en-US" dirty="0" err="1"/>
+              <a:t>thành</a:t>
+            </a:r>
+            <a:r>
+              <a:rPr lang="en-US" dirty="0"/>
+              <a:t> </a:t>
+            </a:r>
+            <a:r>
+              <a:rPr lang="en-US" dirty="0" err="1"/>
+              <a:t>phố</a:t>
+            </a:r>
+            <a:r>
+              <a:rPr lang="en-US" dirty="0"/>
+              <a:t> do </a:t>
+            </a:r>
+            <a:r>
+              <a:rPr lang="en-US" dirty="0" err="1"/>
+              <a:t>các</a:t>
+            </a:r>
+            <a:r>
+              <a:rPr lang="en-US" dirty="0"/>
+              <a:t> </a:t>
+            </a:r>
+            <a:r>
+              <a:rPr lang="en-US" dirty="0" err="1"/>
+              <a:t>sự</a:t>
+            </a:r>
+            <a:r>
+              <a:rPr lang="en-US" dirty="0"/>
+              <a:t> </a:t>
+            </a:r>
+            <a:r>
+              <a:rPr lang="en-US" dirty="0" err="1"/>
+              <a:t>kiện</a:t>
+            </a:r>
+            <a:r>
+              <a:rPr lang="en-US" dirty="0"/>
+              <a:t> </a:t>
+            </a:r>
+            <a:r>
+              <a:rPr lang="en-US" dirty="0" err="1"/>
+              <a:t>chính</a:t>
+            </a:r>
+            <a:r>
+              <a:rPr lang="en-US" dirty="0"/>
+              <a:t> </a:t>
+            </a:r>
+            <a:r>
+              <a:rPr lang="en-US" dirty="0" err="1"/>
+              <a:t>trị</a:t>
+            </a:r>
+            <a:r>
+              <a:rPr lang="en-US" dirty="0"/>
+              <a:t>)</a:t>
+            </a:r>
+          </a:p>
+          <a:p>
+            <a:r>
+              <a:rPr lang="en-US" dirty="0" smtClean="0"/>
+              <a:t> </a:t>
+            </a:r>
+            <a:r>
+              <a:rPr lang="en-US" dirty="0" err="1"/>
+              <a:t>Hỗ</a:t>
+            </a:r>
+            <a:r>
+              <a:rPr lang="en-US" dirty="0"/>
+              <a:t> </a:t>
+            </a:r>
+            <a:r>
+              <a:rPr lang="en-US" dirty="0" err="1"/>
+              <a:t>trợ</a:t>
+            </a:r>
+            <a:r>
+              <a:rPr lang="en-US" dirty="0"/>
+              <a:t> </a:t>
+            </a:r>
+            <a:r>
+              <a:rPr lang="en-US" dirty="0" err="1"/>
+              <a:t>bản</a:t>
+            </a:r>
+            <a:r>
+              <a:rPr lang="en-US" dirty="0"/>
+              <a:t> </a:t>
+            </a:r>
+            <a:r>
+              <a:rPr lang="en-US" dirty="0" err="1"/>
+              <a:t>địa</a:t>
+            </a:r>
+            <a:r>
+              <a:rPr lang="en-US" dirty="0"/>
+              <a:t> </a:t>
+            </a:r>
+            <a:r>
+              <a:rPr lang="en-US" dirty="0" err="1"/>
+              <a:t>hóa</a:t>
+            </a:r>
+            <a:r>
+              <a:rPr lang="en-US" dirty="0"/>
+              <a:t> </a:t>
+            </a:r>
+            <a:r>
+              <a:rPr lang="en-US" dirty="0" err="1"/>
+              <a:t>khi</a:t>
+            </a:r>
+            <a:r>
+              <a:rPr lang="en-US" dirty="0"/>
+              <a:t> </a:t>
+            </a:r>
+            <a:r>
+              <a:rPr lang="en-US" dirty="0" err="1"/>
+              <a:t>trang</a:t>
+            </a:r>
+            <a:r>
+              <a:rPr lang="en-US" dirty="0"/>
+              <a:t> web </a:t>
+            </a:r>
+            <a:r>
+              <a:rPr lang="en-US" dirty="0" err="1"/>
+              <a:t>được</a:t>
+            </a:r>
+            <a:r>
+              <a:rPr lang="en-US" dirty="0"/>
+              <a:t> </a:t>
+            </a:r>
+            <a:r>
+              <a:rPr lang="en-US" dirty="0" err="1"/>
+              <a:t>dịch</a:t>
+            </a:r>
+            <a:r>
+              <a:rPr lang="en-US" dirty="0"/>
+              <a:t> sang </a:t>
+            </a:r>
+            <a:r>
+              <a:rPr lang="en-US" dirty="0" err="1"/>
+              <a:t>các</a:t>
+            </a:r>
+            <a:r>
+              <a:rPr lang="en-US" dirty="0"/>
+              <a:t> </a:t>
+            </a:r>
+            <a:r>
+              <a:rPr lang="en-US" dirty="0" err="1"/>
+              <a:t>ngôn</a:t>
+            </a:r>
+            <a:r>
+              <a:rPr lang="en-US" dirty="0"/>
+              <a:t> </a:t>
+            </a:r>
+            <a:r>
+              <a:rPr lang="en-US" dirty="0" err="1"/>
+              <a:t>ngữ</a:t>
+            </a:r>
+            <a:r>
+              <a:rPr lang="en-US" dirty="0"/>
+              <a:t> </a:t>
+            </a:r>
+            <a:r>
+              <a:rPr lang="en-US" dirty="0" err="1"/>
+              <a:t>khác</a:t>
+            </a:r>
+            <a:r>
+              <a:rPr lang="en-US" dirty="0"/>
+              <a:t>, </a:t>
+            </a:r>
+            <a:r>
+              <a:rPr lang="en-US" dirty="0" err="1"/>
+              <a:t>các</a:t>
+            </a:r>
+            <a:r>
+              <a:rPr lang="en-US" dirty="0"/>
+              <a:t> </a:t>
+            </a:r>
+            <a:r>
+              <a:rPr lang="en-US" dirty="0" err="1"/>
+              <a:t>danh</a:t>
+            </a:r>
+            <a:r>
+              <a:rPr lang="en-US" dirty="0"/>
+              <a:t> </a:t>
+            </a:r>
+            <a:r>
+              <a:rPr lang="en-US" dirty="0" err="1"/>
+              <a:t>sách</a:t>
+            </a:r>
+            <a:r>
+              <a:rPr lang="en-US" dirty="0"/>
+              <a:t> </a:t>
+            </a:r>
+            <a:r>
+              <a:rPr lang="en-US" dirty="0" err="1"/>
+              <a:t>được</a:t>
+            </a:r>
+            <a:r>
+              <a:rPr lang="en-US" dirty="0"/>
+              <a:t> </a:t>
+            </a:r>
+            <a:r>
+              <a:rPr lang="en-US" dirty="0" err="1"/>
+              <a:t>tiêu</a:t>
+            </a:r>
+            <a:r>
+              <a:rPr lang="en-US" dirty="0"/>
+              <a:t> </a:t>
+            </a:r>
+            <a:r>
+              <a:rPr lang="en-US" dirty="0" err="1"/>
+              <a:t>chuẩn</a:t>
+            </a:r>
+            <a:r>
+              <a:rPr lang="en-US" dirty="0"/>
+              <a:t> </a:t>
+            </a:r>
+            <a:r>
+              <a:rPr lang="en-US" dirty="0" err="1"/>
+              <a:t>hóa</a:t>
+            </a:r>
+            <a:r>
+              <a:rPr lang="en-US" dirty="0"/>
+              <a:t> </a:t>
+            </a:r>
+            <a:r>
+              <a:rPr lang="en-US" dirty="0" err="1"/>
+              <a:t>có</a:t>
+            </a:r>
+            <a:r>
+              <a:rPr lang="en-US" dirty="0"/>
+              <a:t> </a:t>
+            </a:r>
+            <a:r>
+              <a:rPr lang="en-US" dirty="0" err="1"/>
+              <a:t>thể</a:t>
+            </a:r>
+            <a:r>
+              <a:rPr lang="en-US" dirty="0"/>
+              <a:t> </a:t>
+            </a:r>
+            <a:r>
+              <a:rPr lang="en-US" dirty="0" err="1"/>
+              <a:t>được</a:t>
+            </a:r>
+            <a:r>
+              <a:rPr lang="en-US" dirty="0"/>
+              <a:t> </a:t>
+            </a:r>
+            <a:r>
+              <a:rPr lang="en-US" dirty="0" err="1"/>
+              <a:t>bản</a:t>
+            </a:r>
+            <a:r>
+              <a:rPr lang="en-US" dirty="0"/>
+              <a:t> </a:t>
+            </a:r>
+            <a:r>
+              <a:rPr lang="en-US" dirty="0" err="1"/>
+              <a:t>địa</a:t>
+            </a:r>
+            <a:r>
+              <a:rPr lang="en-US" dirty="0"/>
+              <a:t> </a:t>
+            </a:r>
+            <a:r>
+              <a:rPr lang="en-US" dirty="0" err="1"/>
+              <a:t>hóa</a:t>
+            </a:r>
+            <a:r>
+              <a:rPr lang="en-US" dirty="0"/>
+              <a:t>, do </a:t>
+            </a:r>
+            <a:r>
+              <a:rPr lang="en-US" dirty="0" err="1"/>
+              <a:t>đó</a:t>
+            </a:r>
+            <a:r>
+              <a:rPr lang="en-US" dirty="0"/>
+              <a:t>, </a:t>
+            </a:r>
+            <a:r>
+              <a:rPr lang="en-US" dirty="0" err="1"/>
+              <a:t>khu</a:t>
+            </a:r>
+            <a:r>
+              <a:rPr lang="en-US" dirty="0"/>
+              <a:t> </a:t>
+            </a:r>
+            <a:r>
+              <a:rPr lang="en-US" dirty="0" err="1"/>
+              <a:t>vực</a:t>
+            </a:r>
+            <a:r>
+              <a:rPr lang="en-US" dirty="0"/>
+              <a:t> </a:t>
+            </a:r>
+            <a:r>
+              <a:rPr lang="en-US" dirty="0" err="1"/>
+              <a:t>và</a:t>
+            </a:r>
+            <a:r>
+              <a:rPr lang="en-US" dirty="0"/>
+              <a:t> </a:t>
+            </a:r>
+            <a:r>
+              <a:rPr lang="en-US" dirty="0" err="1"/>
+              <a:t>ngành</a:t>
+            </a:r>
+            <a:r>
+              <a:rPr lang="en-US" dirty="0"/>
+              <a:t> </a:t>
+            </a:r>
+            <a:r>
+              <a:rPr lang="en-US" dirty="0" err="1"/>
+              <a:t>có</a:t>
+            </a:r>
+            <a:r>
+              <a:rPr lang="en-US" dirty="0"/>
+              <a:t> </a:t>
+            </a:r>
+            <a:r>
+              <a:rPr lang="en-US" dirty="0" err="1"/>
+              <a:t>thể</a:t>
+            </a:r>
+            <a:r>
+              <a:rPr lang="en-US" dirty="0"/>
+              <a:t> </a:t>
+            </a:r>
+            <a:r>
+              <a:rPr lang="en-US" dirty="0" err="1"/>
+              <a:t>được</a:t>
+            </a:r>
+            <a:r>
+              <a:rPr lang="en-US" dirty="0"/>
+              <a:t> </a:t>
+            </a:r>
+            <a:r>
+              <a:rPr lang="en-US" dirty="0" err="1"/>
+              <a:t>hiển</a:t>
+            </a:r>
+            <a:r>
+              <a:rPr lang="en-US" dirty="0"/>
+              <a:t> </a:t>
+            </a:r>
+            <a:r>
+              <a:rPr lang="en-US" dirty="0" err="1"/>
+              <a:t>thị</a:t>
+            </a:r>
+            <a:r>
+              <a:rPr lang="en-US" dirty="0"/>
+              <a:t> </a:t>
+            </a:r>
+            <a:r>
+              <a:rPr lang="en-US" dirty="0" err="1"/>
+              <a:t>bằng</a:t>
+            </a:r>
+            <a:r>
+              <a:rPr lang="en-US" dirty="0"/>
+              <a:t> </a:t>
+            </a:r>
+            <a:r>
+              <a:rPr lang="en-US" dirty="0" err="1"/>
+              <a:t>ngôn</a:t>
+            </a:r>
+            <a:r>
+              <a:rPr lang="en-US" dirty="0"/>
+              <a:t> </a:t>
+            </a:r>
+            <a:r>
+              <a:rPr lang="en-US" dirty="0" err="1"/>
+              <a:t>ngữ</a:t>
+            </a:r>
+            <a:r>
+              <a:rPr lang="en-US" dirty="0"/>
+              <a:t> </a:t>
+            </a:r>
+            <a:r>
+              <a:rPr lang="en-US" dirty="0" err="1"/>
+              <a:t>của</a:t>
+            </a:r>
+            <a:r>
+              <a:rPr lang="en-US" dirty="0"/>
+              <a:t> </a:t>
+            </a:r>
+            <a:r>
+              <a:rPr lang="en-US" dirty="0" err="1"/>
+              <a:t>người</a:t>
+            </a:r>
+            <a:r>
+              <a:rPr lang="en-US" dirty="0"/>
+              <a:t> </a:t>
+            </a:r>
+            <a:r>
+              <a:rPr lang="en-US" dirty="0" err="1"/>
+              <a:t>xem</a:t>
+            </a:r>
+            <a:endParaRPr lang="en-US" dirty="0"/>
+          </a:p>
+          <a:p>
+            <a:r>
+              <a:rPr lang="en-US" dirty="0" smtClean="0"/>
+              <a:t> </a:t>
+            </a:r>
+            <a:r>
+              <a:rPr lang="en-US" dirty="0" err="1"/>
+              <a:t>Tìm</a:t>
+            </a:r>
+            <a:r>
+              <a:rPr lang="en-US" dirty="0"/>
+              <a:t> </a:t>
+            </a:r>
+            <a:r>
+              <a:rPr lang="en-US" dirty="0" err="1"/>
+              <a:t>kiếm</a:t>
+            </a:r>
+            <a:r>
+              <a:rPr lang="en-US" dirty="0"/>
+              <a:t> </a:t>
+            </a:r>
+            <a:r>
+              <a:rPr lang="en-US" dirty="0" err="1"/>
+              <a:t>tốt</a:t>
+            </a:r>
+            <a:r>
+              <a:rPr lang="en-US" dirty="0"/>
+              <a:t> </a:t>
+            </a:r>
+            <a:r>
+              <a:rPr lang="en-US" dirty="0" err="1"/>
+              <a:t>hơn</a:t>
+            </a:r>
+            <a:r>
+              <a:rPr lang="en-US" dirty="0"/>
+              <a:t>, </a:t>
+            </a:r>
+            <a:r>
+              <a:rPr lang="en-US" dirty="0" err="1"/>
+              <a:t>ví</a:t>
+            </a:r>
+            <a:r>
+              <a:rPr lang="en-US" dirty="0"/>
+              <a:t> </a:t>
+            </a:r>
+            <a:r>
+              <a:rPr lang="en-US" dirty="0" err="1"/>
+              <a:t>dụ</a:t>
+            </a:r>
+            <a:r>
+              <a:rPr lang="en-US" dirty="0"/>
+              <a:t>, </a:t>
+            </a:r>
+            <a:r>
+              <a:rPr lang="en-US" dirty="0" err="1"/>
+              <a:t>một</a:t>
+            </a:r>
+            <a:r>
+              <a:rPr lang="en-US" dirty="0"/>
+              <a:t> </a:t>
+            </a:r>
+            <a:r>
+              <a:rPr lang="en-US" dirty="0" err="1"/>
+              <a:t>tìm</a:t>
+            </a:r>
+            <a:r>
+              <a:rPr lang="en-US" dirty="0"/>
+              <a:t> </a:t>
+            </a:r>
+            <a:r>
+              <a:rPr lang="en-US" dirty="0" err="1"/>
+              <a:t>kiếm</a:t>
+            </a:r>
+            <a:r>
+              <a:rPr lang="en-US" dirty="0"/>
+              <a:t> </a:t>
+            </a:r>
+            <a:r>
+              <a:rPr lang="en-US" dirty="0" err="1"/>
+              <a:t>cho</a:t>
+            </a:r>
+            <a:r>
+              <a:rPr lang="en-US" dirty="0"/>
+              <a:t> </a:t>
+            </a:r>
+            <a:r>
+              <a:rPr lang="en-US" dirty="0" err="1"/>
+              <a:t>các</a:t>
+            </a:r>
+            <a:r>
+              <a:rPr lang="en-US" dirty="0"/>
+              <a:t> </a:t>
+            </a:r>
+            <a:r>
+              <a:rPr lang="en-US" dirty="0" err="1"/>
+              <a:t>nhà</a:t>
+            </a:r>
+            <a:r>
+              <a:rPr lang="en-US" dirty="0"/>
+              <a:t> </a:t>
+            </a:r>
+            <a:r>
+              <a:rPr lang="en-US" dirty="0" err="1"/>
+              <a:t>hảo</a:t>
+            </a:r>
+            <a:r>
+              <a:rPr lang="en-US" dirty="0"/>
+              <a:t> </a:t>
+            </a:r>
+            <a:r>
+              <a:rPr lang="en-US" dirty="0" err="1"/>
+              <a:t>tâm</a:t>
+            </a:r>
+            <a:r>
+              <a:rPr lang="en-US" dirty="0"/>
+              <a:t> ở </a:t>
+            </a:r>
+            <a:r>
+              <a:rPr lang="en-US" dirty="0" err="1"/>
+              <a:t>tiểu</a:t>
+            </a:r>
+            <a:r>
+              <a:rPr lang="en-US" dirty="0"/>
+              <a:t> bang Washington </a:t>
+            </a:r>
+            <a:r>
+              <a:rPr lang="en-US" dirty="0" err="1"/>
+              <a:t>có</a:t>
+            </a:r>
+            <a:r>
+              <a:rPr lang="en-US" dirty="0"/>
+              <a:t> </a:t>
+            </a:r>
+            <a:r>
+              <a:rPr lang="en-US" dirty="0" err="1"/>
+              <a:t>thể</a:t>
+            </a:r>
+            <a:r>
+              <a:rPr lang="en-US" dirty="0"/>
+              <a:t> </a:t>
+            </a:r>
+            <a:r>
+              <a:rPr lang="en-US" dirty="0" err="1"/>
+              <a:t>phù</a:t>
+            </a:r>
+            <a:r>
+              <a:rPr lang="en-US" dirty="0"/>
+              <a:t> </a:t>
+            </a:r>
+            <a:r>
+              <a:rPr lang="en-US" dirty="0" err="1"/>
+              <a:t>hợp</a:t>
+            </a:r>
+            <a:r>
+              <a:rPr lang="en-US" dirty="0"/>
+              <a:t> </a:t>
+            </a:r>
+            <a:r>
+              <a:rPr lang="en-US" dirty="0" err="1"/>
+              <a:t>với</a:t>
+            </a:r>
+            <a:r>
+              <a:rPr lang="en-US" dirty="0"/>
+              <a:t> </a:t>
+            </a:r>
+            <a:r>
+              <a:rPr lang="en-US" dirty="0" err="1"/>
+              <a:t>hồ</a:t>
+            </a:r>
+            <a:r>
+              <a:rPr lang="en-US" dirty="0"/>
+              <a:t> </a:t>
+            </a:r>
+            <a:r>
+              <a:rPr lang="en-US" dirty="0" err="1"/>
+              <a:t>sơ</a:t>
+            </a:r>
+            <a:r>
+              <a:rPr lang="en-US" dirty="0"/>
+              <a:t> </a:t>
+            </a:r>
+            <a:r>
+              <a:rPr lang="en-US" dirty="0" err="1"/>
+              <a:t>này</a:t>
+            </a:r>
+            <a:r>
+              <a:rPr lang="en-US" dirty="0"/>
+              <a:t> </a:t>
+            </a:r>
+            <a:r>
+              <a:rPr lang="en-US" dirty="0" err="1"/>
+              <a:t>vì</a:t>
+            </a:r>
+            <a:r>
+              <a:rPr lang="en-US" dirty="0"/>
+              <a:t> </a:t>
+            </a:r>
+            <a:r>
+              <a:rPr lang="en-US" dirty="0" err="1"/>
+              <a:t>danh</a:t>
+            </a:r>
+            <a:r>
+              <a:rPr lang="en-US" dirty="0"/>
+              <a:t> </a:t>
+            </a:r>
+            <a:r>
+              <a:rPr lang="en-US" dirty="0" err="1"/>
+              <a:t>sách</a:t>
+            </a:r>
+            <a:r>
+              <a:rPr lang="en-US" dirty="0"/>
+              <a:t> </a:t>
+            </a:r>
+            <a:r>
+              <a:rPr lang="en-US" dirty="0" err="1"/>
+              <a:t>các</a:t>
+            </a:r>
+            <a:r>
+              <a:rPr lang="en-US" dirty="0"/>
+              <a:t> </a:t>
+            </a:r>
+            <a:r>
+              <a:rPr lang="en-US" dirty="0" err="1"/>
+              <a:t>khu</a:t>
+            </a:r>
+            <a:r>
+              <a:rPr lang="en-US" dirty="0"/>
+              <a:t> </a:t>
+            </a:r>
+            <a:r>
+              <a:rPr lang="en-US" dirty="0" err="1"/>
+              <a:t>vực</a:t>
+            </a:r>
+            <a:r>
+              <a:rPr lang="en-US" dirty="0"/>
+              <a:t> </a:t>
+            </a:r>
+            <a:r>
+              <a:rPr lang="en-US" dirty="0" err="1"/>
+              <a:t>có</a:t>
+            </a:r>
+            <a:r>
+              <a:rPr lang="en-US" dirty="0"/>
+              <a:t> </a:t>
+            </a:r>
+            <a:r>
+              <a:rPr lang="en-US" dirty="0" err="1"/>
+              <a:t>thể</a:t>
+            </a:r>
+            <a:r>
+              <a:rPr lang="en-US" dirty="0"/>
+              <a:t> </a:t>
+            </a:r>
+            <a:r>
+              <a:rPr lang="en-US" dirty="0" err="1"/>
+              <a:t>mã</a:t>
+            </a:r>
+            <a:r>
+              <a:rPr lang="en-US" dirty="0"/>
+              <a:t> </a:t>
+            </a:r>
+            <a:r>
+              <a:rPr lang="en-US" dirty="0" err="1"/>
+              <a:t>hóa</a:t>
+            </a:r>
+            <a:r>
+              <a:rPr lang="en-US" dirty="0"/>
+              <a:t> </a:t>
+            </a:r>
+            <a:r>
+              <a:rPr lang="en-US" dirty="0" err="1"/>
+              <a:t>thực</a:t>
+            </a:r>
+            <a:r>
+              <a:rPr lang="en-US" dirty="0"/>
+              <a:t> </a:t>
+            </a:r>
+            <a:r>
+              <a:rPr lang="en-US" dirty="0" err="1"/>
+              <a:t>tế</a:t>
+            </a:r>
+            <a:r>
+              <a:rPr lang="en-US" dirty="0"/>
+              <a:t> </a:t>
+            </a:r>
+            <a:r>
+              <a:rPr lang="en-US" dirty="0" err="1"/>
+              <a:t>rằng</a:t>
+            </a:r>
+            <a:r>
+              <a:rPr lang="en-US" dirty="0"/>
+              <a:t> Seattle </a:t>
+            </a:r>
+            <a:r>
+              <a:rPr lang="en-US" dirty="0" err="1"/>
+              <a:t>đang</a:t>
+            </a:r>
+            <a:r>
+              <a:rPr lang="en-US" dirty="0"/>
+              <a:t> ở Washington (</a:t>
+            </a:r>
+            <a:r>
+              <a:rPr lang="en-US" dirty="0" err="1"/>
+              <a:t>không</a:t>
+            </a:r>
+            <a:r>
+              <a:rPr lang="en-US" dirty="0"/>
+              <a:t> </a:t>
+            </a:r>
+            <a:r>
+              <a:rPr lang="en-US" dirty="0" err="1"/>
+              <a:t>rõ</a:t>
+            </a:r>
+            <a:r>
+              <a:rPr lang="en-US" dirty="0"/>
+              <a:t> </a:t>
+            </a:r>
+            <a:r>
+              <a:rPr lang="en-US" dirty="0" err="1"/>
+              <a:t>ràng</a:t>
+            </a:r>
+            <a:r>
+              <a:rPr lang="en-US" dirty="0"/>
+              <a:t> </a:t>
+            </a:r>
+            <a:r>
+              <a:rPr lang="en-US" dirty="0" err="1"/>
+              <a:t>từ</a:t>
+            </a:r>
+            <a:r>
+              <a:rPr lang="en-US" dirty="0"/>
+              <a:t> </a:t>
+            </a:r>
+            <a:r>
+              <a:rPr lang="en-US" dirty="0" err="1"/>
+              <a:t>chuỗi</a:t>
+            </a:r>
+            <a:r>
+              <a:rPr lang="en-US" dirty="0"/>
+              <a:t> "</a:t>
+            </a:r>
+            <a:r>
+              <a:rPr lang="en-US" dirty="0" err="1"/>
+              <a:t>Khu</a:t>
+            </a:r>
+            <a:r>
+              <a:rPr lang="en-US" dirty="0"/>
+              <a:t> </a:t>
+            </a:r>
+            <a:r>
+              <a:rPr lang="en-US" dirty="0" err="1"/>
+              <a:t>vực</a:t>
+            </a:r>
+            <a:r>
+              <a:rPr lang="en-US" dirty="0"/>
+              <a:t> Greater Seattle")</a:t>
+            </a:r>
+          </a:p>
+          <a:p>
             <a:endParaRPr lang="en-US" dirty="0"/>
           </a:p>
         </p:txBody>
@@ -6773,13 +9151,20 @@
     </p:spTree>
     <p:extLst>
       <p:ext uri="{BB962C8B-B14F-4D97-AF65-F5344CB8AC3E}">
-        <p14:creationId xmlns:p14="http://schemas.microsoft.com/office/powerpoint/2010/main" val="377641032"/>
+        <p14:creationId xmlns:p14="http://schemas.microsoft.com/office/powerpoint/2010/main" val="3175914244"/>
       </p:ext>
     </p:extLst>
   </p:cSld>
   <p:clrMapOvr>
     <a:masterClrMapping/>
   </p:clrMapOvr>
+  <p:timing>
+    <p:tnLst>
+      <p:par>
+        <p:cTn id="1" dur="indefinite" restart="never" nodeType="tmRoot"/>
+      </p:par>
+    </p:tnLst>
+  </p:timing>
 </p:sld>
 </file>
 
@@ -6816,9 +9201,12 @@
           <a:lstStyle/>
           <a:p>
             <a:r>
-              <a:rPr lang="en-US" dirty="0" smtClean="0"/>
-              <a:t>Query languages for data</a:t>
-            </a:r>
+              <a:rPr lang="en-US" dirty="0"/>
+              <a:t>Are Document Databases Repeating History? </a:t>
+            </a:r>
+            <a:br>
+              <a:rPr lang="en-US" dirty="0"/>
+            </a:br>
             <a:endParaRPr lang="en-US" dirty="0"/>
           </a:p>
         </p:txBody>
@@ -6838,61 +9226,27 @@
           <a:bodyPr/>
           <a:lstStyle/>
           <a:p>
-            <a:r>
-              <a:rPr lang="en-US" i="1" dirty="0"/>
-              <a:t>D</a:t>
-            </a:r>
-            <a:r>
-              <a:rPr lang="en-US" i="1" dirty="0" smtClean="0"/>
-              <a:t>eclarative </a:t>
-            </a:r>
-            <a:r>
-              <a:rPr lang="en-US" dirty="0"/>
-              <a:t>query language</a:t>
-            </a:r>
-            <a:r>
-              <a:rPr lang="en-US" dirty="0"/>
-              <a:t> </a:t>
-            </a:r>
-            <a:endParaRPr lang="en-US" dirty="0" smtClean="0"/>
-          </a:p>
-          <a:p>
-            <a:r>
-              <a:rPr lang="en-US" dirty="0" smtClean="0"/>
-              <a:t>Map-Reduce </a:t>
-            </a:r>
-            <a:r>
-              <a:rPr lang="en-US" dirty="0"/>
-              <a:t>Querying</a:t>
-            </a:r>
-            <a:r>
-              <a:rPr lang="en-US" dirty="0"/>
-              <a:t> </a:t>
-            </a:r>
-            <a:br>
-              <a:rPr lang="en-US" dirty="0"/>
-            </a:br>
-            <a:r>
-              <a:rPr lang="en-US" dirty="0"/>
-              <a:t/>
-            </a:r>
-            <a:br>
-              <a:rPr lang="en-US" dirty="0"/>
-            </a:br>
-            <a:endParaRPr lang="en-US" dirty="0"/>
+            <a:endParaRPr lang="en-US"/>
           </a:p>
         </p:txBody>
       </p:sp>
     </p:spTree>
     <p:extLst>
       <p:ext uri="{BB962C8B-B14F-4D97-AF65-F5344CB8AC3E}">
-        <p14:creationId xmlns:p14="http://schemas.microsoft.com/office/powerpoint/2010/main" val="3930232485"/>
+        <p14:creationId xmlns:p14="http://schemas.microsoft.com/office/powerpoint/2010/main" val="645767223"/>
       </p:ext>
     </p:extLst>
   </p:cSld>
   <p:clrMapOvr>
     <a:masterClrMapping/>
   </p:clrMapOvr>
+  <p:timing>
+    <p:tnLst>
+      <p:par>
+        <p:cTn id="1" dur="indefinite" restart="never" nodeType="tmRoot"/>
+      </p:par>
+    </p:tnLst>
+  </p:timing>
 </p:sld>
 </file>
 
